--- a/doc/EndPräsentation.pptx
+++ b/doc/EndPräsentation.pptx
@@ -5,17 +5,15 @@
     <p:sldMasterId id="2147483927" r:id="rId1"/>
   </p:sldMasterIdLst>
   <p:notesMasterIdLst>
-    <p:notesMasterId r:id="rId10"/>
+    <p:notesMasterId r:id="rId8"/>
   </p:notesMasterIdLst>
   <p:sldIdLst>
     <p:sldId id="256" r:id="rId2"/>
     <p:sldId id="257" r:id="rId3"/>
-    <p:sldId id="258" r:id="rId4"/>
-    <p:sldId id="259" r:id="rId5"/>
-    <p:sldId id="260" r:id="rId6"/>
-    <p:sldId id="261" r:id="rId7"/>
-    <p:sldId id="262" r:id="rId8"/>
-    <p:sldId id="263" r:id="rId9"/>
+    <p:sldId id="261" r:id="rId4"/>
+    <p:sldId id="260" r:id="rId5"/>
+    <p:sldId id="262" r:id="rId6"/>
+    <p:sldId id="263" r:id="rId7"/>
   </p:sldIdLst>
   <p:sldSz cx="12192000" cy="6858000"/>
   <p:notesSz cx="6858000" cy="9144000"/>
@@ -114,6 +112,11 @@
       </a:defRPr>
     </a:lvl9pPr>
   </p:defaultTextStyle>
+  <p:extLst>
+    <p:ext uri="{EFAFB233-063F-42B5-8137-9DF3F51BA10A}">
+      <p15:sldGuideLst xmlns:p15="http://schemas.microsoft.com/office/powerpoint/2012/main"/>
+    </p:ext>
+  </p:extLst>
 </p:presentation>
 </file>
 
@@ -1855,1535 +1858,6 @@
 </file>
 
 <file path=ppt/diagrams/colors2.xml><?xml version="1.0" encoding="utf-8"?>
-<dgm:colorsDef xmlns:dgm="http://schemas.openxmlformats.org/drawingml/2006/diagram" xmlns:a="http://schemas.openxmlformats.org/drawingml/2006/main" uniqueId="urn:microsoft.com/office/officeart/2005/8/colors/colorful2">
-  <dgm:title val=""/>
-  <dgm:desc val=""/>
-  <dgm:catLst>
-    <dgm:cat type="colorful" pri="10200"/>
-  </dgm:catLst>
-  <dgm:styleLbl name="node0">
-    <dgm:fillClrLst meth="repeat">
-      <a:schemeClr val="accent1"/>
-    </dgm:fillClrLst>
-    <dgm:linClrLst meth="repeat">
-      <a:schemeClr val="lt1"/>
-    </dgm:linClrLst>
-    <dgm:effectClrLst/>
-    <dgm:txLinClrLst/>
-    <dgm:txFillClrLst/>
-    <dgm:txEffectClrLst/>
-  </dgm:styleLbl>
-  <dgm:styleLbl name="node1">
-    <dgm:fillClrLst>
-      <a:schemeClr val="accent2"/>
-      <a:schemeClr val="accent3"/>
-    </dgm:fillClrLst>
-    <dgm:linClrLst meth="repeat">
-      <a:schemeClr val="lt1"/>
-    </dgm:linClrLst>
-    <dgm:effectClrLst/>
-    <dgm:txLinClrLst/>
-    <dgm:txFillClrLst/>
-    <dgm:txEffectClrLst/>
-  </dgm:styleLbl>
-  <dgm:styleLbl name="alignNode1">
-    <dgm:fillClrLst>
-      <a:schemeClr val="accent2"/>
-      <a:schemeClr val="accent3"/>
-    </dgm:fillClrLst>
-    <dgm:linClrLst>
-      <a:schemeClr val="accent2"/>
-      <a:schemeClr val="accent3"/>
-    </dgm:linClrLst>
-    <dgm:effectClrLst/>
-    <dgm:txLinClrLst/>
-    <dgm:txFillClrLst/>
-    <dgm:txEffectClrLst/>
-  </dgm:styleLbl>
-  <dgm:styleLbl name="lnNode1">
-    <dgm:fillClrLst>
-      <a:schemeClr val="accent2"/>
-      <a:schemeClr val="accent3"/>
-    </dgm:fillClrLst>
-    <dgm:linClrLst meth="repeat">
-      <a:schemeClr val="lt1"/>
-    </dgm:linClrLst>
-    <dgm:effectClrLst/>
-    <dgm:txLinClrLst/>
-    <dgm:txFillClrLst/>
-    <dgm:txEffectClrLst/>
-  </dgm:styleLbl>
-  <dgm:styleLbl name="vennNode1">
-    <dgm:fillClrLst>
-      <a:schemeClr val="accent2">
-        <a:alpha val="50000"/>
-      </a:schemeClr>
-      <a:schemeClr val="accent3">
-        <a:alpha val="50000"/>
-      </a:schemeClr>
-    </dgm:fillClrLst>
-    <dgm:linClrLst meth="repeat">
-      <a:schemeClr val="lt1"/>
-    </dgm:linClrLst>
-    <dgm:effectClrLst/>
-    <dgm:txLinClrLst/>
-    <dgm:txFillClrLst/>
-    <dgm:txEffectClrLst/>
-  </dgm:styleLbl>
-  <dgm:styleLbl name="node2">
-    <dgm:fillClrLst>
-      <a:schemeClr val="accent3"/>
-    </dgm:fillClrLst>
-    <dgm:linClrLst meth="repeat">
-      <a:schemeClr val="lt1"/>
-    </dgm:linClrLst>
-    <dgm:effectClrLst/>
-    <dgm:txLinClrLst/>
-    <dgm:txFillClrLst/>
-    <dgm:txEffectClrLst/>
-  </dgm:styleLbl>
-  <dgm:styleLbl name="node3">
-    <dgm:fillClrLst>
-      <a:schemeClr val="accent4"/>
-    </dgm:fillClrLst>
-    <dgm:linClrLst meth="repeat">
-      <a:schemeClr val="lt1"/>
-    </dgm:linClrLst>
-    <dgm:effectClrLst/>
-    <dgm:txLinClrLst/>
-    <dgm:txFillClrLst/>
-    <dgm:txEffectClrLst/>
-  </dgm:styleLbl>
-  <dgm:styleLbl name="node4">
-    <dgm:fillClrLst>
-      <a:schemeClr val="accent5"/>
-    </dgm:fillClrLst>
-    <dgm:linClrLst meth="repeat">
-      <a:schemeClr val="lt1"/>
-    </dgm:linClrLst>
-    <dgm:effectClrLst/>
-    <dgm:txLinClrLst/>
-    <dgm:txFillClrLst/>
-    <dgm:txEffectClrLst/>
-  </dgm:styleLbl>
-  <dgm:styleLbl name="fgImgPlace1">
-    <dgm:fillClrLst>
-      <a:schemeClr val="accent2">
-        <a:tint val="50000"/>
-      </a:schemeClr>
-      <a:schemeClr val="accent3">
-        <a:tint val="50000"/>
-      </a:schemeClr>
-    </dgm:fillClrLst>
-    <dgm:linClrLst meth="repeat">
-      <a:schemeClr val="lt1"/>
-    </dgm:linClrLst>
-    <dgm:effectClrLst/>
-    <dgm:txLinClrLst/>
-    <dgm:txFillClrLst meth="repeat">
-      <a:schemeClr val="lt1"/>
-    </dgm:txFillClrLst>
-    <dgm:txEffectClrLst/>
-  </dgm:styleLbl>
-  <dgm:styleLbl name="alignImgPlace1">
-    <dgm:fillClrLst>
-      <a:schemeClr val="accent2">
-        <a:tint val="50000"/>
-      </a:schemeClr>
-      <a:schemeClr val="accent3">
-        <a:tint val="20000"/>
-      </a:schemeClr>
-    </dgm:fillClrLst>
-    <dgm:linClrLst meth="repeat">
-      <a:schemeClr val="lt1"/>
-    </dgm:linClrLst>
-    <dgm:effectClrLst/>
-    <dgm:txLinClrLst/>
-    <dgm:txFillClrLst meth="repeat">
-      <a:schemeClr val="lt1"/>
-    </dgm:txFillClrLst>
-    <dgm:txEffectClrLst/>
-  </dgm:styleLbl>
-  <dgm:styleLbl name="bgImgPlace1">
-    <dgm:fillClrLst>
-      <a:schemeClr val="accent2">
-        <a:tint val="50000"/>
-      </a:schemeClr>
-      <a:schemeClr val="accent3">
-        <a:tint val="20000"/>
-      </a:schemeClr>
-    </dgm:fillClrLst>
-    <dgm:linClrLst meth="repeat">
-      <a:schemeClr val="lt1"/>
-    </dgm:linClrLst>
-    <dgm:effectClrLst/>
-    <dgm:txLinClrLst/>
-    <dgm:txFillClrLst meth="repeat">
-      <a:schemeClr val="lt1"/>
-    </dgm:txFillClrLst>
-    <dgm:txEffectClrLst/>
-  </dgm:styleLbl>
-  <dgm:styleLbl name="sibTrans2D1">
-    <dgm:fillClrLst>
-      <a:schemeClr val="accent2"/>
-      <a:schemeClr val="accent3"/>
-    </dgm:fillClrLst>
-    <dgm:linClrLst meth="repeat">
-      <a:schemeClr val="lt1"/>
-    </dgm:linClrLst>
-    <dgm:effectClrLst/>
-    <dgm:txLinClrLst/>
-    <dgm:txFillClrLst/>
-    <dgm:txEffectClrLst/>
-  </dgm:styleLbl>
-  <dgm:styleLbl name="fgSibTrans2D1">
-    <dgm:fillClrLst>
-      <a:schemeClr val="accent2"/>
-      <a:schemeClr val="accent3"/>
-    </dgm:fillClrLst>
-    <dgm:linClrLst meth="repeat">
-      <a:schemeClr val="lt1"/>
-    </dgm:linClrLst>
-    <dgm:effectClrLst/>
-    <dgm:txLinClrLst/>
-    <dgm:txFillClrLst meth="repeat">
-      <a:schemeClr val="lt1"/>
-    </dgm:txFillClrLst>
-    <dgm:txEffectClrLst/>
-  </dgm:styleLbl>
-  <dgm:styleLbl name="bgSibTrans2D1">
-    <dgm:fillClrLst>
-      <a:schemeClr val="accent2"/>
-      <a:schemeClr val="accent3"/>
-    </dgm:fillClrLst>
-    <dgm:linClrLst meth="repeat">
-      <a:schemeClr val="lt1"/>
-    </dgm:linClrLst>
-    <dgm:effectClrLst/>
-    <dgm:txLinClrLst/>
-    <dgm:txFillClrLst meth="repeat">
-      <a:schemeClr val="lt1"/>
-    </dgm:txFillClrLst>
-    <dgm:txEffectClrLst/>
-  </dgm:styleLbl>
-  <dgm:styleLbl name="sibTrans1D1">
-    <dgm:fillClrLst/>
-    <dgm:linClrLst>
-      <a:schemeClr val="accent2"/>
-      <a:schemeClr val="accent3"/>
-    </dgm:linClrLst>
-    <dgm:effectClrLst/>
-    <dgm:txLinClrLst/>
-    <dgm:txFillClrLst meth="repeat">
-      <a:schemeClr val="tx1"/>
-    </dgm:txFillClrLst>
-    <dgm:txEffectClrLst/>
-  </dgm:styleLbl>
-  <dgm:styleLbl name="callout">
-    <dgm:fillClrLst meth="repeat">
-      <a:schemeClr val="accent2"/>
-    </dgm:fillClrLst>
-    <dgm:linClrLst meth="repeat">
-      <a:schemeClr val="accent2">
-        <a:tint val="50000"/>
-      </a:schemeClr>
-    </dgm:linClrLst>
-    <dgm:effectClrLst/>
-    <dgm:txLinClrLst/>
-    <dgm:txFillClrLst meth="repeat">
-      <a:schemeClr val="tx1"/>
-    </dgm:txFillClrLst>
-    <dgm:txEffectClrLst/>
-  </dgm:styleLbl>
-  <dgm:styleLbl name="asst0">
-    <dgm:fillClrLst meth="repeat">
-      <a:schemeClr val="accent2"/>
-    </dgm:fillClrLst>
-    <dgm:linClrLst meth="repeat">
-      <a:schemeClr val="lt1">
-        <a:shade val="80000"/>
-      </a:schemeClr>
-    </dgm:linClrLst>
-    <dgm:effectClrLst/>
-    <dgm:txLinClrLst/>
-    <dgm:txFillClrLst/>
-    <dgm:txEffectClrLst/>
-  </dgm:styleLbl>
-  <dgm:styleLbl name="asst1">
-    <dgm:fillClrLst meth="repeat">
-      <a:schemeClr val="accent3"/>
-    </dgm:fillClrLst>
-    <dgm:linClrLst meth="repeat">
-      <a:schemeClr val="lt1">
-        <a:shade val="80000"/>
-      </a:schemeClr>
-    </dgm:linClrLst>
-    <dgm:effectClrLst/>
-    <dgm:txLinClrLst/>
-    <dgm:txFillClrLst/>
-    <dgm:txEffectClrLst/>
-  </dgm:styleLbl>
-  <dgm:styleLbl name="asst2">
-    <dgm:fillClrLst>
-      <a:schemeClr val="accent4"/>
-    </dgm:fillClrLst>
-    <dgm:linClrLst meth="repeat">
-      <a:schemeClr val="lt1"/>
-    </dgm:linClrLst>
-    <dgm:effectClrLst/>
-    <dgm:txLinClrLst/>
-    <dgm:txFillClrLst/>
-    <dgm:txEffectClrLst/>
-  </dgm:styleLbl>
-  <dgm:styleLbl name="asst3">
-    <dgm:fillClrLst>
-      <a:schemeClr val="accent5"/>
-    </dgm:fillClrLst>
-    <dgm:linClrLst meth="repeat">
-      <a:schemeClr val="lt1"/>
-    </dgm:linClrLst>
-    <dgm:effectClrLst/>
-    <dgm:txLinClrLst/>
-    <dgm:txFillClrLst/>
-    <dgm:txEffectClrLst/>
-  </dgm:styleLbl>
-  <dgm:styleLbl name="asst4">
-    <dgm:fillClrLst>
-      <a:schemeClr val="accent6"/>
-    </dgm:fillClrLst>
-    <dgm:linClrLst meth="repeat">
-      <a:schemeClr val="lt1"/>
-    </dgm:linClrLst>
-    <dgm:effectClrLst/>
-    <dgm:txLinClrLst/>
-    <dgm:txFillClrLst/>
-    <dgm:txEffectClrLst/>
-  </dgm:styleLbl>
-  <dgm:styleLbl name="parChTrans2D1">
-    <dgm:fillClrLst meth="repeat">
-      <a:schemeClr val="accent2"/>
-    </dgm:fillClrLst>
-    <dgm:linClrLst meth="repeat">
-      <a:schemeClr val="lt1"/>
-    </dgm:linClrLst>
-    <dgm:effectClrLst/>
-    <dgm:txLinClrLst/>
-    <dgm:txFillClrLst meth="repeat">
-      <a:schemeClr val="lt1"/>
-    </dgm:txFillClrLst>
-    <dgm:txEffectClrLst/>
-  </dgm:styleLbl>
-  <dgm:styleLbl name="parChTrans2D2">
-    <dgm:fillClrLst meth="repeat">
-      <a:schemeClr val="accent3"/>
-    </dgm:fillClrLst>
-    <dgm:linClrLst meth="repeat">
-      <a:schemeClr val="lt1"/>
-    </dgm:linClrLst>
-    <dgm:effectClrLst/>
-    <dgm:txLinClrLst/>
-    <dgm:txFillClrLst/>
-    <dgm:txEffectClrLst/>
-  </dgm:styleLbl>
-  <dgm:styleLbl name="parChTrans2D3">
-    <dgm:fillClrLst meth="repeat">
-      <a:schemeClr val="accent4"/>
-    </dgm:fillClrLst>
-    <dgm:linClrLst meth="repeat">
-      <a:schemeClr val="lt1"/>
-    </dgm:linClrLst>
-    <dgm:effectClrLst/>
-    <dgm:txLinClrLst/>
-    <dgm:txFillClrLst/>
-    <dgm:txEffectClrLst/>
-  </dgm:styleLbl>
-  <dgm:styleLbl name="parChTrans2D4">
-    <dgm:fillClrLst meth="repeat">
-      <a:schemeClr val="accent5"/>
-    </dgm:fillClrLst>
-    <dgm:linClrLst meth="repeat">
-      <a:schemeClr val="lt1"/>
-    </dgm:linClrLst>
-    <dgm:effectClrLst/>
-    <dgm:txLinClrLst/>
-    <dgm:txFillClrLst meth="repeat">
-      <a:schemeClr val="lt1"/>
-    </dgm:txFillClrLst>
-    <dgm:txEffectClrLst/>
-  </dgm:styleLbl>
-  <dgm:styleLbl name="parChTrans1D1">
-    <dgm:fillClrLst meth="repeat">
-      <a:schemeClr val="accent2"/>
-    </dgm:fillClrLst>
-    <dgm:linClrLst meth="repeat">
-      <a:schemeClr val="accent2"/>
-    </dgm:linClrLst>
-    <dgm:effectClrLst/>
-    <dgm:txLinClrLst/>
-    <dgm:txFillClrLst meth="repeat">
-      <a:schemeClr val="tx1"/>
-    </dgm:txFillClrLst>
-    <dgm:txEffectClrLst/>
-  </dgm:styleLbl>
-  <dgm:styleLbl name="parChTrans1D2">
-    <dgm:fillClrLst meth="repeat">
-      <a:schemeClr val="accent2">
-        <a:tint val="90000"/>
-      </a:schemeClr>
-    </dgm:fillClrLst>
-    <dgm:linClrLst meth="repeat">
-      <a:schemeClr val="accent3"/>
-    </dgm:linClrLst>
-    <dgm:effectClrLst/>
-    <dgm:txLinClrLst/>
-    <dgm:txFillClrLst meth="repeat">
-      <a:schemeClr val="tx1"/>
-    </dgm:txFillClrLst>
-    <dgm:txEffectClrLst/>
-  </dgm:styleLbl>
-  <dgm:styleLbl name="parChTrans1D3">
-    <dgm:fillClrLst meth="repeat">
-      <a:schemeClr val="accent2">
-        <a:tint val="70000"/>
-      </a:schemeClr>
-    </dgm:fillClrLst>
-    <dgm:linClrLst meth="repeat">
-      <a:schemeClr val="accent4"/>
-    </dgm:linClrLst>
-    <dgm:effectClrLst/>
-    <dgm:txLinClrLst/>
-    <dgm:txFillClrLst meth="repeat">
-      <a:schemeClr val="tx1"/>
-    </dgm:txFillClrLst>
-    <dgm:txEffectClrLst/>
-  </dgm:styleLbl>
-  <dgm:styleLbl name="parChTrans1D4">
-    <dgm:fillClrLst meth="repeat">
-      <a:schemeClr val="accent2">
-        <a:tint val="50000"/>
-      </a:schemeClr>
-    </dgm:fillClrLst>
-    <dgm:linClrLst meth="repeat">
-      <a:schemeClr val="accent5"/>
-    </dgm:linClrLst>
-    <dgm:effectClrLst/>
-    <dgm:txLinClrLst/>
-    <dgm:txFillClrLst meth="repeat">
-      <a:schemeClr val="tx1"/>
-    </dgm:txFillClrLst>
-    <dgm:txEffectClrLst/>
-  </dgm:styleLbl>
-  <dgm:styleLbl name="fgAcc1">
-    <dgm:fillClrLst meth="repeat">
-      <a:schemeClr val="lt1">
-        <a:alpha val="90000"/>
-      </a:schemeClr>
-    </dgm:fillClrLst>
-    <dgm:linClrLst>
-      <a:schemeClr val="accent2"/>
-      <a:schemeClr val="accent3"/>
-    </dgm:linClrLst>
-    <dgm:effectClrLst/>
-    <dgm:txLinClrLst/>
-    <dgm:txFillClrLst meth="repeat">
-      <a:schemeClr val="dk1"/>
-    </dgm:txFillClrLst>
-    <dgm:txEffectClrLst/>
-  </dgm:styleLbl>
-  <dgm:styleLbl name="conFgAcc1">
-    <dgm:fillClrLst meth="repeat">
-      <a:schemeClr val="lt1">
-        <a:alpha val="90000"/>
-      </a:schemeClr>
-    </dgm:fillClrLst>
-    <dgm:linClrLst>
-      <a:schemeClr val="accent2"/>
-      <a:schemeClr val="accent3"/>
-    </dgm:linClrLst>
-    <dgm:effectClrLst/>
-    <dgm:txLinClrLst/>
-    <dgm:txFillClrLst meth="repeat">
-      <a:schemeClr val="dk1"/>
-    </dgm:txFillClrLst>
-    <dgm:txEffectClrLst/>
-  </dgm:styleLbl>
-  <dgm:styleLbl name="alignAcc1">
-    <dgm:fillClrLst meth="repeat">
-      <a:schemeClr val="lt1">
-        <a:alpha val="90000"/>
-      </a:schemeClr>
-    </dgm:fillClrLst>
-    <dgm:linClrLst>
-      <a:schemeClr val="accent2"/>
-      <a:schemeClr val="accent3"/>
-    </dgm:linClrLst>
-    <dgm:effectClrLst/>
-    <dgm:txLinClrLst/>
-    <dgm:txFillClrLst meth="repeat">
-      <a:schemeClr val="dk1"/>
-    </dgm:txFillClrLst>
-    <dgm:txEffectClrLst/>
-  </dgm:styleLbl>
-  <dgm:styleLbl name="trAlignAcc1">
-    <dgm:fillClrLst meth="repeat">
-      <a:schemeClr val="lt1">
-        <a:alpha val="40000"/>
-      </a:schemeClr>
-    </dgm:fillClrLst>
-    <dgm:linClrLst meth="repeat">
-      <a:schemeClr val="accent2"/>
-    </dgm:linClrLst>
-    <dgm:effectClrLst/>
-    <dgm:txLinClrLst/>
-    <dgm:txFillClrLst meth="repeat">
-      <a:schemeClr val="dk1"/>
-    </dgm:txFillClrLst>
-    <dgm:txEffectClrLst/>
-  </dgm:styleLbl>
-  <dgm:styleLbl name="bgAcc1">
-    <dgm:fillClrLst meth="repeat">
-      <a:schemeClr val="lt1">
-        <a:alpha val="90000"/>
-      </a:schemeClr>
-    </dgm:fillClrLst>
-    <dgm:linClrLst>
-      <a:schemeClr val="accent2"/>
-      <a:schemeClr val="accent3"/>
-    </dgm:linClrLst>
-    <dgm:effectClrLst/>
-    <dgm:txLinClrLst/>
-    <dgm:txFillClrLst meth="repeat">
-      <a:schemeClr val="dk1"/>
-    </dgm:txFillClrLst>
-    <dgm:txEffectClrLst/>
-  </dgm:styleLbl>
-  <dgm:styleLbl name="solidFgAcc1">
-    <dgm:fillClrLst meth="repeat">
-      <a:schemeClr val="lt1"/>
-    </dgm:fillClrLst>
-    <dgm:linClrLst>
-      <a:schemeClr val="accent2"/>
-      <a:schemeClr val="accent3"/>
-    </dgm:linClrLst>
-    <dgm:effectClrLst/>
-    <dgm:txLinClrLst/>
-    <dgm:txFillClrLst meth="repeat">
-      <a:schemeClr val="dk1"/>
-    </dgm:txFillClrLst>
-    <dgm:txEffectClrLst/>
-  </dgm:styleLbl>
-  <dgm:styleLbl name="solidAlignAcc1">
-    <dgm:fillClrLst meth="repeat">
-      <a:schemeClr val="lt1"/>
-    </dgm:fillClrLst>
-    <dgm:linClrLst>
-      <a:schemeClr val="accent2"/>
-      <a:schemeClr val="accent3"/>
-    </dgm:linClrLst>
-    <dgm:effectClrLst/>
-    <dgm:txLinClrLst/>
-    <dgm:txFillClrLst meth="repeat">
-      <a:schemeClr val="dk1"/>
-    </dgm:txFillClrLst>
-    <dgm:txEffectClrLst/>
-  </dgm:styleLbl>
-  <dgm:styleLbl name="solidBgAcc1">
-    <dgm:fillClrLst meth="repeat">
-      <a:schemeClr val="lt1"/>
-    </dgm:fillClrLst>
-    <dgm:linClrLst>
-      <a:schemeClr val="accent2"/>
-      <a:schemeClr val="accent3"/>
-    </dgm:linClrLst>
-    <dgm:effectClrLst/>
-    <dgm:txLinClrLst/>
-    <dgm:txFillClrLst meth="repeat">
-      <a:schemeClr val="dk1"/>
-    </dgm:txFillClrLst>
-    <dgm:txEffectClrLst/>
-  </dgm:styleLbl>
-  <dgm:styleLbl name="fgAccFollowNode1">
-    <dgm:fillClrLst>
-      <a:schemeClr val="accent2">
-        <a:tint val="40000"/>
-        <a:alpha val="90000"/>
-      </a:schemeClr>
-      <a:schemeClr val="accent3">
-        <a:tint val="40000"/>
-        <a:alpha val="90000"/>
-      </a:schemeClr>
-    </dgm:fillClrLst>
-    <dgm:linClrLst>
-      <a:schemeClr val="accent2">
-        <a:tint val="40000"/>
-        <a:alpha val="90000"/>
-      </a:schemeClr>
-      <a:schemeClr val="accent3">
-        <a:tint val="40000"/>
-        <a:alpha val="90000"/>
-      </a:schemeClr>
-    </dgm:linClrLst>
-    <dgm:effectClrLst/>
-    <dgm:txLinClrLst/>
-    <dgm:txFillClrLst meth="repeat">
-      <a:schemeClr val="dk1"/>
-    </dgm:txFillClrLst>
-    <dgm:txEffectClrLst/>
-  </dgm:styleLbl>
-  <dgm:styleLbl name="alignAccFollowNode1">
-    <dgm:fillClrLst>
-      <a:schemeClr val="accent2">
-        <a:tint val="40000"/>
-        <a:alpha val="90000"/>
-      </a:schemeClr>
-      <a:schemeClr val="accent3">
-        <a:tint val="40000"/>
-        <a:alpha val="90000"/>
-      </a:schemeClr>
-    </dgm:fillClrLst>
-    <dgm:linClrLst>
-      <a:schemeClr val="accent2">
-        <a:tint val="40000"/>
-        <a:alpha val="90000"/>
-      </a:schemeClr>
-      <a:schemeClr val="accent3">
-        <a:tint val="40000"/>
-        <a:alpha val="90000"/>
-      </a:schemeClr>
-    </dgm:linClrLst>
-    <dgm:effectClrLst/>
-    <dgm:txLinClrLst/>
-    <dgm:txFillClrLst meth="repeat">
-      <a:schemeClr val="dk1"/>
-    </dgm:txFillClrLst>
-    <dgm:txEffectClrLst/>
-  </dgm:styleLbl>
-  <dgm:styleLbl name="bgAccFollowNode1">
-    <dgm:fillClrLst>
-      <a:schemeClr val="accent2">
-        <a:tint val="40000"/>
-        <a:alpha val="90000"/>
-      </a:schemeClr>
-      <a:schemeClr val="accent3">
-        <a:tint val="40000"/>
-        <a:alpha val="90000"/>
-      </a:schemeClr>
-    </dgm:fillClrLst>
-    <dgm:linClrLst>
-      <a:schemeClr val="accent2">
-        <a:tint val="40000"/>
-        <a:alpha val="90000"/>
-      </a:schemeClr>
-      <a:schemeClr val="accent3">
-        <a:tint val="40000"/>
-        <a:alpha val="90000"/>
-      </a:schemeClr>
-    </dgm:linClrLst>
-    <dgm:effectClrLst/>
-    <dgm:txLinClrLst/>
-    <dgm:txFillClrLst meth="repeat">
-      <a:schemeClr val="dk1"/>
-    </dgm:txFillClrLst>
-    <dgm:txEffectClrLst/>
-  </dgm:styleLbl>
-  <dgm:styleLbl name="fgAcc0">
-    <dgm:fillClrLst meth="repeat">
-      <a:schemeClr val="lt1">
-        <a:alpha val="90000"/>
-      </a:schemeClr>
-    </dgm:fillClrLst>
-    <dgm:linClrLst>
-      <a:schemeClr val="accent1"/>
-    </dgm:linClrLst>
-    <dgm:effectClrLst/>
-    <dgm:txLinClrLst/>
-    <dgm:txFillClrLst meth="repeat">
-      <a:schemeClr val="dk1"/>
-    </dgm:txFillClrLst>
-    <dgm:txEffectClrLst/>
-  </dgm:styleLbl>
-  <dgm:styleLbl name="fgAcc2">
-    <dgm:fillClrLst meth="repeat">
-      <a:schemeClr val="lt1">
-        <a:alpha val="90000"/>
-      </a:schemeClr>
-    </dgm:fillClrLst>
-    <dgm:linClrLst>
-      <a:schemeClr val="accent3"/>
-    </dgm:linClrLst>
-    <dgm:effectClrLst/>
-    <dgm:txLinClrLst/>
-    <dgm:txFillClrLst meth="repeat">
-      <a:schemeClr val="dk1"/>
-    </dgm:txFillClrLst>
-    <dgm:txEffectClrLst/>
-  </dgm:styleLbl>
-  <dgm:styleLbl name="fgAcc3">
-    <dgm:fillClrLst meth="repeat">
-      <a:schemeClr val="lt1">
-        <a:alpha val="90000"/>
-      </a:schemeClr>
-    </dgm:fillClrLst>
-    <dgm:linClrLst>
-      <a:schemeClr val="accent4"/>
-    </dgm:linClrLst>
-    <dgm:effectClrLst/>
-    <dgm:txLinClrLst/>
-    <dgm:txFillClrLst meth="repeat">
-      <a:schemeClr val="dk1"/>
-    </dgm:txFillClrLst>
-    <dgm:txEffectClrLst/>
-  </dgm:styleLbl>
-  <dgm:styleLbl name="fgAcc4">
-    <dgm:fillClrLst meth="repeat">
-      <a:schemeClr val="lt1">
-        <a:alpha val="90000"/>
-      </a:schemeClr>
-    </dgm:fillClrLst>
-    <dgm:linClrLst>
-      <a:schemeClr val="accent5"/>
-    </dgm:linClrLst>
-    <dgm:effectClrLst/>
-    <dgm:txLinClrLst/>
-    <dgm:txFillClrLst meth="repeat">
-      <a:schemeClr val="dk1"/>
-    </dgm:txFillClrLst>
-    <dgm:txEffectClrLst/>
-  </dgm:styleLbl>
-  <dgm:styleLbl name="bgShp">
-    <dgm:fillClrLst meth="repeat">
-      <a:schemeClr val="accent2">
-        <a:tint val="40000"/>
-      </a:schemeClr>
-    </dgm:fillClrLst>
-    <dgm:linClrLst meth="repeat">
-      <a:schemeClr val="dk1"/>
-    </dgm:linClrLst>
-    <dgm:effectClrLst/>
-    <dgm:txLinClrLst/>
-    <dgm:txFillClrLst meth="repeat">
-      <a:schemeClr val="dk1"/>
-    </dgm:txFillClrLst>
-    <dgm:txEffectClrLst/>
-  </dgm:styleLbl>
-  <dgm:styleLbl name="dkBgShp">
-    <dgm:fillClrLst meth="repeat">
-      <a:schemeClr val="accent2">
-        <a:shade val="90000"/>
-      </a:schemeClr>
-    </dgm:fillClrLst>
-    <dgm:linClrLst meth="repeat">
-      <a:schemeClr val="dk1"/>
-    </dgm:linClrLst>
-    <dgm:effectClrLst/>
-    <dgm:txLinClrLst/>
-    <dgm:txFillClrLst meth="repeat">
-      <a:schemeClr val="lt1"/>
-    </dgm:txFillClrLst>
-    <dgm:txEffectClrLst/>
-  </dgm:styleLbl>
-  <dgm:styleLbl name="trBgShp">
-    <dgm:fillClrLst meth="repeat">
-      <a:schemeClr val="accent2">
-        <a:tint val="50000"/>
-        <a:alpha val="40000"/>
-      </a:schemeClr>
-    </dgm:fillClrLst>
-    <dgm:linClrLst meth="repeat">
-      <a:schemeClr val="accent2"/>
-    </dgm:linClrLst>
-    <dgm:effectClrLst/>
-    <dgm:txLinClrLst/>
-    <dgm:txFillClrLst meth="repeat">
-      <a:schemeClr val="lt1"/>
-    </dgm:txFillClrLst>
-    <dgm:txEffectClrLst/>
-  </dgm:styleLbl>
-  <dgm:styleLbl name="fgShp">
-    <dgm:fillClrLst meth="repeat">
-      <a:schemeClr val="accent2">
-        <a:tint val="40000"/>
-      </a:schemeClr>
-    </dgm:fillClrLst>
-    <dgm:linClrLst meth="repeat">
-      <a:schemeClr val="lt1"/>
-    </dgm:linClrLst>
-    <dgm:effectClrLst/>
-    <dgm:txLinClrLst/>
-    <dgm:txFillClrLst meth="repeat">
-      <a:schemeClr val="dk1"/>
-    </dgm:txFillClrLst>
-    <dgm:txEffectClrLst/>
-  </dgm:styleLbl>
-  <dgm:styleLbl name="revTx">
-    <dgm:fillClrLst meth="repeat">
-      <a:schemeClr val="lt1">
-        <a:alpha val="0"/>
-      </a:schemeClr>
-    </dgm:fillClrLst>
-    <dgm:linClrLst meth="repeat">
-      <a:schemeClr val="dk1">
-        <a:alpha val="0"/>
-      </a:schemeClr>
-    </dgm:linClrLst>
-    <dgm:effectClrLst/>
-    <dgm:txLinClrLst/>
-    <dgm:txFillClrLst meth="repeat">
-      <a:schemeClr val="tx1"/>
-    </dgm:txFillClrLst>
-    <dgm:txEffectClrLst/>
-  </dgm:styleLbl>
-</dgm:colorsDef>
-</file>
-
-<file path=ppt/diagrams/colors3.xml><?xml version="1.0" encoding="utf-8"?>
-<dgm:colorsDef xmlns:dgm="http://schemas.openxmlformats.org/drawingml/2006/diagram" xmlns:a="http://schemas.openxmlformats.org/drawingml/2006/main" uniqueId="urn:microsoft.com/office/officeart/2005/8/colors/accent1_2">
-  <dgm:title val=""/>
-  <dgm:desc val=""/>
-  <dgm:catLst>
-    <dgm:cat type="accent1" pri="11200"/>
-  </dgm:catLst>
-  <dgm:styleLbl name="node0">
-    <dgm:fillClrLst meth="repeat">
-      <a:schemeClr val="accent1"/>
-    </dgm:fillClrLst>
-    <dgm:linClrLst meth="repeat">
-      <a:schemeClr val="lt1"/>
-    </dgm:linClrLst>
-    <dgm:effectClrLst/>
-    <dgm:txLinClrLst/>
-    <dgm:txFillClrLst/>
-    <dgm:txEffectClrLst/>
-  </dgm:styleLbl>
-  <dgm:styleLbl name="alignNode1">
-    <dgm:fillClrLst meth="repeat">
-      <a:schemeClr val="accent1"/>
-    </dgm:fillClrLst>
-    <dgm:linClrLst meth="repeat">
-      <a:schemeClr val="accent1"/>
-    </dgm:linClrLst>
-    <dgm:effectClrLst/>
-    <dgm:txLinClrLst/>
-    <dgm:txFillClrLst/>
-    <dgm:txEffectClrLst/>
-  </dgm:styleLbl>
-  <dgm:styleLbl name="node1">
-    <dgm:fillClrLst meth="repeat">
-      <a:schemeClr val="accent1"/>
-    </dgm:fillClrLst>
-    <dgm:linClrLst meth="repeat">
-      <a:schemeClr val="lt1"/>
-    </dgm:linClrLst>
-    <dgm:effectClrLst/>
-    <dgm:txLinClrLst/>
-    <dgm:txFillClrLst/>
-    <dgm:txEffectClrLst/>
-  </dgm:styleLbl>
-  <dgm:styleLbl name="lnNode1">
-    <dgm:fillClrLst meth="repeat">
-      <a:schemeClr val="accent1"/>
-    </dgm:fillClrLst>
-    <dgm:linClrLst meth="repeat">
-      <a:schemeClr val="lt1"/>
-    </dgm:linClrLst>
-    <dgm:effectClrLst/>
-    <dgm:txLinClrLst/>
-    <dgm:txFillClrLst/>
-    <dgm:txEffectClrLst/>
-  </dgm:styleLbl>
-  <dgm:styleLbl name="vennNode1">
-    <dgm:fillClrLst meth="repeat">
-      <a:schemeClr val="accent1">
-        <a:alpha val="50000"/>
-      </a:schemeClr>
-    </dgm:fillClrLst>
-    <dgm:linClrLst meth="repeat">
-      <a:schemeClr val="lt1"/>
-    </dgm:linClrLst>
-    <dgm:effectClrLst/>
-    <dgm:txLinClrLst/>
-    <dgm:txFillClrLst/>
-    <dgm:txEffectClrLst/>
-  </dgm:styleLbl>
-  <dgm:styleLbl name="node2">
-    <dgm:fillClrLst meth="repeat">
-      <a:schemeClr val="accent1"/>
-    </dgm:fillClrLst>
-    <dgm:linClrLst meth="repeat">
-      <a:schemeClr val="lt1"/>
-    </dgm:linClrLst>
-    <dgm:effectClrLst/>
-    <dgm:txLinClrLst/>
-    <dgm:txFillClrLst/>
-    <dgm:txEffectClrLst/>
-  </dgm:styleLbl>
-  <dgm:styleLbl name="node3">
-    <dgm:fillClrLst meth="repeat">
-      <a:schemeClr val="accent1"/>
-    </dgm:fillClrLst>
-    <dgm:linClrLst meth="repeat">
-      <a:schemeClr val="lt1"/>
-    </dgm:linClrLst>
-    <dgm:effectClrLst/>
-    <dgm:txLinClrLst/>
-    <dgm:txFillClrLst/>
-    <dgm:txEffectClrLst/>
-  </dgm:styleLbl>
-  <dgm:styleLbl name="node4">
-    <dgm:fillClrLst meth="repeat">
-      <a:schemeClr val="accent1"/>
-    </dgm:fillClrLst>
-    <dgm:linClrLst meth="repeat">
-      <a:schemeClr val="lt1"/>
-    </dgm:linClrLst>
-    <dgm:effectClrLst/>
-    <dgm:txLinClrLst/>
-    <dgm:txFillClrLst/>
-    <dgm:txEffectClrLst/>
-  </dgm:styleLbl>
-  <dgm:styleLbl name="fgImgPlace1">
-    <dgm:fillClrLst meth="repeat">
-      <a:schemeClr val="accent1">
-        <a:tint val="50000"/>
-      </a:schemeClr>
-    </dgm:fillClrLst>
-    <dgm:linClrLst meth="repeat">
-      <a:schemeClr val="lt1"/>
-    </dgm:linClrLst>
-    <dgm:effectClrLst/>
-    <dgm:txLinClrLst/>
-    <dgm:txFillClrLst meth="repeat">
-      <a:schemeClr val="lt1"/>
-    </dgm:txFillClrLst>
-    <dgm:txEffectClrLst/>
-  </dgm:styleLbl>
-  <dgm:styleLbl name="alignImgPlace1">
-    <dgm:fillClrLst meth="repeat">
-      <a:schemeClr val="accent1">
-        <a:tint val="50000"/>
-      </a:schemeClr>
-    </dgm:fillClrLst>
-    <dgm:linClrLst meth="repeat">
-      <a:schemeClr val="lt1"/>
-    </dgm:linClrLst>
-    <dgm:effectClrLst/>
-    <dgm:txLinClrLst/>
-    <dgm:txFillClrLst meth="repeat">
-      <a:schemeClr val="lt1"/>
-    </dgm:txFillClrLst>
-    <dgm:txEffectClrLst/>
-  </dgm:styleLbl>
-  <dgm:styleLbl name="bgImgPlace1">
-    <dgm:fillClrLst meth="repeat">
-      <a:schemeClr val="accent1">
-        <a:tint val="50000"/>
-      </a:schemeClr>
-    </dgm:fillClrLst>
-    <dgm:linClrLst meth="repeat">
-      <a:schemeClr val="lt1"/>
-    </dgm:linClrLst>
-    <dgm:effectClrLst/>
-    <dgm:txLinClrLst/>
-    <dgm:txFillClrLst meth="repeat">
-      <a:schemeClr val="lt1"/>
-    </dgm:txFillClrLst>
-    <dgm:txEffectClrLst/>
-  </dgm:styleLbl>
-  <dgm:styleLbl name="sibTrans2D1">
-    <dgm:fillClrLst meth="repeat">
-      <a:schemeClr val="accent1">
-        <a:tint val="60000"/>
-      </a:schemeClr>
-    </dgm:fillClrLst>
-    <dgm:linClrLst meth="repeat">
-      <a:schemeClr val="accent1">
-        <a:tint val="60000"/>
-      </a:schemeClr>
-    </dgm:linClrLst>
-    <dgm:effectClrLst/>
-    <dgm:txLinClrLst/>
-    <dgm:txFillClrLst/>
-    <dgm:txEffectClrLst/>
-  </dgm:styleLbl>
-  <dgm:styleLbl name="fgSibTrans2D1">
-    <dgm:fillClrLst meth="repeat">
-      <a:schemeClr val="accent1">
-        <a:tint val="60000"/>
-      </a:schemeClr>
-    </dgm:fillClrLst>
-    <dgm:linClrLst meth="repeat">
-      <a:schemeClr val="accent1">
-        <a:tint val="60000"/>
-      </a:schemeClr>
-    </dgm:linClrLst>
-    <dgm:effectClrLst/>
-    <dgm:txLinClrLst/>
-    <dgm:txFillClrLst/>
-    <dgm:txEffectClrLst/>
-  </dgm:styleLbl>
-  <dgm:styleLbl name="bgSibTrans2D1">
-    <dgm:fillClrLst meth="repeat">
-      <a:schemeClr val="accent1">
-        <a:tint val="60000"/>
-      </a:schemeClr>
-    </dgm:fillClrLst>
-    <dgm:linClrLst meth="repeat">
-      <a:schemeClr val="accent1">
-        <a:tint val="60000"/>
-      </a:schemeClr>
-    </dgm:linClrLst>
-    <dgm:effectClrLst/>
-    <dgm:txLinClrLst/>
-    <dgm:txFillClrLst/>
-    <dgm:txEffectClrLst/>
-  </dgm:styleLbl>
-  <dgm:styleLbl name="sibTrans1D1">
-    <dgm:fillClrLst meth="repeat">
-      <a:schemeClr val="accent1"/>
-    </dgm:fillClrLst>
-    <dgm:linClrLst meth="repeat">
-      <a:schemeClr val="accent1"/>
-    </dgm:linClrLst>
-    <dgm:effectClrLst/>
-    <dgm:txLinClrLst/>
-    <dgm:txFillClrLst meth="repeat">
-      <a:schemeClr val="tx1"/>
-    </dgm:txFillClrLst>
-    <dgm:txEffectClrLst/>
-  </dgm:styleLbl>
-  <dgm:styleLbl name="callout">
-    <dgm:fillClrLst meth="repeat">
-      <a:schemeClr val="accent1"/>
-    </dgm:fillClrLst>
-    <dgm:linClrLst meth="repeat">
-      <a:schemeClr val="accent1">
-        <a:tint val="50000"/>
-      </a:schemeClr>
-    </dgm:linClrLst>
-    <dgm:effectClrLst/>
-    <dgm:txLinClrLst/>
-    <dgm:txFillClrLst meth="repeat">
-      <a:schemeClr val="tx1"/>
-    </dgm:txFillClrLst>
-    <dgm:txEffectClrLst/>
-  </dgm:styleLbl>
-  <dgm:styleLbl name="asst0">
-    <dgm:fillClrLst meth="repeat">
-      <a:schemeClr val="accent1"/>
-    </dgm:fillClrLst>
-    <dgm:linClrLst meth="repeat">
-      <a:schemeClr val="lt1"/>
-    </dgm:linClrLst>
-    <dgm:effectClrLst/>
-    <dgm:txLinClrLst/>
-    <dgm:txFillClrLst/>
-    <dgm:txEffectClrLst/>
-  </dgm:styleLbl>
-  <dgm:styleLbl name="asst1">
-    <dgm:fillClrLst meth="repeat">
-      <a:schemeClr val="accent1"/>
-    </dgm:fillClrLst>
-    <dgm:linClrLst meth="repeat">
-      <a:schemeClr val="lt1"/>
-    </dgm:linClrLst>
-    <dgm:effectClrLst/>
-    <dgm:txLinClrLst/>
-    <dgm:txFillClrLst/>
-    <dgm:txEffectClrLst/>
-  </dgm:styleLbl>
-  <dgm:styleLbl name="asst2">
-    <dgm:fillClrLst meth="repeat">
-      <a:schemeClr val="accent1"/>
-    </dgm:fillClrLst>
-    <dgm:linClrLst meth="repeat">
-      <a:schemeClr val="lt1"/>
-    </dgm:linClrLst>
-    <dgm:effectClrLst/>
-    <dgm:txLinClrLst/>
-    <dgm:txFillClrLst/>
-    <dgm:txEffectClrLst/>
-  </dgm:styleLbl>
-  <dgm:styleLbl name="asst3">
-    <dgm:fillClrLst meth="repeat">
-      <a:schemeClr val="accent1"/>
-    </dgm:fillClrLst>
-    <dgm:linClrLst meth="repeat">
-      <a:schemeClr val="lt1"/>
-    </dgm:linClrLst>
-    <dgm:effectClrLst/>
-    <dgm:txLinClrLst/>
-    <dgm:txFillClrLst/>
-    <dgm:txEffectClrLst/>
-  </dgm:styleLbl>
-  <dgm:styleLbl name="asst4">
-    <dgm:fillClrLst meth="repeat">
-      <a:schemeClr val="accent1"/>
-    </dgm:fillClrLst>
-    <dgm:linClrLst meth="repeat">
-      <a:schemeClr val="lt1"/>
-    </dgm:linClrLst>
-    <dgm:effectClrLst/>
-    <dgm:txLinClrLst/>
-    <dgm:txFillClrLst/>
-    <dgm:txEffectClrLst/>
-  </dgm:styleLbl>
-  <dgm:styleLbl name="parChTrans2D1">
-    <dgm:fillClrLst meth="repeat">
-      <a:schemeClr val="accent1">
-        <a:tint val="60000"/>
-      </a:schemeClr>
-    </dgm:fillClrLst>
-    <dgm:linClrLst meth="repeat">
-      <a:schemeClr val="accent1">
-        <a:tint val="60000"/>
-      </a:schemeClr>
-    </dgm:linClrLst>
-    <dgm:effectClrLst/>
-    <dgm:txLinClrLst/>
-    <dgm:txFillClrLst meth="repeat">
-      <a:schemeClr val="lt1"/>
-    </dgm:txFillClrLst>
-    <dgm:txEffectClrLst/>
-  </dgm:styleLbl>
-  <dgm:styleLbl name="parChTrans2D2">
-    <dgm:fillClrLst meth="repeat">
-      <a:schemeClr val="accent1"/>
-    </dgm:fillClrLst>
-    <dgm:linClrLst meth="repeat">
-      <a:schemeClr val="accent1"/>
-    </dgm:linClrLst>
-    <dgm:effectClrLst/>
-    <dgm:txLinClrLst/>
-    <dgm:txFillClrLst meth="repeat">
-      <a:schemeClr val="lt1"/>
-    </dgm:txFillClrLst>
-    <dgm:txEffectClrLst/>
-  </dgm:styleLbl>
-  <dgm:styleLbl name="parChTrans2D3">
-    <dgm:fillClrLst meth="repeat">
-      <a:schemeClr val="accent1"/>
-    </dgm:fillClrLst>
-    <dgm:linClrLst meth="repeat">
-      <a:schemeClr val="accent1"/>
-    </dgm:linClrLst>
-    <dgm:effectClrLst/>
-    <dgm:txLinClrLst/>
-    <dgm:txFillClrLst meth="repeat">
-      <a:schemeClr val="lt1"/>
-    </dgm:txFillClrLst>
-    <dgm:txEffectClrLst/>
-  </dgm:styleLbl>
-  <dgm:styleLbl name="parChTrans2D4">
-    <dgm:fillClrLst meth="repeat">
-      <a:schemeClr val="accent1"/>
-    </dgm:fillClrLst>
-    <dgm:linClrLst meth="repeat">
-      <a:schemeClr val="accent1"/>
-    </dgm:linClrLst>
-    <dgm:effectClrLst/>
-    <dgm:txLinClrLst/>
-    <dgm:txFillClrLst meth="repeat">
-      <a:schemeClr val="lt1"/>
-    </dgm:txFillClrLst>
-    <dgm:txEffectClrLst/>
-  </dgm:styleLbl>
-  <dgm:styleLbl name="parChTrans1D1">
-    <dgm:fillClrLst meth="repeat">
-      <a:schemeClr val="accent1"/>
-    </dgm:fillClrLst>
-    <dgm:linClrLst meth="repeat">
-      <a:schemeClr val="accent1">
-        <a:shade val="60000"/>
-      </a:schemeClr>
-    </dgm:linClrLst>
-    <dgm:effectClrLst/>
-    <dgm:txLinClrLst/>
-    <dgm:txFillClrLst meth="repeat">
-      <a:schemeClr val="tx1"/>
-    </dgm:txFillClrLst>
-    <dgm:txEffectClrLst/>
-  </dgm:styleLbl>
-  <dgm:styleLbl name="parChTrans1D2">
-    <dgm:fillClrLst meth="repeat">
-      <a:schemeClr val="accent1"/>
-    </dgm:fillClrLst>
-    <dgm:linClrLst meth="repeat">
-      <a:schemeClr val="accent1">
-        <a:shade val="60000"/>
-      </a:schemeClr>
-    </dgm:linClrLst>
-    <dgm:effectClrLst/>
-    <dgm:txLinClrLst/>
-    <dgm:txFillClrLst meth="repeat">
-      <a:schemeClr val="tx1"/>
-    </dgm:txFillClrLst>
-    <dgm:txEffectClrLst/>
-  </dgm:styleLbl>
-  <dgm:styleLbl name="parChTrans1D3">
-    <dgm:fillClrLst meth="repeat">
-      <a:schemeClr val="accent1"/>
-    </dgm:fillClrLst>
-    <dgm:linClrLst meth="repeat">
-      <a:schemeClr val="accent1">
-        <a:shade val="80000"/>
-      </a:schemeClr>
-    </dgm:linClrLst>
-    <dgm:effectClrLst/>
-    <dgm:txLinClrLst/>
-    <dgm:txFillClrLst meth="repeat">
-      <a:schemeClr val="tx1"/>
-    </dgm:txFillClrLst>
-    <dgm:txEffectClrLst/>
-  </dgm:styleLbl>
-  <dgm:styleLbl name="parChTrans1D4">
-    <dgm:fillClrLst meth="repeat">
-      <a:schemeClr val="accent1"/>
-    </dgm:fillClrLst>
-    <dgm:linClrLst meth="repeat">
-      <a:schemeClr val="accent1">
-        <a:shade val="80000"/>
-      </a:schemeClr>
-    </dgm:linClrLst>
-    <dgm:effectClrLst/>
-    <dgm:txLinClrLst/>
-    <dgm:txFillClrLst meth="repeat">
-      <a:schemeClr val="tx1"/>
-    </dgm:txFillClrLst>
-    <dgm:txEffectClrLst/>
-  </dgm:styleLbl>
-  <dgm:styleLbl name="fgAcc1">
-    <dgm:fillClrLst meth="repeat">
-      <a:schemeClr val="lt1">
-        <a:alpha val="90000"/>
-      </a:schemeClr>
-    </dgm:fillClrLst>
-    <dgm:linClrLst meth="repeat">
-      <a:schemeClr val="accent1"/>
-    </dgm:linClrLst>
-    <dgm:effectClrLst/>
-    <dgm:txLinClrLst/>
-    <dgm:txFillClrLst meth="repeat">
-      <a:schemeClr val="dk1"/>
-    </dgm:txFillClrLst>
-    <dgm:txEffectClrLst/>
-  </dgm:styleLbl>
-  <dgm:styleLbl name="conFgAcc1">
-    <dgm:fillClrLst meth="repeat">
-      <a:schemeClr val="lt1">
-        <a:alpha val="90000"/>
-      </a:schemeClr>
-    </dgm:fillClrLst>
-    <dgm:linClrLst meth="repeat">
-      <a:schemeClr val="accent1"/>
-    </dgm:linClrLst>
-    <dgm:effectClrLst/>
-    <dgm:txLinClrLst/>
-    <dgm:txFillClrLst meth="repeat">
-      <a:schemeClr val="dk1"/>
-    </dgm:txFillClrLst>
-    <dgm:txEffectClrLst/>
-  </dgm:styleLbl>
-  <dgm:styleLbl name="alignAcc1">
-    <dgm:fillClrLst meth="repeat">
-      <a:schemeClr val="lt1">
-        <a:alpha val="90000"/>
-      </a:schemeClr>
-    </dgm:fillClrLst>
-    <dgm:linClrLst meth="repeat">
-      <a:schemeClr val="accent1"/>
-    </dgm:linClrLst>
-    <dgm:effectClrLst/>
-    <dgm:txLinClrLst/>
-    <dgm:txFillClrLst meth="repeat">
-      <a:schemeClr val="dk1"/>
-    </dgm:txFillClrLst>
-    <dgm:txEffectClrLst/>
-  </dgm:styleLbl>
-  <dgm:styleLbl name="trAlignAcc1">
-    <dgm:fillClrLst meth="repeat">
-      <a:schemeClr val="lt1">
-        <a:alpha val="40000"/>
-      </a:schemeClr>
-    </dgm:fillClrLst>
-    <dgm:linClrLst meth="repeat">
-      <a:schemeClr val="accent1"/>
-    </dgm:linClrLst>
-    <dgm:effectClrLst/>
-    <dgm:txLinClrLst/>
-    <dgm:txFillClrLst meth="repeat">
-      <a:schemeClr val="dk1"/>
-    </dgm:txFillClrLst>
-    <dgm:txEffectClrLst/>
-  </dgm:styleLbl>
-  <dgm:styleLbl name="bgAcc1">
-    <dgm:fillClrLst meth="repeat">
-      <a:schemeClr val="lt1">
-        <a:alpha val="90000"/>
-      </a:schemeClr>
-    </dgm:fillClrLst>
-    <dgm:linClrLst meth="repeat">
-      <a:schemeClr val="accent1"/>
-    </dgm:linClrLst>
-    <dgm:effectClrLst/>
-    <dgm:txLinClrLst/>
-    <dgm:txFillClrLst meth="repeat">
-      <a:schemeClr val="dk1"/>
-    </dgm:txFillClrLst>
-    <dgm:txEffectClrLst/>
-  </dgm:styleLbl>
-  <dgm:styleLbl name="solidFgAcc1">
-    <dgm:fillClrLst meth="repeat">
-      <a:schemeClr val="lt1"/>
-    </dgm:fillClrLst>
-    <dgm:linClrLst meth="repeat">
-      <a:schemeClr val="accent1"/>
-    </dgm:linClrLst>
-    <dgm:effectClrLst/>
-    <dgm:txLinClrLst/>
-    <dgm:txFillClrLst meth="repeat">
-      <a:schemeClr val="dk1"/>
-    </dgm:txFillClrLst>
-    <dgm:txEffectClrLst/>
-  </dgm:styleLbl>
-  <dgm:styleLbl name="solidAlignAcc1">
-    <dgm:fillClrLst meth="repeat">
-      <a:schemeClr val="lt1"/>
-    </dgm:fillClrLst>
-    <dgm:linClrLst meth="repeat">
-      <a:schemeClr val="accent1"/>
-    </dgm:linClrLst>
-    <dgm:effectClrLst/>
-    <dgm:txLinClrLst/>
-    <dgm:txFillClrLst meth="repeat">
-      <a:schemeClr val="dk1"/>
-    </dgm:txFillClrLst>
-    <dgm:txEffectClrLst/>
-  </dgm:styleLbl>
-  <dgm:styleLbl name="solidBgAcc1">
-    <dgm:fillClrLst meth="repeat">
-      <a:schemeClr val="lt1"/>
-    </dgm:fillClrLst>
-    <dgm:linClrLst meth="repeat">
-      <a:schemeClr val="accent1"/>
-    </dgm:linClrLst>
-    <dgm:effectClrLst/>
-    <dgm:txLinClrLst/>
-    <dgm:txFillClrLst meth="repeat">
-      <a:schemeClr val="dk1"/>
-    </dgm:txFillClrLst>
-    <dgm:txEffectClrLst/>
-  </dgm:styleLbl>
-  <dgm:styleLbl name="fgAccFollowNode1">
-    <dgm:fillClrLst meth="repeat">
-      <a:schemeClr val="accent1">
-        <a:alpha val="90000"/>
-        <a:tint val="40000"/>
-      </a:schemeClr>
-    </dgm:fillClrLst>
-    <dgm:linClrLst meth="repeat">
-      <a:schemeClr val="accent1">
-        <a:alpha val="90000"/>
-        <a:tint val="40000"/>
-      </a:schemeClr>
-    </dgm:linClrLst>
-    <dgm:effectClrLst/>
-    <dgm:txLinClrLst/>
-    <dgm:txFillClrLst meth="repeat">
-      <a:schemeClr val="dk1"/>
-    </dgm:txFillClrLst>
-    <dgm:txEffectClrLst/>
-  </dgm:styleLbl>
-  <dgm:styleLbl name="alignAccFollowNode1">
-    <dgm:fillClrLst meth="repeat">
-      <a:schemeClr val="accent1">
-        <a:alpha val="90000"/>
-        <a:tint val="40000"/>
-      </a:schemeClr>
-    </dgm:fillClrLst>
-    <dgm:linClrLst meth="repeat">
-      <a:schemeClr val="accent1">
-        <a:alpha val="90000"/>
-        <a:tint val="40000"/>
-      </a:schemeClr>
-    </dgm:linClrLst>
-    <dgm:effectClrLst/>
-    <dgm:txLinClrLst/>
-    <dgm:txFillClrLst meth="repeat">
-      <a:schemeClr val="dk1"/>
-    </dgm:txFillClrLst>
-    <dgm:txEffectClrLst/>
-  </dgm:styleLbl>
-  <dgm:styleLbl name="bgAccFollowNode1">
-    <dgm:fillClrLst meth="repeat">
-      <a:schemeClr val="accent1">
-        <a:alpha val="90000"/>
-        <a:tint val="40000"/>
-      </a:schemeClr>
-    </dgm:fillClrLst>
-    <dgm:linClrLst meth="repeat">
-      <a:schemeClr val="accent1">
-        <a:alpha val="90000"/>
-        <a:tint val="40000"/>
-      </a:schemeClr>
-    </dgm:linClrLst>
-    <dgm:effectClrLst/>
-    <dgm:txLinClrLst/>
-    <dgm:txFillClrLst meth="repeat">
-      <a:schemeClr val="dk1"/>
-    </dgm:txFillClrLst>
-    <dgm:txEffectClrLst/>
-  </dgm:styleLbl>
-  <dgm:styleLbl name="fgAcc0">
-    <dgm:fillClrLst meth="repeat">
-      <a:schemeClr val="lt1">
-        <a:alpha val="90000"/>
-      </a:schemeClr>
-    </dgm:fillClrLst>
-    <dgm:linClrLst meth="repeat">
-      <a:schemeClr val="accent1"/>
-    </dgm:linClrLst>
-    <dgm:effectClrLst/>
-    <dgm:txLinClrLst/>
-    <dgm:txFillClrLst meth="repeat">
-      <a:schemeClr val="dk1"/>
-    </dgm:txFillClrLst>
-    <dgm:txEffectClrLst/>
-  </dgm:styleLbl>
-  <dgm:styleLbl name="fgAcc2">
-    <dgm:fillClrLst meth="repeat">
-      <a:schemeClr val="lt1">
-        <a:alpha val="90000"/>
-      </a:schemeClr>
-    </dgm:fillClrLst>
-    <dgm:linClrLst meth="repeat">
-      <a:schemeClr val="accent1"/>
-    </dgm:linClrLst>
-    <dgm:effectClrLst/>
-    <dgm:txLinClrLst/>
-    <dgm:txFillClrLst meth="repeat">
-      <a:schemeClr val="dk1"/>
-    </dgm:txFillClrLst>
-    <dgm:txEffectClrLst/>
-  </dgm:styleLbl>
-  <dgm:styleLbl name="fgAcc3">
-    <dgm:fillClrLst meth="repeat">
-      <a:schemeClr val="lt1">
-        <a:alpha val="90000"/>
-      </a:schemeClr>
-    </dgm:fillClrLst>
-    <dgm:linClrLst meth="repeat">
-      <a:schemeClr val="accent1"/>
-    </dgm:linClrLst>
-    <dgm:effectClrLst/>
-    <dgm:txLinClrLst/>
-    <dgm:txFillClrLst meth="repeat">
-      <a:schemeClr val="dk1"/>
-    </dgm:txFillClrLst>
-    <dgm:txEffectClrLst/>
-  </dgm:styleLbl>
-  <dgm:styleLbl name="fgAcc4">
-    <dgm:fillClrLst meth="repeat">
-      <a:schemeClr val="lt1">
-        <a:alpha val="90000"/>
-      </a:schemeClr>
-    </dgm:fillClrLst>
-    <dgm:linClrLst meth="repeat">
-      <a:schemeClr val="accent1"/>
-    </dgm:linClrLst>
-    <dgm:effectClrLst/>
-    <dgm:txLinClrLst/>
-    <dgm:txFillClrLst meth="repeat">
-      <a:schemeClr val="dk1"/>
-    </dgm:txFillClrLst>
-    <dgm:txEffectClrLst/>
-  </dgm:styleLbl>
-  <dgm:styleLbl name="bgShp">
-    <dgm:fillClrLst meth="repeat">
-      <a:schemeClr val="accent1">
-        <a:tint val="40000"/>
-      </a:schemeClr>
-    </dgm:fillClrLst>
-    <dgm:linClrLst meth="repeat">
-      <a:schemeClr val="accent1"/>
-    </dgm:linClrLst>
-    <dgm:effectClrLst/>
-    <dgm:txLinClrLst/>
-    <dgm:txFillClrLst meth="repeat">
-      <a:schemeClr val="dk1"/>
-    </dgm:txFillClrLst>
-    <dgm:txEffectClrLst/>
-  </dgm:styleLbl>
-  <dgm:styleLbl name="dkBgShp">
-    <dgm:fillClrLst meth="repeat">
-      <a:schemeClr val="accent1">
-        <a:shade val="80000"/>
-      </a:schemeClr>
-    </dgm:fillClrLst>
-    <dgm:linClrLst meth="repeat">
-      <a:schemeClr val="accent1"/>
-    </dgm:linClrLst>
-    <dgm:effectClrLst/>
-    <dgm:txLinClrLst/>
-    <dgm:txFillClrLst meth="repeat">
-      <a:schemeClr val="lt1"/>
-    </dgm:txFillClrLst>
-    <dgm:txEffectClrLst/>
-  </dgm:styleLbl>
-  <dgm:styleLbl name="trBgShp">
-    <dgm:fillClrLst meth="repeat">
-      <a:schemeClr val="accent1">
-        <a:tint val="50000"/>
-        <a:alpha val="40000"/>
-      </a:schemeClr>
-    </dgm:fillClrLst>
-    <dgm:linClrLst meth="repeat">
-      <a:schemeClr val="accent1"/>
-    </dgm:linClrLst>
-    <dgm:effectClrLst/>
-    <dgm:txLinClrLst/>
-    <dgm:txFillClrLst meth="repeat">
-      <a:schemeClr val="lt1"/>
-    </dgm:txFillClrLst>
-    <dgm:txEffectClrLst/>
-  </dgm:styleLbl>
-  <dgm:styleLbl name="fgShp">
-    <dgm:fillClrLst meth="repeat">
-      <a:schemeClr val="accent1">
-        <a:tint val="60000"/>
-      </a:schemeClr>
-    </dgm:fillClrLst>
-    <dgm:linClrLst meth="repeat">
-      <a:schemeClr val="lt1"/>
-    </dgm:linClrLst>
-    <dgm:effectClrLst/>
-    <dgm:txLinClrLst/>
-    <dgm:txFillClrLst meth="repeat">
-      <a:schemeClr val="dk1"/>
-    </dgm:txFillClrLst>
-    <dgm:txEffectClrLst/>
-  </dgm:styleLbl>
-  <dgm:styleLbl name="revTx">
-    <dgm:fillClrLst meth="repeat">
-      <a:schemeClr val="lt1">
-        <a:alpha val="0"/>
-      </a:schemeClr>
-    </dgm:fillClrLst>
-    <dgm:linClrLst meth="repeat">
-      <a:schemeClr val="dk1">
-        <a:alpha val="0"/>
-      </a:schemeClr>
-    </dgm:linClrLst>
-    <dgm:effectClrLst/>
-    <dgm:txLinClrLst/>
-    <dgm:txFillClrLst meth="repeat">
-      <a:schemeClr val="tx1"/>
-    </dgm:txFillClrLst>
-    <dgm:txEffectClrLst/>
-  </dgm:styleLbl>
-</dgm:colorsDef>
-</file>
-
-<file path=ppt/diagrams/colors4.xml><?xml version="1.0" encoding="utf-8"?>
 <dgm:colorsDef xmlns:dgm="http://schemas.openxmlformats.org/drawingml/2006/diagram" xmlns:a="http://schemas.openxmlformats.org/drawingml/2006/main" uniqueId="urn:microsoft.com/office/officeart/2005/8/colors/accent0_3">
   <dgm:title val=""/>
   <dgm:desc val=""/>
@@ -4326,419 +2800,6 @@
 </file>
 
 <file path=ppt/diagrams/data2.xml><?xml version="1.0" encoding="utf-8"?>
-<dgm:dataModel xmlns:dgm="http://schemas.openxmlformats.org/drawingml/2006/diagram" xmlns:a="http://schemas.openxmlformats.org/drawingml/2006/main">
-  <dgm:ptLst>
-    <dgm:pt modelId="{457AD4FE-5255-41C5-A812-B673111E821B}" type="doc">
-      <dgm:prSet loTypeId="urn:microsoft.com/office/officeart/2005/8/layout/vList2" loCatId="list" qsTypeId="urn:microsoft.com/office/officeart/2005/8/quickstyle/simple1" qsCatId="simple" csTypeId="urn:microsoft.com/office/officeart/2005/8/colors/colorful2" csCatId="colorful"/>
-      <dgm:spPr/>
-      <dgm:t>
-        <a:bodyPr/>
-        <a:lstStyle/>
-        <a:p>
-          <a:endParaRPr lang="en-US"/>
-        </a:p>
-      </dgm:t>
-    </dgm:pt>
-    <dgm:pt modelId="{13A00C90-0C97-4914-9B36-E0FE1AF6DDAF}">
-      <dgm:prSet/>
-      <dgm:spPr/>
-      <dgm:t>
-        <a:bodyPr/>
-        <a:lstStyle/>
-        <a:p>
-          <a:r>
-            <a:rPr lang="de-DE"/>
-            <a:t>Graph</a:t>
-          </a:r>
-          <a:endParaRPr lang="en-US"/>
-        </a:p>
-      </dgm:t>
-    </dgm:pt>
-    <dgm:pt modelId="{B832A0BA-AE16-4A40-BD71-42381D9F0FB3}" type="parTrans" cxnId="{5B926CCF-BA54-4179-AB3A-3D388948D350}">
-      <dgm:prSet/>
-      <dgm:spPr/>
-      <dgm:t>
-        <a:bodyPr/>
-        <a:lstStyle/>
-        <a:p>
-          <a:endParaRPr lang="en-US"/>
-        </a:p>
-      </dgm:t>
-    </dgm:pt>
-    <dgm:pt modelId="{FF6AB33C-82F8-4487-8902-7B713CBE59C6}" type="sibTrans" cxnId="{5B926CCF-BA54-4179-AB3A-3D388948D350}">
-      <dgm:prSet/>
-      <dgm:spPr/>
-      <dgm:t>
-        <a:bodyPr/>
-        <a:lstStyle/>
-        <a:p>
-          <a:endParaRPr lang="en-US"/>
-        </a:p>
-      </dgm:t>
-    </dgm:pt>
-    <dgm:pt modelId="{C5C33031-EAE6-4F39-A2E3-53F864B2215D}">
-      <dgm:prSet/>
-      <dgm:spPr/>
-      <dgm:t>
-        <a:bodyPr/>
-        <a:lstStyle/>
-        <a:p>
-          <a:r>
-            <a:rPr lang="de-DE"/>
-            <a:t>Zeigt an, welche Programme wann wie lange gelaufen sind</a:t>
-          </a:r>
-          <a:endParaRPr lang="en-US"/>
-        </a:p>
-      </dgm:t>
-    </dgm:pt>
-    <dgm:pt modelId="{2571590C-E824-4DDB-9B1B-E833C93E9AD8}" type="parTrans" cxnId="{427DE2AA-9E21-477C-8006-2083EC0C6EF3}">
-      <dgm:prSet/>
-      <dgm:spPr/>
-      <dgm:t>
-        <a:bodyPr/>
-        <a:lstStyle/>
-        <a:p>
-          <a:endParaRPr lang="en-US"/>
-        </a:p>
-      </dgm:t>
-    </dgm:pt>
-    <dgm:pt modelId="{C011ECE4-6EBC-48B9-972B-660144737C2A}" type="sibTrans" cxnId="{427DE2AA-9E21-477C-8006-2083EC0C6EF3}">
-      <dgm:prSet/>
-      <dgm:spPr/>
-      <dgm:t>
-        <a:bodyPr/>
-        <a:lstStyle/>
-        <a:p>
-          <a:endParaRPr lang="en-US"/>
-        </a:p>
-      </dgm:t>
-    </dgm:pt>
-    <dgm:pt modelId="{F346C87A-1C5F-417F-9A9B-A399BACD8D7D}">
-      <dgm:prSet/>
-      <dgm:spPr/>
-      <dgm:t>
-        <a:bodyPr/>
-        <a:lstStyle/>
-        <a:p>
-          <a:r>
-            <a:rPr lang="de-DE"/>
-            <a:t>Startet bei PC-Start im Hintergrund</a:t>
-          </a:r>
-          <a:endParaRPr lang="en-US"/>
-        </a:p>
-      </dgm:t>
-    </dgm:pt>
-    <dgm:pt modelId="{589EB869-3C86-4408-8B9C-63B45CBD1F43}" type="parTrans" cxnId="{1321F857-D54A-4A6A-871D-463081333F78}">
-      <dgm:prSet/>
-      <dgm:spPr/>
-      <dgm:t>
-        <a:bodyPr/>
-        <a:lstStyle/>
-        <a:p>
-          <a:endParaRPr lang="en-US"/>
-        </a:p>
-      </dgm:t>
-    </dgm:pt>
-    <dgm:pt modelId="{E72FE77C-30C0-4FC3-85C0-A469D45FDF04}" type="sibTrans" cxnId="{1321F857-D54A-4A6A-871D-463081333F78}">
-      <dgm:prSet/>
-      <dgm:spPr/>
-      <dgm:t>
-        <a:bodyPr/>
-        <a:lstStyle/>
-        <a:p>
-          <a:endParaRPr lang="en-US"/>
-        </a:p>
-      </dgm:t>
-    </dgm:pt>
-    <dgm:pt modelId="{38EE7138-9C39-4715-BB9C-060D8B9CC07E}">
-      <dgm:prSet/>
-      <dgm:spPr/>
-      <dgm:t>
-        <a:bodyPr/>
-        <a:lstStyle/>
-        <a:p>
-          <a:r>
-            <a:rPr lang="de-DE"/>
-            <a:t>Wird bei Schließen minimiert</a:t>
-          </a:r>
-          <a:endParaRPr lang="en-US"/>
-        </a:p>
-      </dgm:t>
-    </dgm:pt>
-    <dgm:pt modelId="{DB7F0135-D22F-45B9-AC55-6EE93FFF8F9E}" type="parTrans" cxnId="{B9C2CE9C-870F-4CB7-846C-87FE1732E8DA}">
-      <dgm:prSet/>
-      <dgm:spPr/>
-      <dgm:t>
-        <a:bodyPr/>
-        <a:lstStyle/>
-        <a:p>
-          <a:endParaRPr lang="en-US"/>
-        </a:p>
-      </dgm:t>
-    </dgm:pt>
-    <dgm:pt modelId="{33D64F94-5898-4C64-BCD6-FD89A62925BB}" type="sibTrans" cxnId="{B9C2CE9C-870F-4CB7-846C-87FE1732E8DA}">
-      <dgm:prSet/>
-      <dgm:spPr/>
-      <dgm:t>
-        <a:bodyPr/>
-        <a:lstStyle/>
-        <a:p>
-          <a:endParaRPr lang="en-US"/>
-        </a:p>
-      </dgm:t>
-    </dgm:pt>
-    <dgm:pt modelId="{21EACF95-2B75-4517-83EE-6FB8B1005B60}" type="pres">
-      <dgm:prSet presAssocID="{457AD4FE-5255-41C5-A812-B673111E821B}" presName="linear" presStyleCnt="0">
-        <dgm:presLayoutVars>
-          <dgm:animLvl val="lvl"/>
-          <dgm:resizeHandles val="exact"/>
-        </dgm:presLayoutVars>
-      </dgm:prSet>
-      <dgm:spPr/>
-    </dgm:pt>
-    <dgm:pt modelId="{8B381251-A8A8-4FDD-9F56-D5EDA70A24A0}" type="pres">
-      <dgm:prSet presAssocID="{13A00C90-0C97-4914-9B36-E0FE1AF6DDAF}" presName="parentText" presStyleLbl="node1" presStyleIdx="0" presStyleCnt="3">
-        <dgm:presLayoutVars>
-          <dgm:chMax val="0"/>
-          <dgm:bulletEnabled val="1"/>
-        </dgm:presLayoutVars>
-      </dgm:prSet>
-      <dgm:spPr/>
-    </dgm:pt>
-    <dgm:pt modelId="{9CAD5E94-584F-4C4F-8E3B-E5EA36B85FCA}" type="pres">
-      <dgm:prSet presAssocID="{13A00C90-0C97-4914-9B36-E0FE1AF6DDAF}" presName="childText" presStyleLbl="revTx" presStyleIdx="0" presStyleCnt="1">
-        <dgm:presLayoutVars>
-          <dgm:bulletEnabled val="1"/>
-        </dgm:presLayoutVars>
-      </dgm:prSet>
-      <dgm:spPr/>
-    </dgm:pt>
-    <dgm:pt modelId="{9687A094-C8E6-4C07-98DF-9462C4692E4D}" type="pres">
-      <dgm:prSet presAssocID="{F346C87A-1C5F-417F-9A9B-A399BACD8D7D}" presName="parentText" presStyleLbl="node1" presStyleIdx="1" presStyleCnt="3">
-        <dgm:presLayoutVars>
-          <dgm:chMax val="0"/>
-          <dgm:bulletEnabled val="1"/>
-        </dgm:presLayoutVars>
-      </dgm:prSet>
-      <dgm:spPr/>
-    </dgm:pt>
-    <dgm:pt modelId="{4EE58712-4D03-493C-AD9C-7E20EA7E763F}" type="pres">
-      <dgm:prSet presAssocID="{E72FE77C-30C0-4FC3-85C0-A469D45FDF04}" presName="spacer" presStyleCnt="0"/>
-      <dgm:spPr/>
-    </dgm:pt>
-    <dgm:pt modelId="{B73452DB-9CA1-4C4D-A417-35EAF4F60BF2}" type="pres">
-      <dgm:prSet presAssocID="{38EE7138-9C39-4715-BB9C-060D8B9CC07E}" presName="parentText" presStyleLbl="node1" presStyleIdx="2" presStyleCnt="3">
-        <dgm:presLayoutVars>
-          <dgm:chMax val="0"/>
-          <dgm:bulletEnabled val="1"/>
-        </dgm:presLayoutVars>
-      </dgm:prSet>
-      <dgm:spPr/>
-    </dgm:pt>
-  </dgm:ptLst>
-  <dgm:cxnLst>
-    <dgm:cxn modelId="{C562621E-7CBA-4E52-B7A9-01D3ED62AED2}" type="presOf" srcId="{C5C33031-EAE6-4F39-A2E3-53F864B2215D}" destId="{9CAD5E94-584F-4C4F-8E3B-E5EA36B85FCA}" srcOrd="0" destOrd="0" presId="urn:microsoft.com/office/officeart/2005/8/layout/vList2"/>
-    <dgm:cxn modelId="{DA2CD51E-3594-4434-987D-8082596DDA06}" type="presOf" srcId="{457AD4FE-5255-41C5-A812-B673111E821B}" destId="{21EACF95-2B75-4517-83EE-6FB8B1005B60}" srcOrd="0" destOrd="0" presId="urn:microsoft.com/office/officeart/2005/8/layout/vList2"/>
-    <dgm:cxn modelId="{1321F857-D54A-4A6A-871D-463081333F78}" srcId="{457AD4FE-5255-41C5-A812-B673111E821B}" destId="{F346C87A-1C5F-417F-9A9B-A399BACD8D7D}" srcOrd="1" destOrd="0" parTransId="{589EB869-3C86-4408-8B9C-63B45CBD1F43}" sibTransId="{E72FE77C-30C0-4FC3-85C0-A469D45FDF04}"/>
-    <dgm:cxn modelId="{B9C2CE9C-870F-4CB7-846C-87FE1732E8DA}" srcId="{457AD4FE-5255-41C5-A812-B673111E821B}" destId="{38EE7138-9C39-4715-BB9C-060D8B9CC07E}" srcOrd="2" destOrd="0" parTransId="{DB7F0135-D22F-45B9-AC55-6EE93FFF8F9E}" sibTransId="{33D64F94-5898-4C64-BCD6-FD89A62925BB}"/>
-    <dgm:cxn modelId="{16FF86A4-C0BC-4B0D-900C-6EC78AD52834}" type="presOf" srcId="{13A00C90-0C97-4914-9B36-E0FE1AF6DDAF}" destId="{8B381251-A8A8-4FDD-9F56-D5EDA70A24A0}" srcOrd="0" destOrd="0" presId="urn:microsoft.com/office/officeart/2005/8/layout/vList2"/>
-    <dgm:cxn modelId="{427DE2AA-9E21-477C-8006-2083EC0C6EF3}" srcId="{13A00C90-0C97-4914-9B36-E0FE1AF6DDAF}" destId="{C5C33031-EAE6-4F39-A2E3-53F864B2215D}" srcOrd="0" destOrd="0" parTransId="{2571590C-E824-4DDB-9B1B-E833C93E9AD8}" sibTransId="{C011ECE4-6EBC-48B9-972B-660144737C2A}"/>
-    <dgm:cxn modelId="{363CEDAA-46CB-47D8-890D-2507C80A90A5}" type="presOf" srcId="{F346C87A-1C5F-417F-9A9B-A399BACD8D7D}" destId="{9687A094-C8E6-4C07-98DF-9462C4692E4D}" srcOrd="0" destOrd="0" presId="urn:microsoft.com/office/officeart/2005/8/layout/vList2"/>
-    <dgm:cxn modelId="{C6F132C7-D660-4845-9568-89FF017128FC}" type="presOf" srcId="{38EE7138-9C39-4715-BB9C-060D8B9CC07E}" destId="{B73452DB-9CA1-4C4D-A417-35EAF4F60BF2}" srcOrd="0" destOrd="0" presId="urn:microsoft.com/office/officeart/2005/8/layout/vList2"/>
-    <dgm:cxn modelId="{5B926CCF-BA54-4179-AB3A-3D388948D350}" srcId="{457AD4FE-5255-41C5-A812-B673111E821B}" destId="{13A00C90-0C97-4914-9B36-E0FE1AF6DDAF}" srcOrd="0" destOrd="0" parTransId="{B832A0BA-AE16-4A40-BD71-42381D9F0FB3}" sibTransId="{FF6AB33C-82F8-4487-8902-7B713CBE59C6}"/>
-    <dgm:cxn modelId="{14149C93-6923-4F90-AE0B-2A95FAB49ACD}" type="presParOf" srcId="{21EACF95-2B75-4517-83EE-6FB8B1005B60}" destId="{8B381251-A8A8-4FDD-9F56-D5EDA70A24A0}" srcOrd="0" destOrd="0" presId="urn:microsoft.com/office/officeart/2005/8/layout/vList2"/>
-    <dgm:cxn modelId="{435BF639-9094-46A5-9D78-6556DD003239}" type="presParOf" srcId="{21EACF95-2B75-4517-83EE-6FB8B1005B60}" destId="{9CAD5E94-584F-4C4F-8E3B-E5EA36B85FCA}" srcOrd="1" destOrd="0" presId="urn:microsoft.com/office/officeart/2005/8/layout/vList2"/>
-    <dgm:cxn modelId="{29C16F69-968A-4601-BA5E-71F1EA24C6C2}" type="presParOf" srcId="{21EACF95-2B75-4517-83EE-6FB8B1005B60}" destId="{9687A094-C8E6-4C07-98DF-9462C4692E4D}" srcOrd="2" destOrd="0" presId="urn:microsoft.com/office/officeart/2005/8/layout/vList2"/>
-    <dgm:cxn modelId="{8E41EC2F-D274-487B-BB33-554BCD7E6823}" type="presParOf" srcId="{21EACF95-2B75-4517-83EE-6FB8B1005B60}" destId="{4EE58712-4D03-493C-AD9C-7E20EA7E763F}" srcOrd="3" destOrd="0" presId="urn:microsoft.com/office/officeart/2005/8/layout/vList2"/>
-    <dgm:cxn modelId="{DEB42899-1E7D-464B-863C-6325843BD622}" type="presParOf" srcId="{21EACF95-2B75-4517-83EE-6FB8B1005B60}" destId="{B73452DB-9CA1-4C4D-A417-35EAF4F60BF2}" srcOrd="4" destOrd="0" presId="urn:microsoft.com/office/officeart/2005/8/layout/vList2"/>
-  </dgm:cxnLst>
-  <dgm:bg/>
-  <dgm:whole/>
-  <dgm:extLst>
-    <a:ext uri="http://schemas.microsoft.com/office/drawing/2008/diagram">
-      <dsp:dataModelExt xmlns:dsp="http://schemas.microsoft.com/office/drawing/2008/diagram" relId="rId6" minVer="http://schemas.openxmlformats.org/drawingml/2006/diagram"/>
-    </a:ext>
-  </dgm:extLst>
-</dgm:dataModel>
-</file>
-
-<file path=ppt/diagrams/data3.xml><?xml version="1.0" encoding="utf-8"?>
-<dgm:dataModel xmlns:dgm="http://schemas.openxmlformats.org/drawingml/2006/diagram" xmlns:a="http://schemas.openxmlformats.org/drawingml/2006/main">
-  <dgm:ptLst>
-    <dgm:pt modelId="{067D2DD6-265D-4190-86F2-4C45ECCF21FB}" type="doc">
-      <dgm:prSet loTypeId="urn:microsoft.com/office/officeart/2005/8/layout/hierarchy1" loCatId="hierarchy" qsTypeId="urn:microsoft.com/office/officeart/2005/8/quickstyle/simple1" qsCatId="simple" csTypeId="urn:microsoft.com/office/officeart/2005/8/colors/accent1_2" csCatId="accent1"/>
-      <dgm:spPr/>
-      <dgm:t>
-        <a:bodyPr/>
-        <a:lstStyle/>
-        <a:p>
-          <a:endParaRPr lang="en-US"/>
-        </a:p>
-      </dgm:t>
-    </dgm:pt>
-    <dgm:pt modelId="{4A222CFD-1145-434F-A792-300FE5744EAF}">
-      <dgm:prSet/>
-      <dgm:spPr/>
-      <dgm:t>
-        <a:bodyPr/>
-        <a:lstStyle/>
-        <a:p>
-          <a:r>
-            <a:rPr lang="de-DE"/>
-            <a:t>Anzeigen, welche Programme ich am meisten benutze</a:t>
-          </a:r>
-          <a:endParaRPr lang="en-US"/>
-        </a:p>
-      </dgm:t>
-    </dgm:pt>
-    <dgm:pt modelId="{5CDA341B-D401-43AF-93AF-3AA4818C40F7}" type="parTrans" cxnId="{D078A1A0-37D4-48F1-9805-BD8DE6325881}">
-      <dgm:prSet/>
-      <dgm:spPr/>
-      <dgm:t>
-        <a:bodyPr/>
-        <a:lstStyle/>
-        <a:p>
-          <a:endParaRPr lang="en-US"/>
-        </a:p>
-      </dgm:t>
-    </dgm:pt>
-    <dgm:pt modelId="{7DD81E5A-49B0-4297-88DA-9892B3563B49}" type="sibTrans" cxnId="{D078A1A0-37D4-48F1-9805-BD8DE6325881}">
-      <dgm:prSet/>
-      <dgm:spPr/>
-      <dgm:t>
-        <a:bodyPr/>
-        <a:lstStyle/>
-        <a:p>
-          <a:endParaRPr lang="en-US"/>
-        </a:p>
-      </dgm:t>
-    </dgm:pt>
-    <dgm:pt modelId="{FDE867DF-FB28-4E7E-92A8-877EC2C5B976}">
-      <dgm:prSet/>
-      <dgm:spPr/>
-      <dgm:t>
-        <a:bodyPr/>
-        <a:lstStyle/>
-        <a:p>
-          <a:r>
-            <a:rPr lang="de-DE"/>
-            <a:t>Anzeigen, wie oft ich Programme benutzt habe</a:t>
-          </a:r>
-          <a:endParaRPr lang="en-US"/>
-        </a:p>
-      </dgm:t>
-    </dgm:pt>
-    <dgm:pt modelId="{B3384078-D797-4941-A32A-B817F5090839}" type="parTrans" cxnId="{56A0C600-8073-4950-A50F-4723E9E7CAAC}">
-      <dgm:prSet/>
-      <dgm:spPr/>
-      <dgm:t>
-        <a:bodyPr/>
-        <a:lstStyle/>
-        <a:p>
-          <a:endParaRPr lang="en-US"/>
-        </a:p>
-      </dgm:t>
-    </dgm:pt>
-    <dgm:pt modelId="{00AEEC8E-1AE3-4137-888E-26AC31170029}" type="sibTrans" cxnId="{56A0C600-8073-4950-A50F-4723E9E7CAAC}">
-      <dgm:prSet/>
-      <dgm:spPr/>
-      <dgm:t>
-        <a:bodyPr/>
-        <a:lstStyle/>
-        <a:p>
-          <a:endParaRPr lang="en-US"/>
-        </a:p>
-      </dgm:t>
-    </dgm:pt>
-    <dgm:pt modelId="{47197779-3615-4C17-A541-DD9066027AE6}" type="pres">
-      <dgm:prSet presAssocID="{067D2DD6-265D-4190-86F2-4C45ECCF21FB}" presName="hierChild1" presStyleCnt="0">
-        <dgm:presLayoutVars>
-          <dgm:chPref val="1"/>
-          <dgm:dir/>
-          <dgm:animOne val="branch"/>
-          <dgm:animLvl val="lvl"/>
-          <dgm:resizeHandles/>
-        </dgm:presLayoutVars>
-      </dgm:prSet>
-      <dgm:spPr/>
-    </dgm:pt>
-    <dgm:pt modelId="{233ECA94-1B3C-4CE0-95A5-B7738DB27C5A}" type="pres">
-      <dgm:prSet presAssocID="{4A222CFD-1145-434F-A792-300FE5744EAF}" presName="hierRoot1" presStyleCnt="0"/>
-      <dgm:spPr/>
-    </dgm:pt>
-    <dgm:pt modelId="{A8AA07ED-AF75-45BF-8EA9-77DC4CC58AAF}" type="pres">
-      <dgm:prSet presAssocID="{4A222CFD-1145-434F-A792-300FE5744EAF}" presName="composite" presStyleCnt="0"/>
-      <dgm:spPr/>
-    </dgm:pt>
-    <dgm:pt modelId="{2C27A4E9-9E57-474E-901D-E5C43F79676C}" type="pres">
-      <dgm:prSet presAssocID="{4A222CFD-1145-434F-A792-300FE5744EAF}" presName="background" presStyleLbl="node0" presStyleIdx="0" presStyleCnt="2"/>
-      <dgm:spPr/>
-    </dgm:pt>
-    <dgm:pt modelId="{410CB609-A30D-4175-842B-4926C9EC256C}" type="pres">
-      <dgm:prSet presAssocID="{4A222CFD-1145-434F-A792-300FE5744EAF}" presName="text" presStyleLbl="fgAcc0" presStyleIdx="0" presStyleCnt="2">
-        <dgm:presLayoutVars>
-          <dgm:chPref val="3"/>
-        </dgm:presLayoutVars>
-      </dgm:prSet>
-      <dgm:spPr/>
-    </dgm:pt>
-    <dgm:pt modelId="{A9A348B1-0D5C-433A-8F18-504FD0559938}" type="pres">
-      <dgm:prSet presAssocID="{4A222CFD-1145-434F-A792-300FE5744EAF}" presName="hierChild2" presStyleCnt="0"/>
-      <dgm:spPr/>
-    </dgm:pt>
-    <dgm:pt modelId="{20FEC7C8-CF71-469E-9D22-D65C73F327BF}" type="pres">
-      <dgm:prSet presAssocID="{FDE867DF-FB28-4E7E-92A8-877EC2C5B976}" presName="hierRoot1" presStyleCnt="0"/>
-      <dgm:spPr/>
-    </dgm:pt>
-    <dgm:pt modelId="{2BEA224A-EDCF-4C3C-96F9-47333E25E5FB}" type="pres">
-      <dgm:prSet presAssocID="{FDE867DF-FB28-4E7E-92A8-877EC2C5B976}" presName="composite" presStyleCnt="0"/>
-      <dgm:spPr/>
-    </dgm:pt>
-    <dgm:pt modelId="{97C813F8-B739-4458-8A8F-BF3D15AA905A}" type="pres">
-      <dgm:prSet presAssocID="{FDE867DF-FB28-4E7E-92A8-877EC2C5B976}" presName="background" presStyleLbl="node0" presStyleIdx="1" presStyleCnt="2"/>
-      <dgm:spPr/>
-    </dgm:pt>
-    <dgm:pt modelId="{7F618D0C-05E8-4394-840B-61830395300E}" type="pres">
-      <dgm:prSet presAssocID="{FDE867DF-FB28-4E7E-92A8-877EC2C5B976}" presName="text" presStyleLbl="fgAcc0" presStyleIdx="1" presStyleCnt="2">
-        <dgm:presLayoutVars>
-          <dgm:chPref val="3"/>
-        </dgm:presLayoutVars>
-      </dgm:prSet>
-      <dgm:spPr/>
-    </dgm:pt>
-    <dgm:pt modelId="{CBE15DC9-E159-437E-A4C6-45C03D3A55BA}" type="pres">
-      <dgm:prSet presAssocID="{FDE867DF-FB28-4E7E-92A8-877EC2C5B976}" presName="hierChild2" presStyleCnt="0"/>
-      <dgm:spPr/>
-    </dgm:pt>
-  </dgm:ptLst>
-  <dgm:cxnLst>
-    <dgm:cxn modelId="{56A0C600-8073-4950-A50F-4723E9E7CAAC}" srcId="{067D2DD6-265D-4190-86F2-4C45ECCF21FB}" destId="{FDE867DF-FB28-4E7E-92A8-877EC2C5B976}" srcOrd="1" destOrd="0" parTransId="{B3384078-D797-4941-A32A-B817F5090839}" sibTransId="{00AEEC8E-1AE3-4137-888E-26AC31170029}"/>
-    <dgm:cxn modelId="{11193B39-999C-4D83-BEB4-4E920A4D000B}" type="presOf" srcId="{4A222CFD-1145-434F-A792-300FE5744EAF}" destId="{410CB609-A30D-4175-842B-4926C9EC256C}" srcOrd="0" destOrd="0" presId="urn:microsoft.com/office/officeart/2005/8/layout/hierarchy1"/>
-    <dgm:cxn modelId="{ED482683-FBA4-4184-906F-D4DA2962EDF2}" type="presOf" srcId="{067D2DD6-265D-4190-86F2-4C45ECCF21FB}" destId="{47197779-3615-4C17-A541-DD9066027AE6}" srcOrd="0" destOrd="0" presId="urn:microsoft.com/office/officeart/2005/8/layout/hierarchy1"/>
-    <dgm:cxn modelId="{5EA16793-239B-4164-AB30-21402AD86491}" type="presOf" srcId="{FDE867DF-FB28-4E7E-92A8-877EC2C5B976}" destId="{7F618D0C-05E8-4394-840B-61830395300E}" srcOrd="0" destOrd="0" presId="urn:microsoft.com/office/officeart/2005/8/layout/hierarchy1"/>
-    <dgm:cxn modelId="{D078A1A0-37D4-48F1-9805-BD8DE6325881}" srcId="{067D2DD6-265D-4190-86F2-4C45ECCF21FB}" destId="{4A222CFD-1145-434F-A792-300FE5744EAF}" srcOrd="0" destOrd="0" parTransId="{5CDA341B-D401-43AF-93AF-3AA4818C40F7}" sibTransId="{7DD81E5A-49B0-4297-88DA-9892B3563B49}"/>
-    <dgm:cxn modelId="{4A6BDE78-5387-4091-BDF8-3B0562FF6832}" type="presParOf" srcId="{47197779-3615-4C17-A541-DD9066027AE6}" destId="{233ECA94-1B3C-4CE0-95A5-B7738DB27C5A}" srcOrd="0" destOrd="0" presId="urn:microsoft.com/office/officeart/2005/8/layout/hierarchy1"/>
-    <dgm:cxn modelId="{78167B27-1FA2-4682-A2C4-F9B752B3D2CD}" type="presParOf" srcId="{233ECA94-1B3C-4CE0-95A5-B7738DB27C5A}" destId="{A8AA07ED-AF75-45BF-8EA9-77DC4CC58AAF}" srcOrd="0" destOrd="0" presId="urn:microsoft.com/office/officeart/2005/8/layout/hierarchy1"/>
-    <dgm:cxn modelId="{EEE77CCA-CEE1-42D9-A4D0-B5630B508DBF}" type="presParOf" srcId="{A8AA07ED-AF75-45BF-8EA9-77DC4CC58AAF}" destId="{2C27A4E9-9E57-474E-901D-E5C43F79676C}" srcOrd="0" destOrd="0" presId="urn:microsoft.com/office/officeart/2005/8/layout/hierarchy1"/>
-    <dgm:cxn modelId="{34B0B6DA-5EBB-42BD-AC51-F0A0D7A5824E}" type="presParOf" srcId="{A8AA07ED-AF75-45BF-8EA9-77DC4CC58AAF}" destId="{410CB609-A30D-4175-842B-4926C9EC256C}" srcOrd="1" destOrd="0" presId="urn:microsoft.com/office/officeart/2005/8/layout/hierarchy1"/>
-    <dgm:cxn modelId="{1BD7485C-E825-4DC4-BBDC-92382C7EB4DB}" type="presParOf" srcId="{233ECA94-1B3C-4CE0-95A5-B7738DB27C5A}" destId="{A9A348B1-0D5C-433A-8F18-504FD0559938}" srcOrd="1" destOrd="0" presId="urn:microsoft.com/office/officeart/2005/8/layout/hierarchy1"/>
-    <dgm:cxn modelId="{08B2EC43-2BF1-4155-8C58-D7AE9B3455F0}" type="presParOf" srcId="{47197779-3615-4C17-A541-DD9066027AE6}" destId="{20FEC7C8-CF71-469E-9D22-D65C73F327BF}" srcOrd="1" destOrd="0" presId="urn:microsoft.com/office/officeart/2005/8/layout/hierarchy1"/>
-    <dgm:cxn modelId="{53F7B5C1-2457-4CC7-ADF4-F197BF01E40D}" type="presParOf" srcId="{20FEC7C8-CF71-469E-9D22-D65C73F327BF}" destId="{2BEA224A-EDCF-4C3C-96F9-47333E25E5FB}" srcOrd="0" destOrd="0" presId="urn:microsoft.com/office/officeart/2005/8/layout/hierarchy1"/>
-    <dgm:cxn modelId="{4900D742-8D8C-4AD5-B374-2E3EEDA0EE14}" type="presParOf" srcId="{2BEA224A-EDCF-4C3C-96F9-47333E25E5FB}" destId="{97C813F8-B739-4458-8A8F-BF3D15AA905A}" srcOrd="0" destOrd="0" presId="urn:microsoft.com/office/officeart/2005/8/layout/hierarchy1"/>
-    <dgm:cxn modelId="{C4F20CE0-B0B6-492C-8339-1840EEEAC9CD}" type="presParOf" srcId="{2BEA224A-EDCF-4C3C-96F9-47333E25E5FB}" destId="{7F618D0C-05E8-4394-840B-61830395300E}" srcOrd="1" destOrd="0" presId="urn:microsoft.com/office/officeart/2005/8/layout/hierarchy1"/>
-    <dgm:cxn modelId="{2AD787C8-F4EE-466D-95E0-8139E4A3BA44}" type="presParOf" srcId="{20FEC7C8-CF71-469E-9D22-D65C73F327BF}" destId="{CBE15DC9-E159-437E-A4C6-45C03D3A55BA}" srcOrd="1" destOrd="0" presId="urn:microsoft.com/office/officeart/2005/8/layout/hierarchy1"/>
-  </dgm:cxnLst>
-  <dgm:bg/>
-  <dgm:whole/>
-  <dgm:extLst>
-    <a:ext uri="http://schemas.microsoft.com/office/drawing/2008/diagram">
-      <dsp:dataModelExt xmlns:dsp="http://schemas.microsoft.com/office/drawing/2008/diagram" relId="rId7" minVer="http://schemas.openxmlformats.org/drawingml/2006/diagram"/>
-    </a:ext>
-  </dgm:extLst>
-</dgm:dataModel>
-</file>
-
-<file path=ppt/diagrams/data4.xml><?xml version="1.0" encoding="utf-8"?>
 <dgm:dataModel xmlns:dgm="http://schemas.openxmlformats.org/drawingml/2006/diagram" xmlns:a="http://schemas.openxmlformats.org/drawingml/2006/main">
   <dgm:ptLst>
     <dgm:pt modelId="{250B09D2-D711-40DC-B795-0708508C052A}" type="doc">
@@ -4983,38 +3044,7 @@
         <a:p>
           <a:r>
             <a:rPr lang="de-DE" dirty="0"/>
-            <a:t>GET: /</a:t>
-          </a:r>
-          <a:r>
-            <a:rPr lang="de-DE" dirty="0" err="1"/>
-            <a:t>api</a:t>
-          </a:r>
-          <a:r>
-            <a:rPr lang="de-DE" dirty="0"/>
-            <a:t>/</a:t>
-          </a:r>
-          <a:r>
-            <a:rPr lang="de-DE" dirty="0" err="1"/>
-            <a:t>logentries</a:t>
-          </a:r>
-          <a:r>
-            <a:rPr lang="de-DE" dirty="0"/>
-            <a:t>/</a:t>
-          </a:r>
-          <a:r>
-            <a:rPr lang="de-DE" dirty="0" err="1"/>
-            <a:t>active</a:t>
-          </a:r>
-          <a:r>
-            <a:rPr lang="de-DE" dirty="0"/>
-            <a:t> 	</a:t>
-          </a:r>
-          <a:br>
-            <a:rPr lang="de-DE" dirty="0"/>
-          </a:br>
-          <a:r>
-            <a:rPr lang="de-DE" dirty="0"/>
-            <a:t>	– holt alle aktiv rennenden 	Programme</a:t>
+            <a:t>Alle aktiven Programme holen</a:t>
           </a:r>
           <a:endParaRPr lang="en-US" dirty="0"/>
         </a:p>
@@ -5051,30 +3081,7 @@
         <a:p>
           <a:r>
             <a:rPr lang="de-DE" dirty="0"/>
-            <a:t>GET: /</a:t>
-          </a:r>
-          <a:r>
-            <a:rPr lang="de-DE" dirty="0" err="1"/>
-            <a:t>api</a:t>
-          </a:r>
-          <a:r>
-            <a:rPr lang="de-DE" dirty="0"/>
-            <a:t>/</a:t>
-          </a:r>
-          <a:r>
-            <a:rPr lang="de-DE" dirty="0" err="1"/>
-            <a:t>logentries</a:t>
-          </a:r>
-          <a:r>
-            <a:rPr lang="de-DE" dirty="0"/>
-            <a:t>/all		 </a:t>
-          </a:r>
-          <a:br>
-            <a:rPr lang="de-DE" dirty="0"/>
-          </a:br>
-          <a:r>
-            <a:rPr lang="de-DE" dirty="0"/>
-            <a:t>	– holt alle Programme</a:t>
+            <a:t>Alle Programme holen</a:t>
           </a:r>
           <a:endParaRPr lang="en-US" dirty="0"/>
         </a:p>
@@ -5111,31 +3118,7 @@
         <a:p>
           <a:r>
             <a:rPr lang="de-DE" dirty="0"/>
-            <a:t>POST: /</a:t>
-          </a:r>
-          <a:r>
-            <a:rPr lang="de-DE" dirty="0" err="1"/>
-            <a:t>api</a:t>
-          </a:r>
-          <a:r>
-            <a:rPr lang="de-DE" dirty="0"/>
-            <a:t>/</a:t>
-          </a:r>
-          <a:r>
-            <a:rPr lang="de-DE" dirty="0" err="1"/>
-            <a:t>logentries</a:t>
-          </a:r>
-          <a:r>
-            <a:rPr lang="de-DE" dirty="0"/>
-            <a:t> 			– neuer </a:t>
-          </a:r>
-          <a:r>
-            <a:rPr lang="de-DE" dirty="0" err="1"/>
-            <a:t>LogEntry</a:t>
-          </a:r>
-          <a:r>
-            <a:rPr lang="de-DE" dirty="0"/>
-            <a:t> anlegen</a:t>
+            <a:t>Ein neues Programm anlegen</a:t>
           </a:r>
           <a:endParaRPr lang="en-US" dirty="0"/>
         </a:p>
@@ -5172,46 +3155,7 @@
         <a:p>
           <a:r>
             <a:rPr lang="de-DE" dirty="0"/>
-            <a:t>POST: /</a:t>
-          </a:r>
-          <a:r>
-            <a:rPr lang="de-DE" dirty="0" err="1"/>
-            <a:t>api</a:t>
-          </a:r>
-          <a:r>
-            <a:rPr lang="de-DE" dirty="0"/>
-            <a:t>/</a:t>
-          </a:r>
-          <a:r>
-            <a:rPr lang="de-DE" dirty="0" err="1"/>
-            <a:t>logentries</a:t>
-          </a:r>
-          <a:r>
-            <a:rPr lang="de-DE" dirty="0"/>
-            <a:t>/{</a:t>
-          </a:r>
-          <a:r>
-            <a:rPr lang="de-DE" dirty="0" err="1"/>
-            <a:t>logId</a:t>
-          </a:r>
-          <a:r>
-            <a:rPr lang="de-DE" dirty="0"/>
-            <a:t>}/</a:t>
-          </a:r>
-          <a:r>
-            <a:rPr lang="de-DE" dirty="0" err="1"/>
-            <a:t>sessions</a:t>
-          </a:r>
-          <a:r>
-            <a:rPr lang="de-DE" dirty="0"/>
-            <a:t> 	</a:t>
-          </a:r>
-          <a:br>
-            <a:rPr lang="de-DE" dirty="0"/>
-          </a:br>
-          <a:r>
-            <a:rPr lang="de-DE" dirty="0"/>
-            <a:t>	– neue Session anlegen</a:t>
+            <a:t>Eine Neue Session anlegen</a:t>
           </a:r>
           <a:endParaRPr lang="en-US" dirty="0"/>
         </a:p>
@@ -5592,585 +3536,6 @@
       <dsp:cNvGrpSpPr/>
     </dsp:nvGrpSpPr>
     <dsp:grpSpPr/>
-    <dsp:sp modelId="{8B381251-A8A8-4FDD-9F56-D5EDA70A24A0}">
-      <dsp:nvSpPr>
-        <dsp:cNvPr id="0" name=""/>
-        <dsp:cNvSpPr/>
-      </dsp:nvSpPr>
-      <dsp:spPr>
-        <a:xfrm>
-          <a:off x="0" y="38948"/>
-          <a:ext cx="6949440" cy="1549281"/>
-        </a:xfrm>
-        <a:prstGeom prst="roundRect">
-          <a:avLst/>
-        </a:prstGeom>
-        <a:solidFill>
-          <a:schemeClr val="accent2">
-            <a:hueOff val="0"/>
-            <a:satOff val="0"/>
-            <a:lumOff val="0"/>
-            <a:alphaOff val="0"/>
-          </a:schemeClr>
-        </a:solidFill>
-        <a:ln w="15875" cap="rnd" cmpd="sng" algn="ctr">
-          <a:solidFill>
-            <a:schemeClr val="lt1">
-              <a:hueOff val="0"/>
-              <a:satOff val="0"/>
-              <a:lumOff val="0"/>
-              <a:alphaOff val="0"/>
-            </a:schemeClr>
-          </a:solidFill>
-          <a:prstDash val="solid"/>
-        </a:ln>
-        <a:effectLst/>
-      </dsp:spPr>
-      <dsp:style>
-        <a:lnRef idx="2">
-          <a:scrgbClr r="0" g="0" b="0"/>
-        </a:lnRef>
-        <a:fillRef idx="1">
-          <a:scrgbClr r="0" g="0" b="0"/>
-        </a:fillRef>
-        <a:effectRef idx="0">
-          <a:scrgbClr r="0" g="0" b="0"/>
-        </a:effectRef>
-        <a:fontRef idx="minor">
-          <a:schemeClr val="lt1"/>
-        </a:fontRef>
-      </dsp:style>
-      <dsp:txBody>
-        <a:bodyPr spcFirstLastPara="0" vert="horz" wrap="square" lIns="148590" tIns="148590" rIns="148590" bIns="148590" numCol="1" spcCol="1270" anchor="ctr" anchorCtr="0">
-          <a:noAutofit/>
-        </a:bodyPr>
-        <a:lstStyle/>
-        <a:p>
-          <a:pPr marL="0" lvl="0" indent="0" algn="l" defTabSz="1733550">
-            <a:lnSpc>
-              <a:spcPct val="90000"/>
-            </a:lnSpc>
-            <a:spcBef>
-              <a:spcPct val="0"/>
-            </a:spcBef>
-            <a:spcAft>
-              <a:spcPct val="35000"/>
-            </a:spcAft>
-            <a:buNone/>
-          </a:pPr>
-          <a:r>
-            <a:rPr lang="de-DE" sz="3900" kern="1200"/>
-            <a:t>Graph</a:t>
-          </a:r>
-          <a:endParaRPr lang="en-US" sz="3900" kern="1200"/>
-        </a:p>
-      </dsp:txBody>
-      <dsp:txXfrm>
-        <a:off x="75630" y="114578"/>
-        <a:ext cx="6798180" cy="1398021"/>
-      </dsp:txXfrm>
-    </dsp:sp>
-    <dsp:sp modelId="{9CAD5E94-584F-4C4F-8E3B-E5EA36B85FCA}">
-      <dsp:nvSpPr>
-        <dsp:cNvPr id="0" name=""/>
-        <dsp:cNvSpPr/>
-      </dsp:nvSpPr>
-      <dsp:spPr>
-        <a:xfrm>
-          <a:off x="0" y="1588229"/>
-          <a:ext cx="6949440" cy="948577"/>
-        </a:xfrm>
-        <a:prstGeom prst="rect">
-          <a:avLst/>
-        </a:prstGeom>
-        <a:noFill/>
-        <a:ln>
-          <a:noFill/>
-        </a:ln>
-        <a:effectLst/>
-      </dsp:spPr>
-      <dsp:style>
-        <a:lnRef idx="0">
-          <a:scrgbClr r="0" g="0" b="0"/>
-        </a:lnRef>
-        <a:fillRef idx="0">
-          <a:scrgbClr r="0" g="0" b="0"/>
-        </a:fillRef>
-        <a:effectRef idx="0">
-          <a:scrgbClr r="0" g="0" b="0"/>
-        </a:effectRef>
-        <a:fontRef idx="minor"/>
-      </dsp:style>
-      <dsp:txBody>
-        <a:bodyPr spcFirstLastPara="0" vert="horz" wrap="square" lIns="220645" tIns="49530" rIns="277368" bIns="49530" numCol="1" spcCol="1270" anchor="t" anchorCtr="0">
-          <a:noAutofit/>
-        </a:bodyPr>
-        <a:lstStyle/>
-        <a:p>
-          <a:pPr marL="285750" lvl="1" indent="-285750" algn="l" defTabSz="1333500">
-            <a:lnSpc>
-              <a:spcPct val="90000"/>
-            </a:lnSpc>
-            <a:spcBef>
-              <a:spcPct val="0"/>
-            </a:spcBef>
-            <a:spcAft>
-              <a:spcPct val="20000"/>
-            </a:spcAft>
-            <a:buChar char="•"/>
-          </a:pPr>
-          <a:r>
-            <a:rPr lang="de-DE" sz="3000" kern="1200"/>
-            <a:t>Zeigt an, welche Programme wann wie lange gelaufen sind</a:t>
-          </a:r>
-          <a:endParaRPr lang="en-US" sz="3000" kern="1200"/>
-        </a:p>
-      </dsp:txBody>
-      <dsp:txXfrm>
-        <a:off x="0" y="1588229"/>
-        <a:ext cx="6949440" cy="948577"/>
-      </dsp:txXfrm>
-    </dsp:sp>
-    <dsp:sp modelId="{9687A094-C8E6-4C07-98DF-9462C4692E4D}">
-      <dsp:nvSpPr>
-        <dsp:cNvPr id="0" name=""/>
-        <dsp:cNvSpPr/>
-      </dsp:nvSpPr>
-      <dsp:spPr>
-        <a:xfrm>
-          <a:off x="0" y="2536806"/>
-          <a:ext cx="6949440" cy="1549281"/>
-        </a:xfrm>
-        <a:prstGeom prst="roundRect">
-          <a:avLst/>
-        </a:prstGeom>
-        <a:solidFill>
-          <a:schemeClr val="accent2">
-            <a:hueOff val="226582"/>
-            <a:satOff val="-23996"/>
-            <a:lumOff val="-588"/>
-            <a:alphaOff val="0"/>
-          </a:schemeClr>
-        </a:solidFill>
-        <a:ln w="15875" cap="rnd" cmpd="sng" algn="ctr">
-          <a:solidFill>
-            <a:schemeClr val="lt1">
-              <a:hueOff val="0"/>
-              <a:satOff val="0"/>
-              <a:lumOff val="0"/>
-              <a:alphaOff val="0"/>
-            </a:schemeClr>
-          </a:solidFill>
-          <a:prstDash val="solid"/>
-        </a:ln>
-        <a:effectLst/>
-      </dsp:spPr>
-      <dsp:style>
-        <a:lnRef idx="2">
-          <a:scrgbClr r="0" g="0" b="0"/>
-        </a:lnRef>
-        <a:fillRef idx="1">
-          <a:scrgbClr r="0" g="0" b="0"/>
-        </a:fillRef>
-        <a:effectRef idx="0">
-          <a:scrgbClr r="0" g="0" b="0"/>
-        </a:effectRef>
-        <a:fontRef idx="minor">
-          <a:schemeClr val="lt1"/>
-        </a:fontRef>
-      </dsp:style>
-      <dsp:txBody>
-        <a:bodyPr spcFirstLastPara="0" vert="horz" wrap="square" lIns="148590" tIns="148590" rIns="148590" bIns="148590" numCol="1" spcCol="1270" anchor="ctr" anchorCtr="0">
-          <a:noAutofit/>
-        </a:bodyPr>
-        <a:lstStyle/>
-        <a:p>
-          <a:pPr marL="0" lvl="0" indent="0" algn="l" defTabSz="1733550">
-            <a:lnSpc>
-              <a:spcPct val="90000"/>
-            </a:lnSpc>
-            <a:spcBef>
-              <a:spcPct val="0"/>
-            </a:spcBef>
-            <a:spcAft>
-              <a:spcPct val="35000"/>
-            </a:spcAft>
-            <a:buNone/>
-          </a:pPr>
-          <a:r>
-            <a:rPr lang="de-DE" sz="3900" kern="1200"/>
-            <a:t>Startet bei PC-Start im Hintergrund</a:t>
-          </a:r>
-          <a:endParaRPr lang="en-US" sz="3900" kern="1200"/>
-        </a:p>
-      </dsp:txBody>
-      <dsp:txXfrm>
-        <a:off x="75630" y="2612436"/>
-        <a:ext cx="6798180" cy="1398021"/>
-      </dsp:txXfrm>
-    </dsp:sp>
-    <dsp:sp modelId="{B73452DB-9CA1-4C4D-A417-35EAF4F60BF2}">
-      <dsp:nvSpPr>
-        <dsp:cNvPr id="0" name=""/>
-        <dsp:cNvSpPr/>
-      </dsp:nvSpPr>
-      <dsp:spPr>
-        <a:xfrm>
-          <a:off x="0" y="4198407"/>
-          <a:ext cx="6949440" cy="1549281"/>
-        </a:xfrm>
-        <a:prstGeom prst="roundRect">
-          <a:avLst/>
-        </a:prstGeom>
-        <a:solidFill>
-          <a:schemeClr val="accent2">
-            <a:hueOff val="453165"/>
-            <a:satOff val="-47993"/>
-            <a:lumOff val="-1176"/>
-            <a:alphaOff val="0"/>
-          </a:schemeClr>
-        </a:solidFill>
-        <a:ln w="15875" cap="rnd" cmpd="sng" algn="ctr">
-          <a:solidFill>
-            <a:schemeClr val="lt1">
-              <a:hueOff val="0"/>
-              <a:satOff val="0"/>
-              <a:lumOff val="0"/>
-              <a:alphaOff val="0"/>
-            </a:schemeClr>
-          </a:solidFill>
-          <a:prstDash val="solid"/>
-        </a:ln>
-        <a:effectLst/>
-      </dsp:spPr>
-      <dsp:style>
-        <a:lnRef idx="2">
-          <a:scrgbClr r="0" g="0" b="0"/>
-        </a:lnRef>
-        <a:fillRef idx="1">
-          <a:scrgbClr r="0" g="0" b="0"/>
-        </a:fillRef>
-        <a:effectRef idx="0">
-          <a:scrgbClr r="0" g="0" b="0"/>
-        </a:effectRef>
-        <a:fontRef idx="minor">
-          <a:schemeClr val="lt1"/>
-        </a:fontRef>
-      </dsp:style>
-      <dsp:txBody>
-        <a:bodyPr spcFirstLastPara="0" vert="horz" wrap="square" lIns="148590" tIns="148590" rIns="148590" bIns="148590" numCol="1" spcCol="1270" anchor="ctr" anchorCtr="0">
-          <a:noAutofit/>
-        </a:bodyPr>
-        <a:lstStyle/>
-        <a:p>
-          <a:pPr marL="0" lvl="0" indent="0" algn="l" defTabSz="1733550">
-            <a:lnSpc>
-              <a:spcPct val="90000"/>
-            </a:lnSpc>
-            <a:spcBef>
-              <a:spcPct val="0"/>
-            </a:spcBef>
-            <a:spcAft>
-              <a:spcPct val="35000"/>
-            </a:spcAft>
-            <a:buNone/>
-          </a:pPr>
-          <a:r>
-            <a:rPr lang="de-DE" sz="3900" kern="1200"/>
-            <a:t>Wird bei Schließen minimiert</a:t>
-          </a:r>
-          <a:endParaRPr lang="en-US" sz="3900" kern="1200"/>
-        </a:p>
-      </dsp:txBody>
-      <dsp:txXfrm>
-        <a:off x="75630" y="4274037"/>
-        <a:ext cx="6798180" cy="1398021"/>
-      </dsp:txXfrm>
-    </dsp:sp>
-  </dsp:spTree>
-</dsp:drawing>
-</file>
-
-<file path=ppt/diagrams/drawing3.xml><?xml version="1.0" encoding="utf-8"?>
-<dsp:drawing xmlns:dgm="http://schemas.openxmlformats.org/drawingml/2006/diagram" xmlns:dsp="http://schemas.microsoft.com/office/drawing/2008/diagram" xmlns:a="http://schemas.openxmlformats.org/drawingml/2006/main">
-  <dsp:spTree>
-    <dsp:nvGrpSpPr>
-      <dsp:cNvPr id="0" name=""/>
-      <dsp:cNvGrpSpPr/>
-    </dsp:nvGrpSpPr>
-    <dsp:grpSpPr/>
-    <dsp:sp modelId="{2C27A4E9-9E57-474E-901D-E5C43F79676C}">
-      <dsp:nvSpPr>
-        <dsp:cNvPr id="0" name=""/>
-        <dsp:cNvSpPr/>
-      </dsp:nvSpPr>
-      <dsp:spPr>
-        <a:xfrm>
-          <a:off x="1261" y="393494"/>
-          <a:ext cx="4428354" cy="2812004"/>
-        </a:xfrm>
-        <a:prstGeom prst="roundRect">
-          <a:avLst>
-            <a:gd name="adj" fmla="val 10000"/>
-          </a:avLst>
-        </a:prstGeom>
-        <a:solidFill>
-          <a:schemeClr val="accent1">
-            <a:hueOff val="0"/>
-            <a:satOff val="0"/>
-            <a:lumOff val="0"/>
-            <a:alphaOff val="0"/>
-          </a:schemeClr>
-        </a:solidFill>
-        <a:ln w="15875" cap="rnd" cmpd="sng" algn="ctr">
-          <a:solidFill>
-            <a:schemeClr val="lt1">
-              <a:hueOff val="0"/>
-              <a:satOff val="0"/>
-              <a:lumOff val="0"/>
-              <a:alphaOff val="0"/>
-            </a:schemeClr>
-          </a:solidFill>
-          <a:prstDash val="solid"/>
-        </a:ln>
-        <a:effectLst/>
-      </dsp:spPr>
-      <dsp:style>
-        <a:lnRef idx="2">
-          <a:scrgbClr r="0" g="0" b="0"/>
-        </a:lnRef>
-        <a:fillRef idx="1">
-          <a:scrgbClr r="0" g="0" b="0"/>
-        </a:fillRef>
-        <a:effectRef idx="0">
-          <a:scrgbClr r="0" g="0" b="0"/>
-        </a:effectRef>
-        <a:fontRef idx="minor">
-          <a:schemeClr val="lt1"/>
-        </a:fontRef>
-      </dsp:style>
-    </dsp:sp>
-    <dsp:sp modelId="{410CB609-A30D-4175-842B-4926C9EC256C}">
-      <dsp:nvSpPr>
-        <dsp:cNvPr id="0" name=""/>
-        <dsp:cNvSpPr/>
-      </dsp:nvSpPr>
-      <dsp:spPr>
-        <a:xfrm>
-          <a:off x="493301" y="860931"/>
-          <a:ext cx="4428354" cy="2812004"/>
-        </a:xfrm>
-        <a:prstGeom prst="roundRect">
-          <a:avLst>
-            <a:gd name="adj" fmla="val 10000"/>
-          </a:avLst>
-        </a:prstGeom>
-        <a:solidFill>
-          <a:schemeClr val="lt1">
-            <a:alpha val="90000"/>
-            <a:hueOff val="0"/>
-            <a:satOff val="0"/>
-            <a:lumOff val="0"/>
-            <a:alphaOff val="0"/>
-          </a:schemeClr>
-        </a:solidFill>
-        <a:ln w="15875" cap="rnd" cmpd="sng" algn="ctr">
-          <a:solidFill>
-            <a:schemeClr val="accent1">
-              <a:hueOff val="0"/>
-              <a:satOff val="0"/>
-              <a:lumOff val="0"/>
-              <a:alphaOff val="0"/>
-            </a:schemeClr>
-          </a:solidFill>
-          <a:prstDash val="solid"/>
-        </a:ln>
-        <a:effectLst/>
-      </dsp:spPr>
-      <dsp:style>
-        <a:lnRef idx="2">
-          <a:scrgbClr r="0" g="0" b="0"/>
-        </a:lnRef>
-        <a:fillRef idx="1">
-          <a:scrgbClr r="0" g="0" b="0"/>
-        </a:fillRef>
-        <a:effectRef idx="0">
-          <a:scrgbClr r="0" g="0" b="0"/>
-        </a:effectRef>
-        <a:fontRef idx="minor"/>
-      </dsp:style>
-      <dsp:txBody>
-        <a:bodyPr spcFirstLastPara="0" vert="horz" wrap="square" lIns="137160" tIns="137160" rIns="137160" bIns="137160" numCol="1" spcCol="1270" anchor="ctr" anchorCtr="0">
-          <a:noAutofit/>
-        </a:bodyPr>
-        <a:lstStyle/>
-        <a:p>
-          <a:pPr marL="0" lvl="0" indent="0" algn="ctr" defTabSz="1600200">
-            <a:lnSpc>
-              <a:spcPct val="90000"/>
-            </a:lnSpc>
-            <a:spcBef>
-              <a:spcPct val="0"/>
-            </a:spcBef>
-            <a:spcAft>
-              <a:spcPct val="35000"/>
-            </a:spcAft>
-            <a:buNone/>
-          </a:pPr>
-          <a:r>
-            <a:rPr lang="de-DE" sz="3600" kern="1200"/>
-            <a:t>Anzeigen, welche Programme ich am meisten benutze</a:t>
-          </a:r>
-          <a:endParaRPr lang="en-US" sz="3600" kern="1200"/>
-        </a:p>
-      </dsp:txBody>
-      <dsp:txXfrm>
-        <a:off x="575662" y="943292"/>
-        <a:ext cx="4263632" cy="2647282"/>
-      </dsp:txXfrm>
-    </dsp:sp>
-    <dsp:sp modelId="{97C813F8-B739-4458-8A8F-BF3D15AA905A}">
-      <dsp:nvSpPr>
-        <dsp:cNvPr id="0" name=""/>
-        <dsp:cNvSpPr/>
-      </dsp:nvSpPr>
-      <dsp:spPr>
-        <a:xfrm>
-          <a:off x="5413694" y="393494"/>
-          <a:ext cx="4428354" cy="2812004"/>
-        </a:xfrm>
-        <a:prstGeom prst="roundRect">
-          <a:avLst>
-            <a:gd name="adj" fmla="val 10000"/>
-          </a:avLst>
-        </a:prstGeom>
-        <a:solidFill>
-          <a:schemeClr val="accent1">
-            <a:hueOff val="0"/>
-            <a:satOff val="0"/>
-            <a:lumOff val="0"/>
-            <a:alphaOff val="0"/>
-          </a:schemeClr>
-        </a:solidFill>
-        <a:ln w="15875" cap="rnd" cmpd="sng" algn="ctr">
-          <a:solidFill>
-            <a:schemeClr val="lt1">
-              <a:hueOff val="0"/>
-              <a:satOff val="0"/>
-              <a:lumOff val="0"/>
-              <a:alphaOff val="0"/>
-            </a:schemeClr>
-          </a:solidFill>
-          <a:prstDash val="solid"/>
-        </a:ln>
-        <a:effectLst/>
-      </dsp:spPr>
-      <dsp:style>
-        <a:lnRef idx="2">
-          <a:scrgbClr r="0" g="0" b="0"/>
-        </a:lnRef>
-        <a:fillRef idx="1">
-          <a:scrgbClr r="0" g="0" b="0"/>
-        </a:fillRef>
-        <a:effectRef idx="0">
-          <a:scrgbClr r="0" g="0" b="0"/>
-        </a:effectRef>
-        <a:fontRef idx="minor">
-          <a:schemeClr val="lt1"/>
-        </a:fontRef>
-      </dsp:style>
-    </dsp:sp>
-    <dsp:sp modelId="{7F618D0C-05E8-4394-840B-61830395300E}">
-      <dsp:nvSpPr>
-        <dsp:cNvPr id="0" name=""/>
-        <dsp:cNvSpPr/>
-      </dsp:nvSpPr>
-      <dsp:spPr>
-        <a:xfrm>
-          <a:off x="5905734" y="860931"/>
-          <a:ext cx="4428354" cy="2812004"/>
-        </a:xfrm>
-        <a:prstGeom prst="roundRect">
-          <a:avLst>
-            <a:gd name="adj" fmla="val 10000"/>
-          </a:avLst>
-        </a:prstGeom>
-        <a:solidFill>
-          <a:schemeClr val="lt1">
-            <a:alpha val="90000"/>
-            <a:hueOff val="0"/>
-            <a:satOff val="0"/>
-            <a:lumOff val="0"/>
-            <a:alphaOff val="0"/>
-          </a:schemeClr>
-        </a:solidFill>
-        <a:ln w="15875" cap="rnd" cmpd="sng" algn="ctr">
-          <a:solidFill>
-            <a:schemeClr val="accent1">
-              <a:hueOff val="0"/>
-              <a:satOff val="0"/>
-              <a:lumOff val="0"/>
-              <a:alphaOff val="0"/>
-            </a:schemeClr>
-          </a:solidFill>
-          <a:prstDash val="solid"/>
-        </a:ln>
-        <a:effectLst/>
-      </dsp:spPr>
-      <dsp:style>
-        <a:lnRef idx="2">
-          <a:scrgbClr r="0" g="0" b="0"/>
-        </a:lnRef>
-        <a:fillRef idx="1">
-          <a:scrgbClr r="0" g="0" b="0"/>
-        </a:fillRef>
-        <a:effectRef idx="0">
-          <a:scrgbClr r="0" g="0" b="0"/>
-        </a:effectRef>
-        <a:fontRef idx="minor"/>
-      </dsp:style>
-      <dsp:txBody>
-        <a:bodyPr spcFirstLastPara="0" vert="horz" wrap="square" lIns="137160" tIns="137160" rIns="137160" bIns="137160" numCol="1" spcCol="1270" anchor="ctr" anchorCtr="0">
-          <a:noAutofit/>
-        </a:bodyPr>
-        <a:lstStyle/>
-        <a:p>
-          <a:pPr marL="0" lvl="0" indent="0" algn="ctr" defTabSz="1600200">
-            <a:lnSpc>
-              <a:spcPct val="90000"/>
-            </a:lnSpc>
-            <a:spcBef>
-              <a:spcPct val="0"/>
-            </a:spcBef>
-            <a:spcAft>
-              <a:spcPct val="35000"/>
-            </a:spcAft>
-            <a:buNone/>
-          </a:pPr>
-          <a:r>
-            <a:rPr lang="de-DE" sz="3600" kern="1200"/>
-            <a:t>Anzeigen, wie oft ich Programme benutzt habe</a:t>
-          </a:r>
-          <a:endParaRPr lang="en-US" sz="3600" kern="1200"/>
-        </a:p>
-      </dsp:txBody>
-      <dsp:txXfrm>
-        <a:off x="5988095" y="943292"/>
-        <a:ext cx="4263632" cy="2647282"/>
-      </dsp:txXfrm>
-    </dsp:sp>
-  </dsp:spTree>
-</dsp:drawing>
-</file>
-
-<file path=ppt/diagrams/drawing4.xml><?xml version="1.0" encoding="utf-8"?>
-<dsp:drawing xmlns:dgm="http://schemas.openxmlformats.org/drawingml/2006/diagram" xmlns:dsp="http://schemas.microsoft.com/office/drawing/2008/diagram" xmlns:a="http://schemas.openxmlformats.org/drawingml/2006/main">
-  <dsp:spTree>
-    <dsp:nvGrpSpPr>
-      <dsp:cNvPr id="0" name=""/>
-      <dsp:cNvGrpSpPr/>
-    </dsp:nvGrpSpPr>
-    <dsp:grpSpPr/>
     <dsp:sp modelId="{8D243ADE-205D-45FB-B75F-B547AFDC8D91}">
       <dsp:nvSpPr>
         <dsp:cNvPr id="0" name=""/>
@@ -6178,8 +3543,8 @@
       </dsp:nvSpPr>
       <dsp:spPr>
         <a:xfrm>
-          <a:off x="43" y="210656"/>
-          <a:ext cx="4199680" cy="489600"/>
+          <a:off x="43" y="64950"/>
+          <a:ext cx="4199680" cy="691200"/>
         </a:xfrm>
         <a:prstGeom prst="rect">
           <a:avLst/>
@@ -6220,12 +3585,12 @@
         </a:fontRef>
       </dsp:style>
       <dsp:txBody>
-        <a:bodyPr spcFirstLastPara="0" vert="horz" wrap="square" lIns="120904" tIns="69088" rIns="120904" bIns="69088" numCol="1" spcCol="1270" anchor="ctr" anchorCtr="0">
+        <a:bodyPr spcFirstLastPara="0" vert="horz" wrap="square" lIns="170688" tIns="97536" rIns="170688" bIns="97536" numCol="1" spcCol="1270" anchor="ctr" anchorCtr="0">
           <a:noAutofit/>
         </a:bodyPr>
         <a:lstStyle/>
         <a:p>
-          <a:pPr marL="0" lvl="0" indent="0" algn="ctr" defTabSz="755650">
+          <a:pPr marL="0" lvl="0" indent="0" algn="ctr" defTabSz="1066800">
             <a:lnSpc>
               <a:spcPct val="90000"/>
             </a:lnSpc>
@@ -6238,15 +3603,15 @@
             <a:buNone/>
           </a:pPr>
           <a:r>
-            <a:rPr lang="de-DE" sz="1700" kern="1200"/>
+            <a:rPr lang="de-DE" sz="2400" kern="1200"/>
             <a:t>Datenbank</a:t>
           </a:r>
-          <a:endParaRPr lang="en-US" sz="1700" kern="1200"/>
+          <a:endParaRPr lang="en-US" sz="2400" kern="1200"/>
         </a:p>
       </dsp:txBody>
       <dsp:txXfrm>
-        <a:off x="43" y="210656"/>
-        <a:ext cx="4199680" cy="489600"/>
+        <a:off x="43" y="64950"/>
+        <a:ext cx="4199680" cy="691200"/>
       </dsp:txXfrm>
     </dsp:sp>
     <dsp:sp modelId="{98B750EB-A7BC-4DC3-96C5-55D987F85782}">
@@ -6256,8 +3621,8 @@
       </dsp:nvSpPr>
       <dsp:spPr>
         <a:xfrm>
-          <a:off x="43" y="700256"/>
-          <a:ext cx="4199680" cy="2743027"/>
+          <a:off x="43" y="756150"/>
+          <a:ext cx="4199680" cy="2832840"/>
         </a:xfrm>
         <a:prstGeom prst="rect">
           <a:avLst/>
@@ -6300,12 +3665,12 @@
         <a:fontRef idx="minor"/>
       </dsp:style>
       <dsp:txBody>
-        <a:bodyPr spcFirstLastPara="0" vert="horz" wrap="square" lIns="90678" tIns="90678" rIns="120904" bIns="136017" numCol="1" spcCol="1270" anchor="t" anchorCtr="0">
+        <a:bodyPr spcFirstLastPara="0" vert="horz" wrap="square" lIns="128016" tIns="128016" rIns="170688" bIns="192024" numCol="1" spcCol="1270" anchor="t" anchorCtr="0">
           <a:noAutofit/>
         </a:bodyPr>
         <a:lstStyle/>
         <a:p>
-          <a:pPr marL="171450" lvl="1" indent="-171450" algn="l" defTabSz="755650">
+          <a:pPr marL="228600" lvl="1" indent="-228600" algn="l" defTabSz="1066800">
             <a:lnSpc>
               <a:spcPct val="90000"/>
             </a:lnSpc>
@@ -6318,13 +3683,13 @@
             <a:buChar char="•"/>
           </a:pPr>
           <a:r>
-            <a:rPr lang="de-DE" sz="1700" kern="1200"/>
+            <a:rPr lang="de-DE" sz="2400" kern="1200"/>
             <a:t>Tabellen: </a:t>
           </a:r>
-          <a:endParaRPr lang="en-US" sz="1700" kern="1200"/>
+          <a:endParaRPr lang="en-US" sz="2400" kern="1200"/>
         </a:p>
         <a:p>
-          <a:pPr marL="342900" lvl="2" indent="-171450" algn="l" defTabSz="755650">
+          <a:pPr marL="457200" lvl="2" indent="-228600" algn="l" defTabSz="1066800">
             <a:lnSpc>
               <a:spcPct val="90000"/>
             </a:lnSpc>
@@ -6337,13 +3702,13 @@
             <a:buChar char="•"/>
           </a:pPr>
           <a:r>
-            <a:rPr lang="de-DE" sz="1700" kern="1200"/>
+            <a:rPr lang="de-DE" sz="2400" kern="1200"/>
             <a:t>User</a:t>
           </a:r>
-          <a:endParaRPr lang="en-US" sz="1700" kern="1200"/>
+          <a:endParaRPr lang="en-US" sz="2400" kern="1200"/>
         </a:p>
         <a:p>
-          <a:pPr marL="342900" lvl="2" indent="-171450" algn="l" defTabSz="755650">
+          <a:pPr marL="457200" lvl="2" indent="-228600" algn="l" defTabSz="1066800">
             <a:lnSpc>
               <a:spcPct val="90000"/>
             </a:lnSpc>
@@ -6356,13 +3721,13 @@
             <a:buChar char="•"/>
           </a:pPr>
           <a:r>
-            <a:rPr lang="de-DE" sz="1700" kern="1200"/>
+            <a:rPr lang="de-DE" sz="2400" kern="1200"/>
             <a:t>LogEntry: Das geloggte Programm</a:t>
           </a:r>
-          <a:endParaRPr lang="en-US" sz="1700" kern="1200"/>
+          <a:endParaRPr lang="en-US" sz="2400" kern="1200"/>
         </a:p>
         <a:p>
-          <a:pPr marL="342900" lvl="2" indent="-171450" algn="l" defTabSz="755650">
+          <a:pPr marL="457200" lvl="2" indent="-228600" algn="l" defTabSz="1066800">
             <a:lnSpc>
               <a:spcPct val="90000"/>
             </a:lnSpc>
@@ -6375,15 +3740,15 @@
             <a:buChar char="•"/>
           </a:pPr>
           <a:r>
-            <a:rPr lang="de-DE" sz="1700" kern="1200"/>
+            <a:rPr lang="de-DE" sz="2400" kern="1200"/>
             <a:t>Session: (jetzige) Laufzeit der Programme</a:t>
           </a:r>
-          <a:endParaRPr lang="en-US" sz="1700" kern="1200"/>
+          <a:endParaRPr lang="en-US" sz="2400" kern="1200"/>
         </a:p>
       </dsp:txBody>
       <dsp:txXfrm>
-        <a:off x="43" y="700256"/>
-        <a:ext cx="4199680" cy="2743027"/>
+        <a:off x="43" y="756150"/>
+        <a:ext cx="4199680" cy="2832840"/>
       </dsp:txXfrm>
     </dsp:sp>
     <dsp:sp modelId="{FE57C375-29D6-4EE5-A4FE-D528175D401A}">
@@ -6393,8 +3758,8 @@
       </dsp:nvSpPr>
       <dsp:spPr>
         <a:xfrm>
-          <a:off x="4787679" y="210656"/>
-          <a:ext cx="4199680" cy="489600"/>
+          <a:off x="4787679" y="64950"/>
+          <a:ext cx="4199680" cy="691200"/>
         </a:xfrm>
         <a:prstGeom prst="rect">
           <a:avLst/>
@@ -6435,12 +3800,12 @@
         </a:fontRef>
       </dsp:style>
       <dsp:txBody>
-        <a:bodyPr spcFirstLastPara="0" vert="horz" wrap="square" lIns="120904" tIns="69088" rIns="120904" bIns="69088" numCol="1" spcCol="1270" anchor="ctr" anchorCtr="0">
+        <a:bodyPr spcFirstLastPara="0" vert="horz" wrap="square" lIns="170688" tIns="97536" rIns="170688" bIns="97536" numCol="1" spcCol="1270" anchor="ctr" anchorCtr="0">
           <a:noAutofit/>
         </a:bodyPr>
         <a:lstStyle/>
         <a:p>
-          <a:pPr marL="0" lvl="0" indent="0" algn="ctr" defTabSz="755650">
+          <a:pPr marL="0" lvl="0" indent="0" algn="ctr" defTabSz="1066800">
             <a:lnSpc>
               <a:spcPct val="90000"/>
             </a:lnSpc>
@@ -6453,15 +3818,15 @@
             <a:buNone/>
           </a:pPr>
           <a:r>
-            <a:rPr lang="de-DE" sz="1700" kern="1200"/>
+            <a:rPr lang="de-DE" sz="2400" kern="1200"/>
             <a:t>REST-API</a:t>
           </a:r>
-          <a:endParaRPr lang="en-US" sz="1700" kern="1200"/>
+          <a:endParaRPr lang="en-US" sz="2400" kern="1200"/>
         </a:p>
       </dsp:txBody>
       <dsp:txXfrm>
-        <a:off x="4787679" y="210656"/>
-        <a:ext cx="4199680" cy="489600"/>
+        <a:off x="4787679" y="64950"/>
+        <a:ext cx="4199680" cy="691200"/>
       </dsp:txXfrm>
     </dsp:sp>
     <dsp:sp modelId="{2C15B3A1-BD9D-4A70-8A90-03C306F3001E}">
@@ -6471,8 +3836,8 @@
       </dsp:nvSpPr>
       <dsp:spPr>
         <a:xfrm>
-          <a:off x="4787679" y="700256"/>
-          <a:ext cx="4199680" cy="2743027"/>
+          <a:off x="4787679" y="756150"/>
+          <a:ext cx="4199680" cy="2832840"/>
         </a:xfrm>
         <a:prstGeom prst="rect">
           <a:avLst/>
@@ -6515,12 +3880,12 @@
         <a:fontRef idx="minor"/>
       </dsp:style>
       <dsp:txBody>
-        <a:bodyPr spcFirstLastPara="0" vert="horz" wrap="square" lIns="90678" tIns="90678" rIns="120904" bIns="136017" numCol="1" spcCol="1270" anchor="t" anchorCtr="0">
+        <a:bodyPr spcFirstLastPara="0" vert="horz" wrap="square" lIns="128016" tIns="128016" rIns="170688" bIns="192024" numCol="1" spcCol="1270" anchor="t" anchorCtr="0">
           <a:noAutofit/>
         </a:bodyPr>
         <a:lstStyle/>
         <a:p>
-          <a:pPr marL="171450" lvl="1" indent="-171450" algn="l" defTabSz="755650">
+          <a:pPr marL="228600" lvl="1" indent="-228600" algn="l" defTabSz="1066800">
             <a:lnSpc>
               <a:spcPct val="90000"/>
             </a:lnSpc>
@@ -6533,44 +3898,13 @@
             <a:buChar char="•"/>
           </a:pPr>
           <a:r>
-            <a:rPr lang="de-DE" sz="1700" kern="1200" dirty="0"/>
-            <a:t>GET: /</a:t>
+            <a:rPr lang="de-DE" sz="2400" kern="1200" dirty="0"/>
+            <a:t>Alle aktiven Programme holen</a:t>
           </a:r>
-          <a:r>
-            <a:rPr lang="de-DE" sz="1700" kern="1200" dirty="0" err="1"/>
-            <a:t>api</a:t>
-          </a:r>
-          <a:r>
-            <a:rPr lang="de-DE" sz="1700" kern="1200" dirty="0"/>
-            <a:t>/</a:t>
-          </a:r>
-          <a:r>
-            <a:rPr lang="de-DE" sz="1700" kern="1200" dirty="0" err="1"/>
-            <a:t>logentries</a:t>
-          </a:r>
-          <a:r>
-            <a:rPr lang="de-DE" sz="1700" kern="1200" dirty="0"/>
-            <a:t>/</a:t>
-          </a:r>
-          <a:r>
-            <a:rPr lang="de-DE" sz="1700" kern="1200" dirty="0" err="1"/>
-            <a:t>active</a:t>
-          </a:r>
-          <a:r>
-            <a:rPr lang="de-DE" sz="1700" kern="1200" dirty="0"/>
-            <a:t> 	</a:t>
-          </a:r>
-          <a:br>
-            <a:rPr lang="de-DE" sz="1700" kern="1200" dirty="0"/>
-          </a:br>
-          <a:r>
-            <a:rPr lang="de-DE" sz="1700" kern="1200" dirty="0"/>
-            <a:t>	– holt alle aktiv rennenden 	Programme</a:t>
-          </a:r>
-          <a:endParaRPr lang="en-US" sz="1700" kern="1200" dirty="0"/>
+          <a:endParaRPr lang="en-US" sz="2400" kern="1200" dirty="0"/>
         </a:p>
         <a:p>
-          <a:pPr marL="171450" lvl="1" indent="-171450" algn="l" defTabSz="755650">
+          <a:pPr marL="228600" lvl="1" indent="-228600" algn="l" defTabSz="1066800">
             <a:lnSpc>
               <a:spcPct val="90000"/>
             </a:lnSpc>
@@ -6583,36 +3917,13 @@
             <a:buChar char="•"/>
           </a:pPr>
           <a:r>
-            <a:rPr lang="de-DE" sz="1700" kern="1200" dirty="0"/>
-            <a:t>GET: /</a:t>
+            <a:rPr lang="de-DE" sz="2400" kern="1200" dirty="0"/>
+            <a:t>Alle Programme holen</a:t>
           </a:r>
-          <a:r>
-            <a:rPr lang="de-DE" sz="1700" kern="1200" dirty="0" err="1"/>
-            <a:t>api</a:t>
-          </a:r>
-          <a:r>
-            <a:rPr lang="de-DE" sz="1700" kern="1200" dirty="0"/>
-            <a:t>/</a:t>
-          </a:r>
-          <a:r>
-            <a:rPr lang="de-DE" sz="1700" kern="1200" dirty="0" err="1"/>
-            <a:t>logentries</a:t>
-          </a:r>
-          <a:r>
-            <a:rPr lang="de-DE" sz="1700" kern="1200" dirty="0"/>
-            <a:t>/all		 </a:t>
-          </a:r>
-          <a:br>
-            <a:rPr lang="de-DE" sz="1700" kern="1200" dirty="0"/>
-          </a:br>
-          <a:r>
-            <a:rPr lang="de-DE" sz="1700" kern="1200" dirty="0"/>
-            <a:t>	– holt alle Programme</a:t>
-          </a:r>
-          <a:endParaRPr lang="en-US" sz="1700" kern="1200" dirty="0"/>
+          <a:endParaRPr lang="en-US" sz="2400" kern="1200" dirty="0"/>
         </a:p>
         <a:p>
-          <a:pPr marL="171450" lvl="1" indent="-171450" algn="l" defTabSz="755650">
+          <a:pPr marL="228600" lvl="1" indent="-228600" algn="l" defTabSz="1066800">
             <a:lnSpc>
               <a:spcPct val="90000"/>
             </a:lnSpc>
@@ -6625,37 +3936,13 @@
             <a:buChar char="•"/>
           </a:pPr>
           <a:r>
-            <a:rPr lang="de-DE" sz="1700" kern="1200" dirty="0"/>
-            <a:t>POST: /</a:t>
+            <a:rPr lang="de-DE" sz="2400" kern="1200" dirty="0"/>
+            <a:t>Ein neues Programm anlegen</a:t>
           </a:r>
-          <a:r>
-            <a:rPr lang="de-DE" sz="1700" kern="1200" dirty="0" err="1"/>
-            <a:t>api</a:t>
-          </a:r>
-          <a:r>
-            <a:rPr lang="de-DE" sz="1700" kern="1200" dirty="0"/>
-            <a:t>/</a:t>
-          </a:r>
-          <a:r>
-            <a:rPr lang="de-DE" sz="1700" kern="1200" dirty="0" err="1"/>
-            <a:t>logentries</a:t>
-          </a:r>
-          <a:r>
-            <a:rPr lang="de-DE" sz="1700" kern="1200" dirty="0"/>
-            <a:t> 			– neuer </a:t>
-          </a:r>
-          <a:r>
-            <a:rPr lang="de-DE" sz="1700" kern="1200" dirty="0" err="1"/>
-            <a:t>LogEntry</a:t>
-          </a:r>
-          <a:r>
-            <a:rPr lang="de-DE" sz="1700" kern="1200" dirty="0"/>
-            <a:t> anlegen</a:t>
-          </a:r>
-          <a:endParaRPr lang="en-US" sz="1700" kern="1200" dirty="0"/>
+          <a:endParaRPr lang="en-US" sz="2400" kern="1200" dirty="0"/>
         </a:p>
         <a:p>
-          <a:pPr marL="171450" lvl="1" indent="-171450" algn="l" defTabSz="755650">
+          <a:pPr marL="228600" lvl="1" indent="-228600" algn="l" defTabSz="1066800">
             <a:lnSpc>
               <a:spcPct val="90000"/>
             </a:lnSpc>
@@ -6668,54 +3955,15 @@
             <a:buChar char="•"/>
           </a:pPr>
           <a:r>
-            <a:rPr lang="de-DE" sz="1700" kern="1200" dirty="0"/>
-            <a:t>POST: /</a:t>
+            <a:rPr lang="de-DE" sz="2400" kern="1200" dirty="0"/>
+            <a:t>Eine Neue Session anlegen</a:t>
           </a:r>
-          <a:r>
-            <a:rPr lang="de-DE" sz="1700" kern="1200" dirty="0" err="1"/>
-            <a:t>api</a:t>
-          </a:r>
-          <a:r>
-            <a:rPr lang="de-DE" sz="1700" kern="1200" dirty="0"/>
-            <a:t>/</a:t>
-          </a:r>
-          <a:r>
-            <a:rPr lang="de-DE" sz="1700" kern="1200" dirty="0" err="1"/>
-            <a:t>logentries</a:t>
-          </a:r>
-          <a:r>
-            <a:rPr lang="de-DE" sz="1700" kern="1200" dirty="0"/>
-            <a:t>/{</a:t>
-          </a:r>
-          <a:r>
-            <a:rPr lang="de-DE" sz="1700" kern="1200" dirty="0" err="1"/>
-            <a:t>logId</a:t>
-          </a:r>
-          <a:r>
-            <a:rPr lang="de-DE" sz="1700" kern="1200" dirty="0"/>
-            <a:t>}/</a:t>
-          </a:r>
-          <a:r>
-            <a:rPr lang="de-DE" sz="1700" kern="1200" dirty="0" err="1"/>
-            <a:t>sessions</a:t>
-          </a:r>
-          <a:r>
-            <a:rPr lang="de-DE" sz="1700" kern="1200" dirty="0"/>
-            <a:t> 	</a:t>
-          </a:r>
-          <a:br>
-            <a:rPr lang="de-DE" sz="1700" kern="1200" dirty="0"/>
-          </a:br>
-          <a:r>
-            <a:rPr lang="de-DE" sz="1700" kern="1200" dirty="0"/>
-            <a:t>	– neue Session anlegen</a:t>
-          </a:r>
-          <a:endParaRPr lang="en-US" sz="1700" kern="1200" dirty="0"/>
+          <a:endParaRPr lang="en-US" sz="2400" kern="1200" dirty="0"/>
         </a:p>
       </dsp:txBody>
       <dsp:txXfrm>
-        <a:off x="4787679" y="700256"/>
-        <a:ext cx="4199680" cy="2743027"/>
+        <a:off x="4787679" y="756150"/>
+        <a:ext cx="4199680" cy="2832840"/>
       </dsp:txXfrm>
     </dsp:sp>
   </dsp:spTree>
@@ -6870,736 +4118,6 @@
 </file>
 
 <file path=ppt/diagrams/layout2.xml><?xml version="1.0" encoding="utf-8"?>
-<dgm:layoutDef xmlns:dgm="http://schemas.openxmlformats.org/drawingml/2006/diagram" xmlns:a="http://schemas.openxmlformats.org/drawingml/2006/main" uniqueId="urn:microsoft.com/office/officeart/2005/8/layout/vList2">
-  <dgm:title val=""/>
-  <dgm:desc val=""/>
-  <dgm:catLst>
-    <dgm:cat type="list" pri="3000"/>
-    <dgm:cat type="convert" pri="1000"/>
-  </dgm:catLst>
-  <dgm:sampData>
-    <dgm:dataModel>
-      <dgm:ptLst>
-        <dgm:pt modelId="0" type="doc"/>
-        <dgm:pt modelId="1">
-          <dgm:prSet phldr="1"/>
-        </dgm:pt>
-        <dgm:pt modelId="11">
-          <dgm:prSet phldr="1"/>
-        </dgm:pt>
-        <dgm:pt modelId="2">
-          <dgm:prSet phldr="1"/>
-        </dgm:pt>
-        <dgm:pt modelId="21">
-          <dgm:prSet phldr="1"/>
-        </dgm:pt>
-      </dgm:ptLst>
-      <dgm:cxnLst>
-        <dgm:cxn modelId="4" srcId="0" destId="1" srcOrd="0" destOrd="0"/>
-        <dgm:cxn modelId="5" srcId="0" destId="2" srcOrd="1" destOrd="0"/>
-        <dgm:cxn modelId="12" srcId="1" destId="11" srcOrd="0" destOrd="0"/>
-        <dgm:cxn modelId="23" srcId="2" destId="21" srcOrd="0" destOrd="0"/>
-      </dgm:cxnLst>
-      <dgm:bg/>
-      <dgm:whole/>
-    </dgm:dataModel>
-  </dgm:sampData>
-  <dgm:styleData>
-    <dgm:dataModel>
-      <dgm:ptLst>
-        <dgm:pt modelId="0" type="doc"/>
-        <dgm:pt modelId="1"/>
-        <dgm:pt modelId="2"/>
-      </dgm:ptLst>
-      <dgm:cxnLst>
-        <dgm:cxn modelId="3" srcId="0" destId="1" srcOrd="0" destOrd="0"/>
-        <dgm:cxn modelId="4" srcId="0" destId="2" srcOrd="1" destOrd="0"/>
-      </dgm:cxnLst>
-      <dgm:bg/>
-      <dgm:whole/>
-    </dgm:dataModel>
-  </dgm:styleData>
-  <dgm:clrData>
-    <dgm:dataModel>
-      <dgm:ptLst>
-        <dgm:pt modelId="0" type="doc"/>
-        <dgm:pt modelId="1"/>
-        <dgm:pt modelId="2"/>
-        <dgm:pt modelId="3"/>
-        <dgm:pt modelId="4"/>
-      </dgm:ptLst>
-      <dgm:cxnLst>
-        <dgm:cxn modelId="5" srcId="0" destId="1" srcOrd="0" destOrd="0"/>
-        <dgm:cxn modelId="6" srcId="0" destId="2" srcOrd="1" destOrd="0"/>
-        <dgm:cxn modelId="7" srcId="0" destId="3" srcOrd="2" destOrd="0"/>
-        <dgm:cxn modelId="8" srcId="0" destId="4" srcOrd="3" destOrd="0"/>
-      </dgm:cxnLst>
-      <dgm:bg/>
-      <dgm:whole/>
-    </dgm:dataModel>
-  </dgm:clrData>
-  <dgm:layoutNode name="linear">
-    <dgm:varLst>
-      <dgm:animLvl val="lvl"/>
-      <dgm:resizeHandles val="exact"/>
-    </dgm:varLst>
-    <dgm:alg type="lin">
-      <dgm:param type="linDir" val="fromT"/>
-      <dgm:param type="vertAlign" val="mid"/>
-    </dgm:alg>
-    <dgm:shape xmlns:r="http://schemas.openxmlformats.org/officeDocument/2006/relationships" r:blip="">
-      <dgm:adjLst/>
-    </dgm:shape>
-    <dgm:presOf/>
-    <dgm:constrLst>
-      <dgm:constr type="w" for="ch" forName="parentText" refType="w"/>
-      <dgm:constr type="h" for="ch" forName="parentText" refType="primFontSz" refFor="ch" refForName="parentText" fact="0.52"/>
-      <dgm:constr type="w" for="ch" forName="childText" refType="w"/>
-      <dgm:constr type="h" for="ch" forName="childText" refType="primFontSz" refFor="ch" refForName="parentText" fact="0.46"/>
-      <dgm:constr type="h" for="ch" forName="parentText" op="equ"/>
-      <dgm:constr type="primFontSz" for="ch" forName="parentText" op="equ" val="65"/>
-      <dgm:constr type="primFontSz" for="ch" forName="childText" refType="primFontSz" refFor="ch" refForName="parentText" op="equ"/>
-      <dgm:constr type="h" for="ch" forName="spacer" refType="primFontSz" refFor="ch" refForName="parentText" fact="0.08"/>
-    </dgm:constrLst>
-    <dgm:ruleLst>
-      <dgm:rule type="primFontSz" for="ch" forName="parentText" val="5" fact="NaN" max="NaN"/>
-    </dgm:ruleLst>
-    <dgm:forEach name="Name0" axis="ch" ptType="node">
-      <dgm:layoutNode name="parentText" styleLbl="node1">
-        <dgm:varLst>
-          <dgm:chMax val="0"/>
-          <dgm:bulletEnabled val="1"/>
-        </dgm:varLst>
-        <dgm:alg type="tx">
-          <dgm:param type="parTxLTRAlign" val="l"/>
-          <dgm:param type="parTxRTLAlign" val="r"/>
-        </dgm:alg>
-        <dgm:shape xmlns:r="http://schemas.openxmlformats.org/officeDocument/2006/relationships" type="roundRect" r:blip="">
-          <dgm:adjLst/>
-        </dgm:shape>
-        <dgm:presOf axis="self"/>
-        <dgm:constrLst>
-          <dgm:constr type="tMarg" refType="primFontSz" fact="0.3"/>
-          <dgm:constr type="bMarg" refType="primFontSz" fact="0.3"/>
-          <dgm:constr type="lMarg" refType="primFontSz" fact="0.3"/>
-          <dgm:constr type="rMarg" refType="primFontSz" fact="0.3"/>
-        </dgm:constrLst>
-        <dgm:ruleLst>
-          <dgm:rule type="h" val="INF" fact="NaN" max="NaN"/>
-        </dgm:ruleLst>
-      </dgm:layoutNode>
-      <dgm:choose name="Name1">
-        <dgm:if name="Name2" axis="ch" ptType="node" func="cnt" op="gte" val="1">
-          <dgm:layoutNode name="childText" styleLbl="revTx">
-            <dgm:varLst>
-              <dgm:bulletEnabled val="1"/>
-            </dgm:varLst>
-            <dgm:alg type="tx">
-              <dgm:param type="stBulletLvl" val="1"/>
-              <dgm:param type="lnSpAfChP" val="20"/>
-            </dgm:alg>
-            <dgm:shape xmlns:r="http://schemas.openxmlformats.org/officeDocument/2006/relationships" type="rect" r:blip="">
-              <dgm:adjLst/>
-            </dgm:shape>
-            <dgm:presOf axis="des" ptType="node"/>
-            <dgm:constrLst>
-              <dgm:constr type="tMarg" refType="primFontSz" fact="0.1"/>
-              <dgm:constr type="bMarg" refType="primFontSz" fact="0.1"/>
-              <dgm:constr type="lMarg" refType="w" fact="0.09"/>
-            </dgm:constrLst>
-            <dgm:ruleLst>
-              <dgm:rule type="h" val="INF" fact="NaN" max="NaN"/>
-            </dgm:ruleLst>
-          </dgm:layoutNode>
-        </dgm:if>
-        <dgm:else name="Name3">
-          <dgm:choose name="Name4">
-            <dgm:if name="Name5" axis="par ch" ptType="doc node" func="cnt" op="gte" val="2">
-              <dgm:forEach name="Name6" axis="followSib" ptType="sibTrans" cnt="1">
-                <dgm:layoutNode name="spacer">
-                  <dgm:alg type="sp"/>
-                  <dgm:shape xmlns:r="http://schemas.openxmlformats.org/officeDocument/2006/relationships" r:blip="">
-                    <dgm:adjLst/>
-                  </dgm:shape>
-                  <dgm:presOf/>
-                  <dgm:constrLst/>
-                  <dgm:ruleLst/>
-                </dgm:layoutNode>
-              </dgm:forEach>
-            </dgm:if>
-            <dgm:else name="Name7"/>
-          </dgm:choose>
-        </dgm:else>
-      </dgm:choose>
-    </dgm:forEach>
-  </dgm:layoutNode>
-</dgm:layoutDef>
-</file>
-
-<file path=ppt/diagrams/layout3.xml><?xml version="1.0" encoding="utf-8"?>
-<dgm:layoutDef xmlns:dgm="http://schemas.openxmlformats.org/drawingml/2006/diagram" xmlns:a="http://schemas.openxmlformats.org/drawingml/2006/main" uniqueId="urn:microsoft.com/office/officeart/2005/8/layout/hierarchy1">
-  <dgm:title val=""/>
-  <dgm:desc val=""/>
-  <dgm:catLst>
-    <dgm:cat type="hierarchy" pri="2000"/>
-  </dgm:catLst>
-  <dgm:sampData>
-    <dgm:dataModel>
-      <dgm:ptLst>
-        <dgm:pt modelId="0" type="doc"/>
-        <dgm:pt modelId="1">
-          <dgm:prSet phldr="1"/>
-        </dgm:pt>
-        <dgm:pt modelId="2">
-          <dgm:prSet phldr="1"/>
-        </dgm:pt>
-        <dgm:pt modelId="21">
-          <dgm:prSet phldr="1"/>
-        </dgm:pt>
-        <dgm:pt modelId="22">
-          <dgm:prSet phldr="1"/>
-        </dgm:pt>
-        <dgm:pt modelId="3">
-          <dgm:prSet phldr="1"/>
-        </dgm:pt>
-        <dgm:pt modelId="31">
-          <dgm:prSet phldr="1"/>
-        </dgm:pt>
-      </dgm:ptLst>
-      <dgm:cxnLst>
-        <dgm:cxn modelId="4" srcId="0" destId="1" srcOrd="0" destOrd="0"/>
-        <dgm:cxn modelId="5" srcId="1" destId="2" srcOrd="0" destOrd="0"/>
-        <dgm:cxn modelId="6" srcId="1" destId="3" srcOrd="1" destOrd="0"/>
-        <dgm:cxn modelId="23" srcId="2" destId="21" srcOrd="0" destOrd="0"/>
-        <dgm:cxn modelId="24" srcId="2" destId="22" srcOrd="1" destOrd="0"/>
-        <dgm:cxn modelId="33" srcId="3" destId="31" srcOrd="0" destOrd="0"/>
-      </dgm:cxnLst>
-      <dgm:bg/>
-      <dgm:whole/>
-    </dgm:dataModel>
-  </dgm:sampData>
-  <dgm:styleData>
-    <dgm:dataModel>
-      <dgm:ptLst>
-        <dgm:pt modelId="0" type="doc"/>
-        <dgm:pt modelId="1"/>
-        <dgm:pt modelId="11"/>
-        <dgm:pt modelId="12"/>
-      </dgm:ptLst>
-      <dgm:cxnLst>
-        <dgm:cxn modelId="2" srcId="0" destId="1" srcOrd="0" destOrd="0"/>
-        <dgm:cxn modelId="13" srcId="1" destId="11" srcOrd="0" destOrd="0"/>
-        <dgm:cxn modelId="14" srcId="1" destId="12" srcOrd="1" destOrd="0"/>
-      </dgm:cxnLst>
-      <dgm:bg/>
-      <dgm:whole/>
-    </dgm:dataModel>
-  </dgm:styleData>
-  <dgm:clrData>
-    <dgm:dataModel>
-      <dgm:ptLst>
-        <dgm:pt modelId="0" type="doc"/>
-        <dgm:pt modelId="1"/>
-        <dgm:pt modelId="2"/>
-        <dgm:pt modelId="21"/>
-        <dgm:pt modelId="211"/>
-        <dgm:pt modelId="3"/>
-        <dgm:pt modelId="31"/>
-        <dgm:pt modelId="311"/>
-      </dgm:ptLst>
-      <dgm:cxnLst>
-        <dgm:cxn modelId="4" srcId="0" destId="1" srcOrd="0" destOrd="0"/>
-        <dgm:cxn modelId="5" srcId="1" destId="2" srcOrd="0" destOrd="0"/>
-        <dgm:cxn modelId="6" srcId="1" destId="3" srcOrd="1" destOrd="0"/>
-        <dgm:cxn modelId="23" srcId="2" destId="21" srcOrd="0" destOrd="0"/>
-        <dgm:cxn modelId="24" srcId="21" destId="211" srcOrd="0" destOrd="0"/>
-        <dgm:cxn modelId="33" srcId="3" destId="31" srcOrd="0" destOrd="0"/>
-        <dgm:cxn modelId="34" srcId="31" destId="311" srcOrd="0" destOrd="0"/>
-      </dgm:cxnLst>
-      <dgm:bg/>
-      <dgm:whole/>
-    </dgm:dataModel>
-  </dgm:clrData>
-  <dgm:layoutNode name="hierChild1">
-    <dgm:varLst>
-      <dgm:chPref val="1"/>
-      <dgm:dir/>
-      <dgm:animOne val="branch"/>
-      <dgm:animLvl val="lvl"/>
-      <dgm:resizeHandles/>
-    </dgm:varLst>
-    <dgm:choose name="Name0">
-      <dgm:if name="Name1" func="var" arg="dir" op="equ" val="norm">
-        <dgm:alg type="hierChild">
-          <dgm:param type="linDir" val="fromL"/>
-        </dgm:alg>
-      </dgm:if>
-      <dgm:else name="Name2">
-        <dgm:alg type="hierChild">
-          <dgm:param type="linDir" val="fromR"/>
-        </dgm:alg>
-      </dgm:else>
-    </dgm:choose>
-    <dgm:shape xmlns:r="http://schemas.openxmlformats.org/officeDocument/2006/relationships" r:blip="">
-      <dgm:adjLst/>
-    </dgm:shape>
-    <dgm:presOf/>
-    <dgm:constrLst>
-      <dgm:constr type="primFontSz" for="des" ptType="node" op="equ" val="65"/>
-      <dgm:constr type="w" for="des" forName="composite" refType="w"/>
-      <dgm:constr type="h" for="des" forName="composite" refType="w" refFor="des" refForName="composite" fact="0.667"/>
-      <dgm:constr type="w" for="des" forName="composite2" refType="w" refFor="des" refForName="composite"/>
-      <dgm:constr type="h" for="des" forName="composite2" refType="h" refFor="des" refForName="composite"/>
-      <dgm:constr type="w" for="des" forName="composite3" refType="w" refFor="des" refForName="composite"/>
-      <dgm:constr type="h" for="des" forName="composite3" refType="h" refFor="des" refForName="composite"/>
-      <dgm:constr type="w" for="des" forName="composite4" refType="w" refFor="des" refForName="composite"/>
-      <dgm:constr type="h" for="des" forName="composite4" refType="h" refFor="des" refForName="composite"/>
-      <dgm:constr type="w" for="des" forName="composite5" refType="w" refFor="des" refForName="composite"/>
-      <dgm:constr type="h" for="des" forName="composite5" refType="h" refFor="des" refForName="composite"/>
-      <dgm:constr type="sibSp" refType="w" refFor="des" refForName="composite" fact="0.1"/>
-      <dgm:constr type="sibSp" for="des" forName="hierChild2" refType="sibSp"/>
-      <dgm:constr type="sibSp" for="des" forName="hierChild3" refType="sibSp"/>
-      <dgm:constr type="sibSp" for="des" forName="hierChild4" refType="sibSp"/>
-      <dgm:constr type="sibSp" for="des" forName="hierChild5" refType="sibSp"/>
-      <dgm:constr type="sibSp" for="des" forName="hierChild6" refType="sibSp"/>
-      <dgm:constr type="sp" for="des" forName="hierRoot1" refType="h" refFor="des" refForName="composite" fact="0.25"/>
-      <dgm:constr type="sp" for="des" forName="hierRoot2" refType="sp" refFor="des" refForName="hierRoot1"/>
-      <dgm:constr type="sp" for="des" forName="hierRoot3" refType="sp" refFor="des" refForName="hierRoot1"/>
-      <dgm:constr type="sp" for="des" forName="hierRoot4" refType="sp" refFor="des" refForName="hierRoot1"/>
-      <dgm:constr type="sp" for="des" forName="hierRoot5" refType="sp" refFor="des" refForName="hierRoot1"/>
-    </dgm:constrLst>
-    <dgm:ruleLst/>
-    <dgm:forEach name="Name3" axis="ch">
-      <dgm:forEach name="Name4" axis="self" ptType="node">
-        <dgm:layoutNode name="hierRoot1">
-          <dgm:alg type="hierRoot"/>
-          <dgm:shape xmlns:r="http://schemas.openxmlformats.org/officeDocument/2006/relationships" r:blip="">
-            <dgm:adjLst/>
-          </dgm:shape>
-          <dgm:presOf/>
-          <dgm:constrLst>
-            <dgm:constr type="bendDist" for="des" ptType="parTrans" refType="sp" fact="0.5"/>
-          </dgm:constrLst>
-          <dgm:ruleLst/>
-          <dgm:layoutNode name="composite">
-            <dgm:alg type="composite"/>
-            <dgm:shape xmlns:r="http://schemas.openxmlformats.org/officeDocument/2006/relationships" r:blip="">
-              <dgm:adjLst/>
-            </dgm:shape>
-            <dgm:presOf/>
-            <dgm:constrLst>
-              <dgm:constr type="w" for="ch" forName="background" refType="w" fact="0.9"/>
-              <dgm:constr type="h" for="ch" forName="background" refType="w" refFor="ch" refForName="background" fact="0.635"/>
-              <dgm:constr type="t" for="ch" forName="background"/>
-              <dgm:constr type="l" for="ch" forName="background"/>
-              <dgm:constr type="w" for="ch" forName="text" refType="w" fact="0.9"/>
-              <dgm:constr type="h" for="ch" forName="text" refType="w" refFor="ch" refForName="text" fact="0.635"/>
-              <dgm:constr type="t" for="ch" forName="text" refType="w" fact="0.095"/>
-              <dgm:constr type="l" for="ch" forName="text" refType="w" fact="0.1"/>
-            </dgm:constrLst>
-            <dgm:ruleLst/>
-            <dgm:layoutNode name="background" styleLbl="node0" moveWith="text">
-              <dgm:alg type="sp"/>
-              <dgm:shape xmlns:r="http://schemas.openxmlformats.org/officeDocument/2006/relationships" type="roundRect" r:blip="">
-                <dgm:adjLst>
-                  <dgm:adj idx="1" val="0.1"/>
-                </dgm:adjLst>
-              </dgm:shape>
-              <dgm:presOf/>
-              <dgm:constrLst/>
-              <dgm:ruleLst/>
-            </dgm:layoutNode>
-            <dgm:layoutNode name="text" styleLbl="fgAcc0">
-              <dgm:varLst>
-                <dgm:chPref val="3"/>
-              </dgm:varLst>
-              <dgm:alg type="tx"/>
-              <dgm:shape xmlns:r="http://schemas.openxmlformats.org/officeDocument/2006/relationships" type="roundRect" r:blip="">
-                <dgm:adjLst>
-                  <dgm:adj idx="1" val="0.1"/>
-                </dgm:adjLst>
-              </dgm:shape>
-              <dgm:presOf axis="self"/>
-              <dgm:constrLst>
-                <dgm:constr type="tMarg" refType="primFontSz" fact="0.3"/>
-                <dgm:constr type="bMarg" refType="primFontSz" fact="0.3"/>
-                <dgm:constr type="lMarg" refType="primFontSz" fact="0.3"/>
-                <dgm:constr type="rMarg" refType="primFontSz" fact="0.3"/>
-              </dgm:constrLst>
-              <dgm:ruleLst>
-                <dgm:rule type="primFontSz" val="5" fact="NaN" max="NaN"/>
-              </dgm:ruleLst>
-            </dgm:layoutNode>
-          </dgm:layoutNode>
-          <dgm:layoutNode name="hierChild2">
-            <dgm:choose name="Name5">
-              <dgm:if name="Name6" func="var" arg="dir" op="equ" val="norm">
-                <dgm:alg type="hierChild">
-                  <dgm:param type="linDir" val="fromL"/>
-                </dgm:alg>
-              </dgm:if>
-              <dgm:else name="Name7">
-                <dgm:alg type="hierChild">
-                  <dgm:param type="linDir" val="fromR"/>
-                </dgm:alg>
-              </dgm:else>
-            </dgm:choose>
-            <dgm:shape xmlns:r="http://schemas.openxmlformats.org/officeDocument/2006/relationships" r:blip="">
-              <dgm:adjLst/>
-            </dgm:shape>
-            <dgm:presOf/>
-            <dgm:constrLst/>
-            <dgm:ruleLst/>
-            <dgm:forEach name="Name8" axis="ch">
-              <dgm:forEach name="Name9" axis="self" ptType="parTrans" cnt="1">
-                <dgm:layoutNode name="Name10">
-                  <dgm:alg type="conn">
-                    <dgm:param type="dim" val="1D"/>
-                    <dgm:param type="endSty" val="noArr"/>
-                    <dgm:param type="connRout" val="bend"/>
-                    <dgm:param type="bendPt" val="end"/>
-                    <dgm:param type="begPts" val="bCtr"/>
-                    <dgm:param type="endPts" val="tCtr"/>
-                    <dgm:param type="srcNode" val="background"/>
-                    <dgm:param type="dstNode" val="background2"/>
-                  </dgm:alg>
-                  <dgm:shape xmlns:r="http://schemas.openxmlformats.org/officeDocument/2006/relationships" type="conn" r:blip="" zOrderOff="-999">
-                    <dgm:adjLst/>
-                  </dgm:shape>
-                  <dgm:presOf axis="self"/>
-                  <dgm:constrLst>
-                    <dgm:constr type="begPad"/>
-                    <dgm:constr type="endPad"/>
-                  </dgm:constrLst>
-                  <dgm:ruleLst/>
-                </dgm:layoutNode>
-              </dgm:forEach>
-              <dgm:forEach name="Name11" axis="self" ptType="node">
-                <dgm:layoutNode name="hierRoot2">
-                  <dgm:alg type="hierRoot"/>
-                  <dgm:shape xmlns:r="http://schemas.openxmlformats.org/officeDocument/2006/relationships" r:blip="">
-                    <dgm:adjLst/>
-                  </dgm:shape>
-                  <dgm:presOf/>
-                  <dgm:constrLst>
-                    <dgm:constr type="bendDist" for="des" ptType="parTrans" refType="sp" fact="0.5"/>
-                  </dgm:constrLst>
-                  <dgm:ruleLst/>
-                  <dgm:layoutNode name="composite2">
-                    <dgm:alg type="composite"/>
-                    <dgm:shape xmlns:r="http://schemas.openxmlformats.org/officeDocument/2006/relationships" r:blip="">
-                      <dgm:adjLst/>
-                    </dgm:shape>
-                    <dgm:presOf/>
-                    <dgm:constrLst>
-                      <dgm:constr type="w" for="ch" forName="background2" refType="w" fact="0.9"/>
-                      <dgm:constr type="h" for="ch" forName="background2" refType="w" refFor="ch" refForName="background2" fact="0.635"/>
-                      <dgm:constr type="t" for="ch" forName="background2"/>
-                      <dgm:constr type="l" for="ch" forName="background2"/>
-                      <dgm:constr type="w" for="ch" forName="text2" refType="w" fact="0.9"/>
-                      <dgm:constr type="h" for="ch" forName="text2" refType="w" refFor="ch" refForName="text2" fact="0.635"/>
-                      <dgm:constr type="t" for="ch" forName="text2" refType="w" fact="0.095"/>
-                      <dgm:constr type="l" for="ch" forName="text2" refType="w" fact="0.1"/>
-                    </dgm:constrLst>
-                    <dgm:ruleLst/>
-                    <dgm:layoutNode name="background2" moveWith="text2">
-                      <dgm:alg type="sp"/>
-                      <dgm:shape xmlns:r="http://schemas.openxmlformats.org/officeDocument/2006/relationships" type="roundRect" r:blip="">
-                        <dgm:adjLst>
-                          <dgm:adj idx="1" val="0.1"/>
-                        </dgm:adjLst>
-                      </dgm:shape>
-                      <dgm:presOf/>
-                      <dgm:constrLst/>
-                      <dgm:ruleLst/>
-                    </dgm:layoutNode>
-                    <dgm:layoutNode name="text2" styleLbl="fgAcc2">
-                      <dgm:varLst>
-                        <dgm:chPref val="3"/>
-                      </dgm:varLst>
-                      <dgm:alg type="tx"/>
-                      <dgm:shape xmlns:r="http://schemas.openxmlformats.org/officeDocument/2006/relationships" type="roundRect" r:blip="">
-                        <dgm:adjLst>
-                          <dgm:adj idx="1" val="0.1"/>
-                        </dgm:adjLst>
-                      </dgm:shape>
-                      <dgm:presOf axis="self"/>
-                      <dgm:constrLst>
-                        <dgm:constr type="tMarg" refType="primFontSz" fact="0.3"/>
-                        <dgm:constr type="bMarg" refType="primFontSz" fact="0.3"/>
-                        <dgm:constr type="lMarg" refType="primFontSz" fact="0.3"/>
-                        <dgm:constr type="rMarg" refType="primFontSz" fact="0.3"/>
-                      </dgm:constrLst>
-                      <dgm:ruleLst>
-                        <dgm:rule type="primFontSz" val="5" fact="NaN" max="NaN"/>
-                      </dgm:ruleLst>
-                    </dgm:layoutNode>
-                  </dgm:layoutNode>
-                  <dgm:layoutNode name="hierChild3">
-                    <dgm:choose name="Name12">
-                      <dgm:if name="Name13" func="var" arg="dir" op="equ" val="norm">
-                        <dgm:alg type="hierChild">
-                          <dgm:param type="linDir" val="fromL"/>
-                        </dgm:alg>
-                      </dgm:if>
-                      <dgm:else name="Name14">
-                        <dgm:alg type="hierChild">
-                          <dgm:param type="linDir" val="fromR"/>
-                        </dgm:alg>
-                      </dgm:else>
-                    </dgm:choose>
-                    <dgm:shape xmlns:r="http://schemas.openxmlformats.org/officeDocument/2006/relationships" r:blip="">
-                      <dgm:adjLst/>
-                    </dgm:shape>
-                    <dgm:presOf/>
-                    <dgm:constrLst/>
-                    <dgm:ruleLst/>
-                    <dgm:forEach name="Name15" axis="ch">
-                      <dgm:forEach name="Name16" axis="self" ptType="parTrans" cnt="1">
-                        <dgm:layoutNode name="Name17">
-                          <dgm:alg type="conn">
-                            <dgm:param type="dim" val="1D"/>
-                            <dgm:param type="endSty" val="noArr"/>
-                            <dgm:param type="connRout" val="bend"/>
-                            <dgm:param type="bendPt" val="end"/>
-                            <dgm:param type="begPts" val="bCtr"/>
-                            <dgm:param type="endPts" val="tCtr"/>
-                            <dgm:param type="srcNode" val="background2"/>
-                            <dgm:param type="dstNode" val="background3"/>
-                          </dgm:alg>
-                          <dgm:shape xmlns:r="http://schemas.openxmlformats.org/officeDocument/2006/relationships" type="conn" r:blip="" zOrderOff="-999">
-                            <dgm:adjLst/>
-                          </dgm:shape>
-                          <dgm:presOf axis="self"/>
-                          <dgm:constrLst>
-                            <dgm:constr type="begPad"/>
-                            <dgm:constr type="endPad"/>
-                          </dgm:constrLst>
-                          <dgm:ruleLst/>
-                        </dgm:layoutNode>
-                      </dgm:forEach>
-                      <dgm:forEach name="Name18" axis="self" ptType="node">
-                        <dgm:layoutNode name="hierRoot3">
-                          <dgm:alg type="hierRoot"/>
-                          <dgm:shape xmlns:r="http://schemas.openxmlformats.org/officeDocument/2006/relationships" r:blip="">
-                            <dgm:adjLst/>
-                          </dgm:shape>
-                          <dgm:presOf/>
-                          <dgm:constrLst>
-                            <dgm:constr type="bendDist" for="des" ptType="parTrans" refType="sp" fact="0.5"/>
-                          </dgm:constrLst>
-                          <dgm:ruleLst/>
-                          <dgm:layoutNode name="composite3">
-                            <dgm:alg type="composite"/>
-                            <dgm:shape xmlns:r="http://schemas.openxmlformats.org/officeDocument/2006/relationships" r:blip="">
-                              <dgm:adjLst/>
-                            </dgm:shape>
-                            <dgm:presOf/>
-                            <dgm:constrLst>
-                              <dgm:constr type="w" for="ch" forName="background3" refType="w" fact="0.9"/>
-                              <dgm:constr type="h" for="ch" forName="background3" refType="w" refFor="ch" refForName="background3" fact="0.635"/>
-                              <dgm:constr type="t" for="ch" forName="background3"/>
-                              <dgm:constr type="l" for="ch" forName="background3"/>
-                              <dgm:constr type="w" for="ch" forName="text3" refType="w" fact="0.9"/>
-                              <dgm:constr type="h" for="ch" forName="text3" refType="w" refFor="ch" refForName="text3" fact="0.635"/>
-                              <dgm:constr type="t" for="ch" forName="text3" refType="w" fact="0.095"/>
-                              <dgm:constr type="l" for="ch" forName="text3" refType="w" fact="0.1"/>
-                            </dgm:constrLst>
-                            <dgm:ruleLst/>
-                            <dgm:layoutNode name="background3" moveWith="text3">
-                              <dgm:alg type="sp"/>
-                              <dgm:shape xmlns:r="http://schemas.openxmlformats.org/officeDocument/2006/relationships" type="roundRect" r:blip="">
-                                <dgm:adjLst>
-                                  <dgm:adj idx="1" val="0.1"/>
-                                </dgm:adjLst>
-                              </dgm:shape>
-                              <dgm:presOf/>
-                              <dgm:constrLst/>
-                              <dgm:ruleLst/>
-                            </dgm:layoutNode>
-                            <dgm:layoutNode name="text3" styleLbl="fgAcc3">
-                              <dgm:varLst>
-                                <dgm:chPref val="3"/>
-                              </dgm:varLst>
-                              <dgm:alg type="tx"/>
-                              <dgm:shape xmlns:r="http://schemas.openxmlformats.org/officeDocument/2006/relationships" type="roundRect" r:blip="">
-                                <dgm:adjLst>
-                                  <dgm:adj idx="1" val="0.1"/>
-                                </dgm:adjLst>
-                              </dgm:shape>
-                              <dgm:presOf axis="self"/>
-                              <dgm:constrLst>
-                                <dgm:constr type="tMarg" refType="primFontSz" fact="0.3"/>
-                                <dgm:constr type="bMarg" refType="primFontSz" fact="0.3"/>
-                                <dgm:constr type="lMarg" refType="primFontSz" fact="0.3"/>
-                                <dgm:constr type="rMarg" refType="primFontSz" fact="0.3"/>
-                              </dgm:constrLst>
-                              <dgm:ruleLst>
-                                <dgm:rule type="primFontSz" val="5" fact="NaN" max="NaN"/>
-                              </dgm:ruleLst>
-                            </dgm:layoutNode>
-                          </dgm:layoutNode>
-                          <dgm:layoutNode name="hierChild4">
-                            <dgm:choose name="Name19">
-                              <dgm:if name="Name20" func="var" arg="dir" op="equ" val="norm">
-                                <dgm:alg type="hierChild">
-                                  <dgm:param type="linDir" val="fromL"/>
-                                </dgm:alg>
-                              </dgm:if>
-                              <dgm:else name="Name21">
-                                <dgm:alg type="hierChild">
-                                  <dgm:param type="linDir" val="fromR"/>
-                                </dgm:alg>
-                              </dgm:else>
-                            </dgm:choose>
-                            <dgm:shape xmlns:r="http://schemas.openxmlformats.org/officeDocument/2006/relationships" r:blip="">
-                              <dgm:adjLst/>
-                            </dgm:shape>
-                            <dgm:presOf/>
-                            <dgm:constrLst/>
-                            <dgm:ruleLst/>
-                            <dgm:forEach name="repeat" axis="ch">
-                              <dgm:forEach name="Name22" axis="self" ptType="parTrans" cnt="1">
-                                <dgm:layoutNode name="Name23">
-                                  <dgm:choose name="Name24">
-                                    <dgm:if name="Name25" axis="self" func="depth" op="lte" val="4">
-                                      <dgm:alg type="conn">
-                                        <dgm:param type="dim" val="1D"/>
-                                        <dgm:param type="endSty" val="noArr"/>
-                                        <dgm:param type="connRout" val="bend"/>
-                                        <dgm:param type="bendPt" val="end"/>
-                                        <dgm:param type="begPts" val="bCtr"/>
-                                        <dgm:param type="endPts" val="tCtr"/>
-                                        <dgm:param type="srcNode" val="background3"/>
-                                        <dgm:param type="dstNode" val="background4"/>
-                                      </dgm:alg>
-                                    </dgm:if>
-                                    <dgm:else name="Name26">
-                                      <dgm:alg type="conn">
-                                        <dgm:param type="dim" val="1D"/>
-                                        <dgm:param type="endSty" val="noArr"/>
-                                        <dgm:param type="connRout" val="bend"/>
-                                        <dgm:param type="bendPt" val="end"/>
-                                        <dgm:param type="begPts" val="bCtr"/>
-                                        <dgm:param type="endPts" val="tCtr"/>
-                                        <dgm:param type="srcNode" val="background4"/>
-                                        <dgm:param type="dstNode" val="background4"/>
-                                      </dgm:alg>
-                                    </dgm:else>
-                                  </dgm:choose>
-                                  <dgm:shape xmlns:r="http://schemas.openxmlformats.org/officeDocument/2006/relationships" type="conn" r:blip="" zOrderOff="-999">
-                                    <dgm:adjLst/>
-                                  </dgm:shape>
-                                  <dgm:presOf axis="self"/>
-                                  <dgm:constrLst>
-                                    <dgm:constr type="begPad"/>
-                                    <dgm:constr type="endPad"/>
-                                  </dgm:constrLst>
-                                  <dgm:ruleLst/>
-                                </dgm:layoutNode>
-                              </dgm:forEach>
-                              <dgm:forEach name="Name27" axis="self" ptType="node">
-                                <dgm:layoutNode name="hierRoot4">
-                                  <dgm:alg type="hierRoot"/>
-                                  <dgm:shape xmlns:r="http://schemas.openxmlformats.org/officeDocument/2006/relationships" r:blip="">
-                                    <dgm:adjLst/>
-                                  </dgm:shape>
-                                  <dgm:presOf/>
-                                  <dgm:constrLst>
-                                    <dgm:constr type="bendDist" for="des" ptType="parTrans" refType="sp" fact="0.5"/>
-                                  </dgm:constrLst>
-                                  <dgm:ruleLst/>
-                                  <dgm:layoutNode name="composite4">
-                                    <dgm:alg type="composite"/>
-                                    <dgm:shape xmlns:r="http://schemas.openxmlformats.org/officeDocument/2006/relationships" r:blip="">
-                                      <dgm:adjLst/>
-                                    </dgm:shape>
-                                    <dgm:presOf/>
-                                    <dgm:constrLst>
-                                      <dgm:constr type="w" for="ch" forName="background4" refType="w" fact="0.9"/>
-                                      <dgm:constr type="h" for="ch" forName="background4" refType="w" refFor="ch" refForName="background4" fact="0.635"/>
-                                      <dgm:constr type="t" for="ch" forName="background4"/>
-                                      <dgm:constr type="l" for="ch" forName="background4"/>
-                                      <dgm:constr type="w" for="ch" forName="text4" refType="w" fact="0.9"/>
-                                      <dgm:constr type="h" for="ch" forName="text4" refType="w" refFor="ch" refForName="text4" fact="0.635"/>
-                                      <dgm:constr type="t" for="ch" forName="text4" refType="w" fact="0.095"/>
-                                      <dgm:constr type="l" for="ch" forName="text4" refType="w" fact="0.1"/>
-                                    </dgm:constrLst>
-                                    <dgm:ruleLst/>
-                                    <dgm:layoutNode name="background4" moveWith="text4">
-                                      <dgm:alg type="sp"/>
-                                      <dgm:shape xmlns:r="http://schemas.openxmlformats.org/officeDocument/2006/relationships" type="roundRect" r:blip="">
-                                        <dgm:adjLst>
-                                          <dgm:adj idx="1" val="0.1"/>
-                                        </dgm:adjLst>
-                                      </dgm:shape>
-                                      <dgm:presOf/>
-                                      <dgm:constrLst/>
-                                      <dgm:ruleLst/>
-                                    </dgm:layoutNode>
-                                    <dgm:layoutNode name="text4" styleLbl="fgAcc4">
-                                      <dgm:varLst>
-                                        <dgm:chPref val="3"/>
-                                      </dgm:varLst>
-                                      <dgm:alg type="tx"/>
-                                      <dgm:shape xmlns:r="http://schemas.openxmlformats.org/officeDocument/2006/relationships" type="roundRect" r:blip="">
-                                        <dgm:adjLst>
-                                          <dgm:adj idx="1" val="0.1"/>
-                                        </dgm:adjLst>
-                                      </dgm:shape>
-                                      <dgm:presOf axis="self"/>
-                                      <dgm:constrLst>
-                                        <dgm:constr type="tMarg" refType="primFontSz" fact="0.3"/>
-                                        <dgm:constr type="bMarg" refType="primFontSz" fact="0.3"/>
-                                        <dgm:constr type="lMarg" refType="primFontSz" fact="0.3"/>
-                                        <dgm:constr type="rMarg" refType="primFontSz" fact="0.3"/>
-                                      </dgm:constrLst>
-                                      <dgm:ruleLst>
-                                        <dgm:rule type="primFontSz" val="5" fact="NaN" max="NaN"/>
-                                      </dgm:ruleLst>
-                                    </dgm:layoutNode>
-                                  </dgm:layoutNode>
-                                  <dgm:layoutNode name="hierChild5">
-                                    <dgm:choose name="Name28">
-                                      <dgm:if name="Name29" func="var" arg="dir" op="equ" val="norm">
-                                        <dgm:alg type="hierChild">
-                                          <dgm:param type="linDir" val="fromL"/>
-                                        </dgm:alg>
-                                      </dgm:if>
-                                      <dgm:else name="Name30">
-                                        <dgm:alg type="hierChild">
-                                          <dgm:param type="linDir" val="fromR"/>
-                                        </dgm:alg>
-                                      </dgm:else>
-                                    </dgm:choose>
-                                    <dgm:shape xmlns:r="http://schemas.openxmlformats.org/officeDocument/2006/relationships" r:blip="">
-                                      <dgm:adjLst/>
-                                    </dgm:shape>
-                                    <dgm:presOf/>
-                                    <dgm:constrLst/>
-                                    <dgm:ruleLst/>
-                                    <dgm:forEach name="Name31" ref="repeat"/>
-                                  </dgm:layoutNode>
-                                </dgm:layoutNode>
-                              </dgm:forEach>
-                            </dgm:forEach>
-                          </dgm:layoutNode>
-                        </dgm:layoutNode>
-                      </dgm:forEach>
-                    </dgm:forEach>
-                  </dgm:layoutNode>
-                </dgm:layoutNode>
-              </dgm:forEach>
-            </dgm:forEach>
-          </dgm:layoutNode>
-        </dgm:layoutNode>
-      </dgm:forEach>
-    </dgm:forEach>
-  </dgm:layoutNode>
-</dgm:layoutDef>
-</file>
-
-<file path=ppt/diagrams/layout4.xml><?xml version="1.0" encoding="utf-8"?>
 <dgm:layoutDef xmlns:dgm="http://schemas.openxmlformats.org/drawingml/2006/diagram" xmlns:a="http://schemas.openxmlformats.org/drawingml/2006/main" uniqueId="urn:microsoft.com/office/officeart/2005/8/layout/hList1">
   <dgm:title val=""/>
   <dgm:desc val=""/>
@@ -9884,2074 +6402,6 @@
 </dgm:styleDef>
 </file>
 
-<file path=ppt/diagrams/quickStyle3.xml><?xml version="1.0" encoding="utf-8"?>
-<dgm:styleDef xmlns:dgm="http://schemas.openxmlformats.org/drawingml/2006/diagram" xmlns:a="http://schemas.openxmlformats.org/drawingml/2006/main" uniqueId="urn:microsoft.com/office/officeart/2005/8/quickstyle/simple1">
-  <dgm:title val=""/>
-  <dgm:desc val=""/>
-  <dgm:catLst>
-    <dgm:cat type="simple" pri="10100"/>
-  </dgm:catLst>
-  <dgm:scene3d>
-    <a:camera prst="orthographicFront"/>
-    <a:lightRig rig="threePt" dir="t"/>
-  </dgm:scene3d>
-  <dgm:styleLbl name="node0">
-    <dgm:scene3d>
-      <a:camera prst="orthographicFront"/>
-      <a:lightRig rig="threePt" dir="t"/>
-    </dgm:scene3d>
-    <dgm:sp3d/>
-    <dgm:txPr/>
-    <dgm:style>
-      <a:lnRef idx="2">
-        <a:scrgbClr r="0" g="0" b="0"/>
-      </a:lnRef>
-      <a:fillRef idx="1">
-        <a:scrgbClr r="0" g="0" b="0"/>
-      </a:fillRef>
-      <a:effectRef idx="0">
-        <a:scrgbClr r="0" g="0" b="0"/>
-      </a:effectRef>
-      <a:fontRef idx="minor">
-        <a:schemeClr val="lt1"/>
-      </a:fontRef>
-    </dgm:style>
-  </dgm:styleLbl>
-  <dgm:styleLbl name="lnNode1">
-    <dgm:scene3d>
-      <a:camera prst="orthographicFront"/>
-      <a:lightRig rig="threePt" dir="t"/>
-    </dgm:scene3d>
-    <dgm:sp3d/>
-    <dgm:txPr/>
-    <dgm:style>
-      <a:lnRef idx="2">
-        <a:scrgbClr r="0" g="0" b="0"/>
-      </a:lnRef>
-      <a:fillRef idx="1">
-        <a:scrgbClr r="0" g="0" b="0"/>
-      </a:fillRef>
-      <a:effectRef idx="0">
-        <a:scrgbClr r="0" g="0" b="0"/>
-      </a:effectRef>
-      <a:fontRef idx="minor">
-        <a:schemeClr val="lt1"/>
-      </a:fontRef>
-    </dgm:style>
-  </dgm:styleLbl>
-  <dgm:styleLbl name="vennNode1">
-    <dgm:scene3d>
-      <a:camera prst="orthographicFront"/>
-      <a:lightRig rig="threePt" dir="t"/>
-    </dgm:scene3d>
-    <dgm:sp3d/>
-    <dgm:txPr/>
-    <dgm:style>
-      <a:lnRef idx="2">
-        <a:scrgbClr r="0" g="0" b="0"/>
-      </a:lnRef>
-      <a:fillRef idx="1">
-        <a:scrgbClr r="0" g="0" b="0"/>
-      </a:fillRef>
-      <a:effectRef idx="0">
-        <a:scrgbClr r="0" g="0" b="0"/>
-      </a:effectRef>
-      <a:fontRef idx="minor">
-        <a:schemeClr val="tx1"/>
-      </a:fontRef>
-    </dgm:style>
-  </dgm:styleLbl>
-  <dgm:styleLbl name="alignNode1">
-    <dgm:scene3d>
-      <a:camera prst="orthographicFront"/>
-      <a:lightRig rig="threePt" dir="t"/>
-    </dgm:scene3d>
-    <dgm:sp3d/>
-    <dgm:txPr/>
-    <dgm:style>
-      <a:lnRef idx="2">
-        <a:scrgbClr r="0" g="0" b="0"/>
-      </a:lnRef>
-      <a:fillRef idx="1">
-        <a:scrgbClr r="0" g="0" b="0"/>
-      </a:fillRef>
-      <a:effectRef idx="0">
-        <a:scrgbClr r="0" g="0" b="0"/>
-      </a:effectRef>
-      <a:fontRef idx="minor">
-        <a:schemeClr val="lt1"/>
-      </a:fontRef>
-    </dgm:style>
-  </dgm:styleLbl>
-  <dgm:styleLbl name="node1">
-    <dgm:scene3d>
-      <a:camera prst="orthographicFront"/>
-      <a:lightRig rig="threePt" dir="t"/>
-    </dgm:scene3d>
-    <dgm:sp3d/>
-    <dgm:txPr/>
-    <dgm:style>
-      <a:lnRef idx="2">
-        <a:scrgbClr r="0" g="0" b="0"/>
-      </a:lnRef>
-      <a:fillRef idx="1">
-        <a:scrgbClr r="0" g="0" b="0"/>
-      </a:fillRef>
-      <a:effectRef idx="0">
-        <a:scrgbClr r="0" g="0" b="0"/>
-      </a:effectRef>
-      <a:fontRef idx="minor">
-        <a:schemeClr val="lt1"/>
-      </a:fontRef>
-    </dgm:style>
-  </dgm:styleLbl>
-  <dgm:styleLbl name="node2">
-    <dgm:scene3d>
-      <a:camera prst="orthographicFront"/>
-      <a:lightRig rig="threePt" dir="t"/>
-    </dgm:scene3d>
-    <dgm:sp3d/>
-    <dgm:txPr/>
-    <dgm:style>
-      <a:lnRef idx="2">
-        <a:scrgbClr r="0" g="0" b="0"/>
-      </a:lnRef>
-      <a:fillRef idx="1">
-        <a:scrgbClr r="0" g="0" b="0"/>
-      </a:fillRef>
-      <a:effectRef idx="0">
-        <a:scrgbClr r="0" g="0" b="0"/>
-      </a:effectRef>
-      <a:fontRef idx="minor">
-        <a:schemeClr val="lt1"/>
-      </a:fontRef>
-    </dgm:style>
-  </dgm:styleLbl>
-  <dgm:styleLbl name="node3">
-    <dgm:scene3d>
-      <a:camera prst="orthographicFront"/>
-      <a:lightRig rig="threePt" dir="t"/>
-    </dgm:scene3d>
-    <dgm:sp3d/>
-    <dgm:txPr/>
-    <dgm:style>
-      <a:lnRef idx="2">
-        <a:scrgbClr r="0" g="0" b="0"/>
-      </a:lnRef>
-      <a:fillRef idx="1">
-        <a:scrgbClr r="0" g="0" b="0"/>
-      </a:fillRef>
-      <a:effectRef idx="0">
-        <a:scrgbClr r="0" g="0" b="0"/>
-      </a:effectRef>
-      <a:fontRef idx="minor">
-        <a:schemeClr val="lt1"/>
-      </a:fontRef>
-    </dgm:style>
-  </dgm:styleLbl>
-  <dgm:styleLbl name="node4">
-    <dgm:scene3d>
-      <a:camera prst="orthographicFront"/>
-      <a:lightRig rig="threePt" dir="t"/>
-    </dgm:scene3d>
-    <dgm:sp3d/>
-    <dgm:txPr/>
-    <dgm:style>
-      <a:lnRef idx="2">
-        <a:scrgbClr r="0" g="0" b="0"/>
-      </a:lnRef>
-      <a:fillRef idx="1">
-        <a:scrgbClr r="0" g="0" b="0"/>
-      </a:fillRef>
-      <a:effectRef idx="0">
-        <a:scrgbClr r="0" g="0" b="0"/>
-      </a:effectRef>
-      <a:fontRef idx="minor">
-        <a:schemeClr val="lt1"/>
-      </a:fontRef>
-    </dgm:style>
-  </dgm:styleLbl>
-  <dgm:styleLbl name="fgImgPlace1">
-    <dgm:scene3d>
-      <a:camera prst="orthographicFront"/>
-      <a:lightRig rig="threePt" dir="t"/>
-    </dgm:scene3d>
-    <dgm:sp3d/>
-    <dgm:txPr/>
-    <dgm:style>
-      <a:lnRef idx="2">
-        <a:scrgbClr r="0" g="0" b="0"/>
-      </a:lnRef>
-      <a:fillRef idx="1">
-        <a:scrgbClr r="0" g="0" b="0"/>
-      </a:fillRef>
-      <a:effectRef idx="0">
-        <a:scrgbClr r="0" g="0" b="0"/>
-      </a:effectRef>
-      <a:fontRef idx="minor"/>
-    </dgm:style>
-  </dgm:styleLbl>
-  <dgm:styleLbl name="alignImgPlace1">
-    <dgm:scene3d>
-      <a:camera prst="orthographicFront"/>
-      <a:lightRig rig="threePt" dir="t"/>
-    </dgm:scene3d>
-    <dgm:sp3d/>
-    <dgm:txPr/>
-    <dgm:style>
-      <a:lnRef idx="2">
-        <a:scrgbClr r="0" g="0" b="0"/>
-      </a:lnRef>
-      <a:fillRef idx="1">
-        <a:scrgbClr r="0" g="0" b="0"/>
-      </a:fillRef>
-      <a:effectRef idx="0">
-        <a:scrgbClr r="0" g="0" b="0"/>
-      </a:effectRef>
-      <a:fontRef idx="minor"/>
-    </dgm:style>
-  </dgm:styleLbl>
-  <dgm:styleLbl name="bgImgPlace1">
-    <dgm:scene3d>
-      <a:camera prst="orthographicFront"/>
-      <a:lightRig rig="threePt" dir="t"/>
-    </dgm:scene3d>
-    <dgm:sp3d/>
-    <dgm:txPr/>
-    <dgm:style>
-      <a:lnRef idx="2">
-        <a:scrgbClr r="0" g="0" b="0"/>
-      </a:lnRef>
-      <a:fillRef idx="1">
-        <a:scrgbClr r="0" g="0" b="0"/>
-      </a:fillRef>
-      <a:effectRef idx="0">
-        <a:scrgbClr r="0" g="0" b="0"/>
-      </a:effectRef>
-      <a:fontRef idx="minor"/>
-    </dgm:style>
-  </dgm:styleLbl>
-  <dgm:styleLbl name="sibTrans2D1">
-    <dgm:scene3d>
-      <a:camera prst="orthographicFront"/>
-      <a:lightRig rig="threePt" dir="t"/>
-    </dgm:scene3d>
-    <dgm:sp3d/>
-    <dgm:txPr/>
-    <dgm:style>
-      <a:lnRef idx="0">
-        <a:scrgbClr r="0" g="0" b="0"/>
-      </a:lnRef>
-      <a:fillRef idx="1">
-        <a:scrgbClr r="0" g="0" b="0"/>
-      </a:fillRef>
-      <a:effectRef idx="0">
-        <a:scrgbClr r="0" g="0" b="0"/>
-      </a:effectRef>
-      <a:fontRef idx="minor">
-        <a:schemeClr val="lt1"/>
-      </a:fontRef>
-    </dgm:style>
-  </dgm:styleLbl>
-  <dgm:styleLbl name="fgSibTrans2D1">
-    <dgm:scene3d>
-      <a:camera prst="orthographicFront"/>
-      <a:lightRig rig="threePt" dir="t"/>
-    </dgm:scene3d>
-    <dgm:sp3d/>
-    <dgm:txPr/>
-    <dgm:style>
-      <a:lnRef idx="0">
-        <a:scrgbClr r="0" g="0" b="0"/>
-      </a:lnRef>
-      <a:fillRef idx="1">
-        <a:scrgbClr r="0" g="0" b="0"/>
-      </a:fillRef>
-      <a:effectRef idx="0">
-        <a:scrgbClr r="0" g="0" b="0"/>
-      </a:effectRef>
-      <a:fontRef idx="minor">
-        <a:schemeClr val="lt1"/>
-      </a:fontRef>
-    </dgm:style>
-  </dgm:styleLbl>
-  <dgm:styleLbl name="bgSibTrans2D1">
-    <dgm:scene3d>
-      <a:camera prst="orthographicFront"/>
-      <a:lightRig rig="threePt" dir="t"/>
-    </dgm:scene3d>
-    <dgm:sp3d/>
-    <dgm:txPr/>
-    <dgm:style>
-      <a:lnRef idx="0">
-        <a:scrgbClr r="0" g="0" b="0"/>
-      </a:lnRef>
-      <a:fillRef idx="1">
-        <a:scrgbClr r="0" g="0" b="0"/>
-      </a:fillRef>
-      <a:effectRef idx="0">
-        <a:scrgbClr r="0" g="0" b="0"/>
-      </a:effectRef>
-      <a:fontRef idx="minor">
-        <a:schemeClr val="lt1"/>
-      </a:fontRef>
-    </dgm:style>
-  </dgm:styleLbl>
-  <dgm:styleLbl name="sibTrans1D1">
-    <dgm:scene3d>
-      <a:camera prst="orthographicFront"/>
-      <a:lightRig rig="threePt" dir="t"/>
-    </dgm:scene3d>
-    <dgm:sp3d/>
-    <dgm:txPr/>
-    <dgm:style>
-      <a:lnRef idx="1">
-        <a:scrgbClr r="0" g="0" b="0"/>
-      </a:lnRef>
-      <a:fillRef idx="0">
-        <a:scrgbClr r="0" g="0" b="0"/>
-      </a:fillRef>
-      <a:effectRef idx="0">
-        <a:scrgbClr r="0" g="0" b="0"/>
-      </a:effectRef>
-      <a:fontRef idx="minor"/>
-    </dgm:style>
-  </dgm:styleLbl>
-  <dgm:styleLbl name="callout">
-    <dgm:scene3d>
-      <a:camera prst="orthographicFront"/>
-      <a:lightRig rig="threePt" dir="t"/>
-    </dgm:scene3d>
-    <dgm:sp3d/>
-    <dgm:txPr/>
-    <dgm:style>
-      <a:lnRef idx="2">
-        <a:scrgbClr r="0" g="0" b="0"/>
-      </a:lnRef>
-      <a:fillRef idx="1">
-        <a:scrgbClr r="0" g="0" b="0"/>
-      </a:fillRef>
-      <a:effectRef idx="0">
-        <a:scrgbClr r="0" g="0" b="0"/>
-      </a:effectRef>
-      <a:fontRef idx="minor"/>
-    </dgm:style>
-  </dgm:styleLbl>
-  <dgm:styleLbl name="asst0">
-    <dgm:scene3d>
-      <a:camera prst="orthographicFront"/>
-      <a:lightRig rig="threePt" dir="t"/>
-    </dgm:scene3d>
-    <dgm:sp3d/>
-    <dgm:txPr/>
-    <dgm:style>
-      <a:lnRef idx="2">
-        <a:scrgbClr r="0" g="0" b="0"/>
-      </a:lnRef>
-      <a:fillRef idx="1">
-        <a:scrgbClr r="0" g="0" b="0"/>
-      </a:fillRef>
-      <a:effectRef idx="0">
-        <a:scrgbClr r="0" g="0" b="0"/>
-      </a:effectRef>
-      <a:fontRef idx="minor">
-        <a:schemeClr val="lt1"/>
-      </a:fontRef>
-    </dgm:style>
-  </dgm:styleLbl>
-  <dgm:styleLbl name="asst1">
-    <dgm:scene3d>
-      <a:camera prst="orthographicFront"/>
-      <a:lightRig rig="threePt" dir="t"/>
-    </dgm:scene3d>
-    <dgm:sp3d/>
-    <dgm:txPr/>
-    <dgm:style>
-      <a:lnRef idx="2">
-        <a:scrgbClr r="0" g="0" b="0"/>
-      </a:lnRef>
-      <a:fillRef idx="1">
-        <a:scrgbClr r="0" g="0" b="0"/>
-      </a:fillRef>
-      <a:effectRef idx="0">
-        <a:scrgbClr r="0" g="0" b="0"/>
-      </a:effectRef>
-      <a:fontRef idx="minor">
-        <a:schemeClr val="lt1"/>
-      </a:fontRef>
-    </dgm:style>
-  </dgm:styleLbl>
-  <dgm:styleLbl name="asst2">
-    <dgm:scene3d>
-      <a:camera prst="orthographicFront"/>
-      <a:lightRig rig="threePt" dir="t"/>
-    </dgm:scene3d>
-    <dgm:sp3d/>
-    <dgm:txPr/>
-    <dgm:style>
-      <a:lnRef idx="2">
-        <a:scrgbClr r="0" g="0" b="0"/>
-      </a:lnRef>
-      <a:fillRef idx="1">
-        <a:scrgbClr r="0" g="0" b="0"/>
-      </a:fillRef>
-      <a:effectRef idx="0">
-        <a:scrgbClr r="0" g="0" b="0"/>
-      </a:effectRef>
-      <a:fontRef idx="minor">
-        <a:schemeClr val="lt1"/>
-      </a:fontRef>
-    </dgm:style>
-  </dgm:styleLbl>
-  <dgm:styleLbl name="asst3">
-    <dgm:scene3d>
-      <a:camera prst="orthographicFront"/>
-      <a:lightRig rig="threePt" dir="t"/>
-    </dgm:scene3d>
-    <dgm:sp3d/>
-    <dgm:txPr/>
-    <dgm:style>
-      <a:lnRef idx="2">
-        <a:scrgbClr r="0" g="0" b="0"/>
-      </a:lnRef>
-      <a:fillRef idx="1">
-        <a:scrgbClr r="0" g="0" b="0"/>
-      </a:fillRef>
-      <a:effectRef idx="0">
-        <a:scrgbClr r="0" g="0" b="0"/>
-      </a:effectRef>
-      <a:fontRef idx="minor">
-        <a:schemeClr val="lt1"/>
-      </a:fontRef>
-    </dgm:style>
-  </dgm:styleLbl>
-  <dgm:styleLbl name="asst4">
-    <dgm:scene3d>
-      <a:camera prst="orthographicFront"/>
-      <a:lightRig rig="threePt" dir="t"/>
-    </dgm:scene3d>
-    <dgm:sp3d/>
-    <dgm:txPr/>
-    <dgm:style>
-      <a:lnRef idx="2">
-        <a:scrgbClr r="0" g="0" b="0"/>
-      </a:lnRef>
-      <a:fillRef idx="1">
-        <a:scrgbClr r="0" g="0" b="0"/>
-      </a:fillRef>
-      <a:effectRef idx="0">
-        <a:scrgbClr r="0" g="0" b="0"/>
-      </a:effectRef>
-      <a:fontRef idx="minor">
-        <a:schemeClr val="lt1"/>
-      </a:fontRef>
-    </dgm:style>
-  </dgm:styleLbl>
-  <dgm:styleLbl name="parChTrans2D1">
-    <dgm:scene3d>
-      <a:camera prst="orthographicFront"/>
-      <a:lightRig rig="threePt" dir="t"/>
-    </dgm:scene3d>
-    <dgm:sp3d/>
-    <dgm:txPr/>
-    <dgm:style>
-      <a:lnRef idx="2">
-        <a:scrgbClr r="0" g="0" b="0"/>
-      </a:lnRef>
-      <a:fillRef idx="1">
-        <a:scrgbClr r="0" g="0" b="0"/>
-      </a:fillRef>
-      <a:effectRef idx="0">
-        <a:scrgbClr r="0" g="0" b="0"/>
-      </a:effectRef>
-      <a:fontRef idx="minor">
-        <a:schemeClr val="lt1"/>
-      </a:fontRef>
-    </dgm:style>
-  </dgm:styleLbl>
-  <dgm:styleLbl name="parChTrans2D2">
-    <dgm:scene3d>
-      <a:camera prst="orthographicFront"/>
-      <a:lightRig rig="threePt" dir="t"/>
-    </dgm:scene3d>
-    <dgm:sp3d/>
-    <dgm:txPr/>
-    <dgm:style>
-      <a:lnRef idx="2">
-        <a:scrgbClr r="0" g="0" b="0"/>
-      </a:lnRef>
-      <a:fillRef idx="1">
-        <a:scrgbClr r="0" g="0" b="0"/>
-      </a:fillRef>
-      <a:effectRef idx="0">
-        <a:scrgbClr r="0" g="0" b="0"/>
-      </a:effectRef>
-      <a:fontRef idx="minor">
-        <a:schemeClr val="lt1"/>
-      </a:fontRef>
-    </dgm:style>
-  </dgm:styleLbl>
-  <dgm:styleLbl name="parChTrans2D3">
-    <dgm:scene3d>
-      <a:camera prst="orthographicFront"/>
-      <a:lightRig rig="threePt" dir="t"/>
-    </dgm:scene3d>
-    <dgm:sp3d/>
-    <dgm:txPr/>
-    <dgm:style>
-      <a:lnRef idx="2">
-        <a:scrgbClr r="0" g="0" b="0"/>
-      </a:lnRef>
-      <a:fillRef idx="1">
-        <a:scrgbClr r="0" g="0" b="0"/>
-      </a:fillRef>
-      <a:effectRef idx="0">
-        <a:scrgbClr r="0" g="0" b="0"/>
-      </a:effectRef>
-      <a:fontRef idx="minor">
-        <a:schemeClr val="lt1"/>
-      </a:fontRef>
-    </dgm:style>
-  </dgm:styleLbl>
-  <dgm:styleLbl name="parChTrans2D4">
-    <dgm:scene3d>
-      <a:camera prst="orthographicFront"/>
-      <a:lightRig rig="threePt" dir="t"/>
-    </dgm:scene3d>
-    <dgm:sp3d/>
-    <dgm:txPr/>
-    <dgm:style>
-      <a:lnRef idx="2">
-        <a:scrgbClr r="0" g="0" b="0"/>
-      </a:lnRef>
-      <a:fillRef idx="1">
-        <a:scrgbClr r="0" g="0" b="0"/>
-      </a:fillRef>
-      <a:effectRef idx="0">
-        <a:scrgbClr r="0" g="0" b="0"/>
-      </a:effectRef>
-      <a:fontRef idx="minor">
-        <a:schemeClr val="lt1"/>
-      </a:fontRef>
-    </dgm:style>
-  </dgm:styleLbl>
-  <dgm:styleLbl name="parChTrans1D1">
-    <dgm:scene3d>
-      <a:camera prst="orthographicFront"/>
-      <a:lightRig rig="threePt" dir="t"/>
-    </dgm:scene3d>
-    <dgm:sp3d/>
-    <dgm:txPr/>
-    <dgm:style>
-      <a:lnRef idx="2">
-        <a:scrgbClr r="0" g="0" b="0"/>
-      </a:lnRef>
-      <a:fillRef idx="0">
-        <a:scrgbClr r="0" g="0" b="0"/>
-      </a:fillRef>
-      <a:effectRef idx="0">
-        <a:scrgbClr r="0" g="0" b="0"/>
-      </a:effectRef>
-      <a:fontRef idx="minor"/>
-    </dgm:style>
-  </dgm:styleLbl>
-  <dgm:styleLbl name="parChTrans1D2">
-    <dgm:scene3d>
-      <a:camera prst="orthographicFront"/>
-      <a:lightRig rig="threePt" dir="t"/>
-    </dgm:scene3d>
-    <dgm:sp3d/>
-    <dgm:txPr/>
-    <dgm:style>
-      <a:lnRef idx="2">
-        <a:scrgbClr r="0" g="0" b="0"/>
-      </a:lnRef>
-      <a:fillRef idx="0">
-        <a:scrgbClr r="0" g="0" b="0"/>
-      </a:fillRef>
-      <a:effectRef idx="0">
-        <a:scrgbClr r="0" g="0" b="0"/>
-      </a:effectRef>
-      <a:fontRef idx="minor"/>
-    </dgm:style>
-  </dgm:styleLbl>
-  <dgm:styleLbl name="parChTrans1D3">
-    <dgm:scene3d>
-      <a:camera prst="orthographicFront"/>
-      <a:lightRig rig="threePt" dir="t"/>
-    </dgm:scene3d>
-    <dgm:sp3d/>
-    <dgm:txPr/>
-    <dgm:style>
-      <a:lnRef idx="2">
-        <a:scrgbClr r="0" g="0" b="0"/>
-      </a:lnRef>
-      <a:fillRef idx="0">
-        <a:scrgbClr r="0" g="0" b="0"/>
-      </a:fillRef>
-      <a:effectRef idx="0">
-        <a:scrgbClr r="0" g="0" b="0"/>
-      </a:effectRef>
-      <a:fontRef idx="minor"/>
-    </dgm:style>
-  </dgm:styleLbl>
-  <dgm:styleLbl name="parChTrans1D4">
-    <dgm:scene3d>
-      <a:camera prst="orthographicFront"/>
-      <a:lightRig rig="threePt" dir="t"/>
-    </dgm:scene3d>
-    <dgm:sp3d/>
-    <dgm:txPr/>
-    <dgm:style>
-      <a:lnRef idx="2">
-        <a:scrgbClr r="0" g="0" b="0"/>
-      </a:lnRef>
-      <a:fillRef idx="0">
-        <a:scrgbClr r="0" g="0" b="0"/>
-      </a:fillRef>
-      <a:effectRef idx="0">
-        <a:scrgbClr r="0" g="0" b="0"/>
-      </a:effectRef>
-      <a:fontRef idx="minor"/>
-    </dgm:style>
-  </dgm:styleLbl>
-  <dgm:styleLbl name="fgAcc1">
-    <dgm:scene3d>
-      <a:camera prst="orthographicFront"/>
-      <a:lightRig rig="threePt" dir="t"/>
-    </dgm:scene3d>
-    <dgm:sp3d/>
-    <dgm:txPr/>
-    <dgm:style>
-      <a:lnRef idx="2">
-        <a:scrgbClr r="0" g="0" b="0"/>
-      </a:lnRef>
-      <a:fillRef idx="1">
-        <a:scrgbClr r="0" g="0" b="0"/>
-      </a:fillRef>
-      <a:effectRef idx="0">
-        <a:scrgbClr r="0" g="0" b="0"/>
-      </a:effectRef>
-      <a:fontRef idx="minor"/>
-    </dgm:style>
-  </dgm:styleLbl>
-  <dgm:styleLbl name="conFgAcc1">
-    <dgm:scene3d>
-      <a:camera prst="orthographicFront"/>
-      <a:lightRig rig="threePt" dir="t"/>
-    </dgm:scene3d>
-    <dgm:sp3d/>
-    <dgm:txPr/>
-    <dgm:style>
-      <a:lnRef idx="2">
-        <a:scrgbClr r="0" g="0" b="0"/>
-      </a:lnRef>
-      <a:fillRef idx="1">
-        <a:scrgbClr r="0" g="0" b="0"/>
-      </a:fillRef>
-      <a:effectRef idx="0">
-        <a:scrgbClr r="0" g="0" b="0"/>
-      </a:effectRef>
-      <a:fontRef idx="minor"/>
-    </dgm:style>
-  </dgm:styleLbl>
-  <dgm:styleLbl name="alignAcc1">
-    <dgm:scene3d>
-      <a:camera prst="orthographicFront"/>
-      <a:lightRig rig="threePt" dir="t"/>
-    </dgm:scene3d>
-    <dgm:sp3d/>
-    <dgm:txPr/>
-    <dgm:style>
-      <a:lnRef idx="2">
-        <a:scrgbClr r="0" g="0" b="0"/>
-      </a:lnRef>
-      <a:fillRef idx="1">
-        <a:scrgbClr r="0" g="0" b="0"/>
-      </a:fillRef>
-      <a:effectRef idx="0">
-        <a:scrgbClr r="0" g="0" b="0"/>
-      </a:effectRef>
-      <a:fontRef idx="minor"/>
-    </dgm:style>
-  </dgm:styleLbl>
-  <dgm:styleLbl name="trAlignAcc1">
-    <dgm:scene3d>
-      <a:camera prst="orthographicFront"/>
-      <a:lightRig rig="threePt" dir="t"/>
-    </dgm:scene3d>
-    <dgm:sp3d/>
-    <dgm:txPr/>
-    <dgm:style>
-      <a:lnRef idx="1">
-        <a:scrgbClr r="0" g="0" b="0"/>
-      </a:lnRef>
-      <a:fillRef idx="1">
-        <a:scrgbClr r="0" g="0" b="0"/>
-      </a:fillRef>
-      <a:effectRef idx="0">
-        <a:scrgbClr r="0" g="0" b="0"/>
-      </a:effectRef>
-      <a:fontRef idx="minor"/>
-    </dgm:style>
-  </dgm:styleLbl>
-  <dgm:styleLbl name="bgAcc1">
-    <dgm:scene3d>
-      <a:camera prst="orthographicFront"/>
-      <a:lightRig rig="threePt" dir="t"/>
-    </dgm:scene3d>
-    <dgm:sp3d/>
-    <dgm:txPr/>
-    <dgm:style>
-      <a:lnRef idx="2">
-        <a:scrgbClr r="0" g="0" b="0"/>
-      </a:lnRef>
-      <a:fillRef idx="1">
-        <a:scrgbClr r="0" g="0" b="0"/>
-      </a:fillRef>
-      <a:effectRef idx="0">
-        <a:scrgbClr r="0" g="0" b="0"/>
-      </a:effectRef>
-      <a:fontRef idx="minor"/>
-    </dgm:style>
-  </dgm:styleLbl>
-  <dgm:styleLbl name="solidFgAcc1">
-    <dgm:scene3d>
-      <a:camera prst="orthographicFront"/>
-      <a:lightRig rig="threePt" dir="t"/>
-    </dgm:scene3d>
-    <dgm:sp3d/>
-    <dgm:txPr/>
-    <dgm:style>
-      <a:lnRef idx="2">
-        <a:scrgbClr r="0" g="0" b="0"/>
-      </a:lnRef>
-      <a:fillRef idx="1">
-        <a:scrgbClr r="0" g="0" b="0"/>
-      </a:fillRef>
-      <a:effectRef idx="0">
-        <a:scrgbClr r="0" g="0" b="0"/>
-      </a:effectRef>
-      <a:fontRef idx="minor"/>
-    </dgm:style>
-  </dgm:styleLbl>
-  <dgm:styleLbl name="solidAlignAcc1">
-    <dgm:scene3d>
-      <a:camera prst="orthographicFront"/>
-      <a:lightRig rig="threePt" dir="t"/>
-    </dgm:scene3d>
-    <dgm:sp3d/>
-    <dgm:txPr/>
-    <dgm:style>
-      <a:lnRef idx="2">
-        <a:scrgbClr r="0" g="0" b="0"/>
-      </a:lnRef>
-      <a:fillRef idx="1">
-        <a:scrgbClr r="0" g="0" b="0"/>
-      </a:fillRef>
-      <a:effectRef idx="0">
-        <a:scrgbClr r="0" g="0" b="0"/>
-      </a:effectRef>
-      <a:fontRef idx="minor"/>
-    </dgm:style>
-  </dgm:styleLbl>
-  <dgm:styleLbl name="solidBgAcc1">
-    <dgm:scene3d>
-      <a:camera prst="orthographicFront"/>
-      <a:lightRig rig="threePt" dir="t"/>
-    </dgm:scene3d>
-    <dgm:sp3d/>
-    <dgm:txPr/>
-    <dgm:style>
-      <a:lnRef idx="2">
-        <a:scrgbClr r="0" g="0" b="0"/>
-      </a:lnRef>
-      <a:fillRef idx="1">
-        <a:scrgbClr r="0" g="0" b="0"/>
-      </a:fillRef>
-      <a:effectRef idx="0">
-        <a:scrgbClr r="0" g="0" b="0"/>
-      </a:effectRef>
-      <a:fontRef idx="minor"/>
-    </dgm:style>
-  </dgm:styleLbl>
-  <dgm:styleLbl name="fgAccFollowNode1">
-    <dgm:scene3d>
-      <a:camera prst="orthographicFront"/>
-      <a:lightRig rig="threePt" dir="t"/>
-    </dgm:scene3d>
-    <dgm:sp3d/>
-    <dgm:txPr/>
-    <dgm:style>
-      <a:lnRef idx="2">
-        <a:scrgbClr r="0" g="0" b="0"/>
-      </a:lnRef>
-      <a:fillRef idx="1">
-        <a:scrgbClr r="0" g="0" b="0"/>
-      </a:fillRef>
-      <a:effectRef idx="0">
-        <a:scrgbClr r="0" g="0" b="0"/>
-      </a:effectRef>
-      <a:fontRef idx="minor"/>
-    </dgm:style>
-  </dgm:styleLbl>
-  <dgm:styleLbl name="alignAccFollowNode1">
-    <dgm:scene3d>
-      <a:camera prst="orthographicFront"/>
-      <a:lightRig rig="threePt" dir="t"/>
-    </dgm:scene3d>
-    <dgm:sp3d/>
-    <dgm:txPr/>
-    <dgm:style>
-      <a:lnRef idx="2">
-        <a:scrgbClr r="0" g="0" b="0"/>
-      </a:lnRef>
-      <a:fillRef idx="1">
-        <a:scrgbClr r="0" g="0" b="0"/>
-      </a:fillRef>
-      <a:effectRef idx="0">
-        <a:scrgbClr r="0" g="0" b="0"/>
-      </a:effectRef>
-      <a:fontRef idx="minor"/>
-    </dgm:style>
-  </dgm:styleLbl>
-  <dgm:styleLbl name="bgAccFollowNode1">
-    <dgm:scene3d>
-      <a:camera prst="orthographicFront"/>
-      <a:lightRig rig="threePt" dir="t"/>
-    </dgm:scene3d>
-    <dgm:sp3d/>
-    <dgm:txPr/>
-    <dgm:style>
-      <a:lnRef idx="2">
-        <a:scrgbClr r="0" g="0" b="0"/>
-      </a:lnRef>
-      <a:fillRef idx="1">
-        <a:scrgbClr r="0" g="0" b="0"/>
-      </a:fillRef>
-      <a:effectRef idx="0">
-        <a:scrgbClr r="0" g="0" b="0"/>
-      </a:effectRef>
-      <a:fontRef idx="minor"/>
-    </dgm:style>
-  </dgm:styleLbl>
-  <dgm:styleLbl name="fgAcc0">
-    <dgm:scene3d>
-      <a:camera prst="orthographicFront"/>
-      <a:lightRig rig="threePt" dir="t"/>
-    </dgm:scene3d>
-    <dgm:sp3d/>
-    <dgm:txPr/>
-    <dgm:style>
-      <a:lnRef idx="2">
-        <a:scrgbClr r="0" g="0" b="0"/>
-      </a:lnRef>
-      <a:fillRef idx="1">
-        <a:scrgbClr r="0" g="0" b="0"/>
-      </a:fillRef>
-      <a:effectRef idx="0">
-        <a:scrgbClr r="0" g="0" b="0"/>
-      </a:effectRef>
-      <a:fontRef idx="minor"/>
-    </dgm:style>
-  </dgm:styleLbl>
-  <dgm:styleLbl name="fgAcc2">
-    <dgm:scene3d>
-      <a:camera prst="orthographicFront"/>
-      <a:lightRig rig="threePt" dir="t"/>
-    </dgm:scene3d>
-    <dgm:sp3d/>
-    <dgm:txPr/>
-    <dgm:style>
-      <a:lnRef idx="2">
-        <a:scrgbClr r="0" g="0" b="0"/>
-      </a:lnRef>
-      <a:fillRef idx="1">
-        <a:scrgbClr r="0" g="0" b="0"/>
-      </a:fillRef>
-      <a:effectRef idx="0">
-        <a:scrgbClr r="0" g="0" b="0"/>
-      </a:effectRef>
-      <a:fontRef idx="minor"/>
-    </dgm:style>
-  </dgm:styleLbl>
-  <dgm:styleLbl name="fgAcc3">
-    <dgm:scene3d>
-      <a:camera prst="orthographicFront"/>
-      <a:lightRig rig="threePt" dir="t"/>
-    </dgm:scene3d>
-    <dgm:sp3d/>
-    <dgm:txPr/>
-    <dgm:style>
-      <a:lnRef idx="2">
-        <a:scrgbClr r="0" g="0" b="0"/>
-      </a:lnRef>
-      <a:fillRef idx="1">
-        <a:scrgbClr r="0" g="0" b="0"/>
-      </a:fillRef>
-      <a:effectRef idx="0">
-        <a:scrgbClr r="0" g="0" b="0"/>
-      </a:effectRef>
-      <a:fontRef idx="minor"/>
-    </dgm:style>
-  </dgm:styleLbl>
-  <dgm:styleLbl name="fgAcc4">
-    <dgm:scene3d>
-      <a:camera prst="orthographicFront"/>
-      <a:lightRig rig="threePt" dir="t"/>
-    </dgm:scene3d>
-    <dgm:sp3d/>
-    <dgm:txPr/>
-    <dgm:style>
-      <a:lnRef idx="2">
-        <a:scrgbClr r="0" g="0" b="0"/>
-      </a:lnRef>
-      <a:fillRef idx="1">
-        <a:scrgbClr r="0" g="0" b="0"/>
-      </a:fillRef>
-      <a:effectRef idx="0">
-        <a:scrgbClr r="0" g="0" b="0"/>
-      </a:effectRef>
-      <a:fontRef idx="minor"/>
-    </dgm:style>
-  </dgm:styleLbl>
-  <dgm:styleLbl name="bgShp">
-    <dgm:scene3d>
-      <a:camera prst="orthographicFront"/>
-      <a:lightRig rig="threePt" dir="t"/>
-    </dgm:scene3d>
-    <dgm:sp3d/>
-    <dgm:txPr/>
-    <dgm:style>
-      <a:lnRef idx="0">
-        <a:scrgbClr r="0" g="0" b="0"/>
-      </a:lnRef>
-      <a:fillRef idx="1">
-        <a:scrgbClr r="0" g="0" b="0"/>
-      </a:fillRef>
-      <a:effectRef idx="0">
-        <a:scrgbClr r="0" g="0" b="0"/>
-      </a:effectRef>
-      <a:fontRef idx="minor"/>
-    </dgm:style>
-  </dgm:styleLbl>
-  <dgm:styleLbl name="dkBgShp">
-    <dgm:scene3d>
-      <a:camera prst="orthographicFront"/>
-      <a:lightRig rig="threePt" dir="t"/>
-    </dgm:scene3d>
-    <dgm:sp3d/>
-    <dgm:txPr/>
-    <dgm:style>
-      <a:lnRef idx="0">
-        <a:scrgbClr r="0" g="0" b="0"/>
-      </a:lnRef>
-      <a:fillRef idx="1">
-        <a:scrgbClr r="0" g="0" b="0"/>
-      </a:fillRef>
-      <a:effectRef idx="0">
-        <a:scrgbClr r="0" g="0" b="0"/>
-      </a:effectRef>
-      <a:fontRef idx="minor"/>
-    </dgm:style>
-  </dgm:styleLbl>
-  <dgm:styleLbl name="trBgShp">
-    <dgm:scene3d>
-      <a:camera prst="orthographicFront"/>
-      <a:lightRig rig="threePt" dir="t"/>
-    </dgm:scene3d>
-    <dgm:sp3d/>
-    <dgm:txPr/>
-    <dgm:style>
-      <a:lnRef idx="0">
-        <a:scrgbClr r="0" g="0" b="0"/>
-      </a:lnRef>
-      <a:fillRef idx="1">
-        <a:scrgbClr r="0" g="0" b="0"/>
-      </a:fillRef>
-      <a:effectRef idx="0">
-        <a:scrgbClr r="0" g="0" b="0"/>
-      </a:effectRef>
-      <a:fontRef idx="minor"/>
-    </dgm:style>
-  </dgm:styleLbl>
-  <dgm:styleLbl name="fgShp">
-    <dgm:scene3d>
-      <a:camera prst="orthographicFront"/>
-      <a:lightRig rig="threePt" dir="t"/>
-    </dgm:scene3d>
-    <dgm:sp3d/>
-    <dgm:txPr/>
-    <dgm:style>
-      <a:lnRef idx="2">
-        <a:scrgbClr r="0" g="0" b="0"/>
-      </a:lnRef>
-      <a:fillRef idx="1">
-        <a:scrgbClr r="0" g="0" b="0"/>
-      </a:fillRef>
-      <a:effectRef idx="0">
-        <a:scrgbClr r="0" g="0" b="0"/>
-      </a:effectRef>
-      <a:fontRef idx="minor"/>
-    </dgm:style>
-  </dgm:styleLbl>
-  <dgm:styleLbl name="revTx">
-    <dgm:scene3d>
-      <a:camera prst="orthographicFront"/>
-      <a:lightRig rig="threePt" dir="t"/>
-    </dgm:scene3d>
-    <dgm:sp3d/>
-    <dgm:txPr/>
-    <dgm:style>
-      <a:lnRef idx="0">
-        <a:scrgbClr r="0" g="0" b="0"/>
-      </a:lnRef>
-      <a:fillRef idx="0">
-        <a:scrgbClr r="0" g="0" b="0"/>
-      </a:fillRef>
-      <a:effectRef idx="0">
-        <a:scrgbClr r="0" g="0" b="0"/>
-      </a:effectRef>
-      <a:fontRef idx="minor"/>
-    </dgm:style>
-  </dgm:styleLbl>
-</dgm:styleDef>
-</file>
-
-<file path=ppt/diagrams/quickStyle4.xml><?xml version="1.0" encoding="utf-8"?>
-<dgm:styleDef xmlns:dgm="http://schemas.openxmlformats.org/drawingml/2006/diagram" xmlns:a="http://schemas.openxmlformats.org/drawingml/2006/main" uniqueId="urn:microsoft.com/office/officeart/2005/8/quickstyle/simple1">
-  <dgm:title val=""/>
-  <dgm:desc val=""/>
-  <dgm:catLst>
-    <dgm:cat type="simple" pri="10100"/>
-  </dgm:catLst>
-  <dgm:scene3d>
-    <a:camera prst="orthographicFront"/>
-    <a:lightRig rig="threePt" dir="t"/>
-  </dgm:scene3d>
-  <dgm:styleLbl name="node0">
-    <dgm:scene3d>
-      <a:camera prst="orthographicFront"/>
-      <a:lightRig rig="threePt" dir="t"/>
-    </dgm:scene3d>
-    <dgm:sp3d/>
-    <dgm:txPr/>
-    <dgm:style>
-      <a:lnRef idx="2">
-        <a:scrgbClr r="0" g="0" b="0"/>
-      </a:lnRef>
-      <a:fillRef idx="1">
-        <a:scrgbClr r="0" g="0" b="0"/>
-      </a:fillRef>
-      <a:effectRef idx="0">
-        <a:scrgbClr r="0" g="0" b="0"/>
-      </a:effectRef>
-      <a:fontRef idx="minor">
-        <a:schemeClr val="lt1"/>
-      </a:fontRef>
-    </dgm:style>
-  </dgm:styleLbl>
-  <dgm:styleLbl name="lnNode1">
-    <dgm:scene3d>
-      <a:camera prst="orthographicFront"/>
-      <a:lightRig rig="threePt" dir="t"/>
-    </dgm:scene3d>
-    <dgm:sp3d/>
-    <dgm:txPr/>
-    <dgm:style>
-      <a:lnRef idx="2">
-        <a:scrgbClr r="0" g="0" b="0"/>
-      </a:lnRef>
-      <a:fillRef idx="1">
-        <a:scrgbClr r="0" g="0" b="0"/>
-      </a:fillRef>
-      <a:effectRef idx="0">
-        <a:scrgbClr r="0" g="0" b="0"/>
-      </a:effectRef>
-      <a:fontRef idx="minor">
-        <a:schemeClr val="lt1"/>
-      </a:fontRef>
-    </dgm:style>
-  </dgm:styleLbl>
-  <dgm:styleLbl name="vennNode1">
-    <dgm:scene3d>
-      <a:camera prst="orthographicFront"/>
-      <a:lightRig rig="threePt" dir="t"/>
-    </dgm:scene3d>
-    <dgm:sp3d/>
-    <dgm:txPr/>
-    <dgm:style>
-      <a:lnRef idx="2">
-        <a:scrgbClr r="0" g="0" b="0"/>
-      </a:lnRef>
-      <a:fillRef idx="1">
-        <a:scrgbClr r="0" g="0" b="0"/>
-      </a:fillRef>
-      <a:effectRef idx="0">
-        <a:scrgbClr r="0" g="0" b="0"/>
-      </a:effectRef>
-      <a:fontRef idx="minor">
-        <a:schemeClr val="tx1"/>
-      </a:fontRef>
-    </dgm:style>
-  </dgm:styleLbl>
-  <dgm:styleLbl name="alignNode1">
-    <dgm:scene3d>
-      <a:camera prst="orthographicFront"/>
-      <a:lightRig rig="threePt" dir="t"/>
-    </dgm:scene3d>
-    <dgm:sp3d/>
-    <dgm:txPr/>
-    <dgm:style>
-      <a:lnRef idx="2">
-        <a:scrgbClr r="0" g="0" b="0"/>
-      </a:lnRef>
-      <a:fillRef idx="1">
-        <a:scrgbClr r="0" g="0" b="0"/>
-      </a:fillRef>
-      <a:effectRef idx="0">
-        <a:scrgbClr r="0" g="0" b="0"/>
-      </a:effectRef>
-      <a:fontRef idx="minor">
-        <a:schemeClr val="lt1"/>
-      </a:fontRef>
-    </dgm:style>
-  </dgm:styleLbl>
-  <dgm:styleLbl name="node1">
-    <dgm:scene3d>
-      <a:camera prst="orthographicFront"/>
-      <a:lightRig rig="threePt" dir="t"/>
-    </dgm:scene3d>
-    <dgm:sp3d/>
-    <dgm:txPr/>
-    <dgm:style>
-      <a:lnRef idx="2">
-        <a:scrgbClr r="0" g="0" b="0"/>
-      </a:lnRef>
-      <a:fillRef idx="1">
-        <a:scrgbClr r="0" g="0" b="0"/>
-      </a:fillRef>
-      <a:effectRef idx="0">
-        <a:scrgbClr r="0" g="0" b="0"/>
-      </a:effectRef>
-      <a:fontRef idx="minor">
-        <a:schemeClr val="lt1"/>
-      </a:fontRef>
-    </dgm:style>
-  </dgm:styleLbl>
-  <dgm:styleLbl name="node2">
-    <dgm:scene3d>
-      <a:camera prst="orthographicFront"/>
-      <a:lightRig rig="threePt" dir="t"/>
-    </dgm:scene3d>
-    <dgm:sp3d/>
-    <dgm:txPr/>
-    <dgm:style>
-      <a:lnRef idx="2">
-        <a:scrgbClr r="0" g="0" b="0"/>
-      </a:lnRef>
-      <a:fillRef idx="1">
-        <a:scrgbClr r="0" g="0" b="0"/>
-      </a:fillRef>
-      <a:effectRef idx="0">
-        <a:scrgbClr r="0" g="0" b="0"/>
-      </a:effectRef>
-      <a:fontRef idx="minor">
-        <a:schemeClr val="lt1"/>
-      </a:fontRef>
-    </dgm:style>
-  </dgm:styleLbl>
-  <dgm:styleLbl name="node3">
-    <dgm:scene3d>
-      <a:camera prst="orthographicFront"/>
-      <a:lightRig rig="threePt" dir="t"/>
-    </dgm:scene3d>
-    <dgm:sp3d/>
-    <dgm:txPr/>
-    <dgm:style>
-      <a:lnRef idx="2">
-        <a:scrgbClr r="0" g="0" b="0"/>
-      </a:lnRef>
-      <a:fillRef idx="1">
-        <a:scrgbClr r="0" g="0" b="0"/>
-      </a:fillRef>
-      <a:effectRef idx="0">
-        <a:scrgbClr r="0" g="0" b="0"/>
-      </a:effectRef>
-      <a:fontRef idx="minor">
-        <a:schemeClr val="lt1"/>
-      </a:fontRef>
-    </dgm:style>
-  </dgm:styleLbl>
-  <dgm:styleLbl name="node4">
-    <dgm:scene3d>
-      <a:camera prst="orthographicFront"/>
-      <a:lightRig rig="threePt" dir="t"/>
-    </dgm:scene3d>
-    <dgm:sp3d/>
-    <dgm:txPr/>
-    <dgm:style>
-      <a:lnRef idx="2">
-        <a:scrgbClr r="0" g="0" b="0"/>
-      </a:lnRef>
-      <a:fillRef idx="1">
-        <a:scrgbClr r="0" g="0" b="0"/>
-      </a:fillRef>
-      <a:effectRef idx="0">
-        <a:scrgbClr r="0" g="0" b="0"/>
-      </a:effectRef>
-      <a:fontRef idx="minor">
-        <a:schemeClr val="lt1"/>
-      </a:fontRef>
-    </dgm:style>
-  </dgm:styleLbl>
-  <dgm:styleLbl name="fgImgPlace1">
-    <dgm:scene3d>
-      <a:camera prst="orthographicFront"/>
-      <a:lightRig rig="threePt" dir="t"/>
-    </dgm:scene3d>
-    <dgm:sp3d/>
-    <dgm:txPr/>
-    <dgm:style>
-      <a:lnRef idx="2">
-        <a:scrgbClr r="0" g="0" b="0"/>
-      </a:lnRef>
-      <a:fillRef idx="1">
-        <a:scrgbClr r="0" g="0" b="0"/>
-      </a:fillRef>
-      <a:effectRef idx="0">
-        <a:scrgbClr r="0" g="0" b="0"/>
-      </a:effectRef>
-      <a:fontRef idx="minor"/>
-    </dgm:style>
-  </dgm:styleLbl>
-  <dgm:styleLbl name="alignImgPlace1">
-    <dgm:scene3d>
-      <a:camera prst="orthographicFront"/>
-      <a:lightRig rig="threePt" dir="t"/>
-    </dgm:scene3d>
-    <dgm:sp3d/>
-    <dgm:txPr/>
-    <dgm:style>
-      <a:lnRef idx="2">
-        <a:scrgbClr r="0" g="0" b="0"/>
-      </a:lnRef>
-      <a:fillRef idx="1">
-        <a:scrgbClr r="0" g="0" b="0"/>
-      </a:fillRef>
-      <a:effectRef idx="0">
-        <a:scrgbClr r="0" g="0" b="0"/>
-      </a:effectRef>
-      <a:fontRef idx="minor"/>
-    </dgm:style>
-  </dgm:styleLbl>
-  <dgm:styleLbl name="bgImgPlace1">
-    <dgm:scene3d>
-      <a:camera prst="orthographicFront"/>
-      <a:lightRig rig="threePt" dir="t"/>
-    </dgm:scene3d>
-    <dgm:sp3d/>
-    <dgm:txPr/>
-    <dgm:style>
-      <a:lnRef idx="2">
-        <a:scrgbClr r="0" g="0" b="0"/>
-      </a:lnRef>
-      <a:fillRef idx="1">
-        <a:scrgbClr r="0" g="0" b="0"/>
-      </a:fillRef>
-      <a:effectRef idx="0">
-        <a:scrgbClr r="0" g="0" b="0"/>
-      </a:effectRef>
-      <a:fontRef idx="minor"/>
-    </dgm:style>
-  </dgm:styleLbl>
-  <dgm:styleLbl name="sibTrans2D1">
-    <dgm:scene3d>
-      <a:camera prst="orthographicFront"/>
-      <a:lightRig rig="threePt" dir="t"/>
-    </dgm:scene3d>
-    <dgm:sp3d/>
-    <dgm:txPr/>
-    <dgm:style>
-      <a:lnRef idx="0">
-        <a:scrgbClr r="0" g="0" b="0"/>
-      </a:lnRef>
-      <a:fillRef idx="1">
-        <a:scrgbClr r="0" g="0" b="0"/>
-      </a:fillRef>
-      <a:effectRef idx="0">
-        <a:scrgbClr r="0" g="0" b="0"/>
-      </a:effectRef>
-      <a:fontRef idx="minor">
-        <a:schemeClr val="lt1"/>
-      </a:fontRef>
-    </dgm:style>
-  </dgm:styleLbl>
-  <dgm:styleLbl name="fgSibTrans2D1">
-    <dgm:scene3d>
-      <a:camera prst="orthographicFront"/>
-      <a:lightRig rig="threePt" dir="t"/>
-    </dgm:scene3d>
-    <dgm:sp3d/>
-    <dgm:txPr/>
-    <dgm:style>
-      <a:lnRef idx="0">
-        <a:scrgbClr r="0" g="0" b="0"/>
-      </a:lnRef>
-      <a:fillRef idx="1">
-        <a:scrgbClr r="0" g="0" b="0"/>
-      </a:fillRef>
-      <a:effectRef idx="0">
-        <a:scrgbClr r="0" g="0" b="0"/>
-      </a:effectRef>
-      <a:fontRef idx="minor">
-        <a:schemeClr val="lt1"/>
-      </a:fontRef>
-    </dgm:style>
-  </dgm:styleLbl>
-  <dgm:styleLbl name="bgSibTrans2D1">
-    <dgm:scene3d>
-      <a:camera prst="orthographicFront"/>
-      <a:lightRig rig="threePt" dir="t"/>
-    </dgm:scene3d>
-    <dgm:sp3d/>
-    <dgm:txPr/>
-    <dgm:style>
-      <a:lnRef idx="0">
-        <a:scrgbClr r="0" g="0" b="0"/>
-      </a:lnRef>
-      <a:fillRef idx="1">
-        <a:scrgbClr r="0" g="0" b="0"/>
-      </a:fillRef>
-      <a:effectRef idx="0">
-        <a:scrgbClr r="0" g="0" b="0"/>
-      </a:effectRef>
-      <a:fontRef idx="minor">
-        <a:schemeClr val="lt1"/>
-      </a:fontRef>
-    </dgm:style>
-  </dgm:styleLbl>
-  <dgm:styleLbl name="sibTrans1D1">
-    <dgm:scene3d>
-      <a:camera prst="orthographicFront"/>
-      <a:lightRig rig="threePt" dir="t"/>
-    </dgm:scene3d>
-    <dgm:sp3d/>
-    <dgm:txPr/>
-    <dgm:style>
-      <a:lnRef idx="1">
-        <a:scrgbClr r="0" g="0" b="0"/>
-      </a:lnRef>
-      <a:fillRef idx="0">
-        <a:scrgbClr r="0" g="0" b="0"/>
-      </a:fillRef>
-      <a:effectRef idx="0">
-        <a:scrgbClr r="0" g="0" b="0"/>
-      </a:effectRef>
-      <a:fontRef idx="minor"/>
-    </dgm:style>
-  </dgm:styleLbl>
-  <dgm:styleLbl name="callout">
-    <dgm:scene3d>
-      <a:camera prst="orthographicFront"/>
-      <a:lightRig rig="threePt" dir="t"/>
-    </dgm:scene3d>
-    <dgm:sp3d/>
-    <dgm:txPr/>
-    <dgm:style>
-      <a:lnRef idx="2">
-        <a:scrgbClr r="0" g="0" b="0"/>
-      </a:lnRef>
-      <a:fillRef idx="1">
-        <a:scrgbClr r="0" g="0" b="0"/>
-      </a:fillRef>
-      <a:effectRef idx="0">
-        <a:scrgbClr r="0" g="0" b="0"/>
-      </a:effectRef>
-      <a:fontRef idx="minor"/>
-    </dgm:style>
-  </dgm:styleLbl>
-  <dgm:styleLbl name="asst0">
-    <dgm:scene3d>
-      <a:camera prst="orthographicFront"/>
-      <a:lightRig rig="threePt" dir="t"/>
-    </dgm:scene3d>
-    <dgm:sp3d/>
-    <dgm:txPr/>
-    <dgm:style>
-      <a:lnRef idx="2">
-        <a:scrgbClr r="0" g="0" b="0"/>
-      </a:lnRef>
-      <a:fillRef idx="1">
-        <a:scrgbClr r="0" g="0" b="0"/>
-      </a:fillRef>
-      <a:effectRef idx="0">
-        <a:scrgbClr r="0" g="0" b="0"/>
-      </a:effectRef>
-      <a:fontRef idx="minor">
-        <a:schemeClr val="lt1"/>
-      </a:fontRef>
-    </dgm:style>
-  </dgm:styleLbl>
-  <dgm:styleLbl name="asst1">
-    <dgm:scene3d>
-      <a:camera prst="orthographicFront"/>
-      <a:lightRig rig="threePt" dir="t"/>
-    </dgm:scene3d>
-    <dgm:sp3d/>
-    <dgm:txPr/>
-    <dgm:style>
-      <a:lnRef idx="2">
-        <a:scrgbClr r="0" g="0" b="0"/>
-      </a:lnRef>
-      <a:fillRef idx="1">
-        <a:scrgbClr r="0" g="0" b="0"/>
-      </a:fillRef>
-      <a:effectRef idx="0">
-        <a:scrgbClr r="0" g="0" b="0"/>
-      </a:effectRef>
-      <a:fontRef idx="minor">
-        <a:schemeClr val="lt1"/>
-      </a:fontRef>
-    </dgm:style>
-  </dgm:styleLbl>
-  <dgm:styleLbl name="asst2">
-    <dgm:scene3d>
-      <a:camera prst="orthographicFront"/>
-      <a:lightRig rig="threePt" dir="t"/>
-    </dgm:scene3d>
-    <dgm:sp3d/>
-    <dgm:txPr/>
-    <dgm:style>
-      <a:lnRef idx="2">
-        <a:scrgbClr r="0" g="0" b="0"/>
-      </a:lnRef>
-      <a:fillRef idx="1">
-        <a:scrgbClr r="0" g="0" b="0"/>
-      </a:fillRef>
-      <a:effectRef idx="0">
-        <a:scrgbClr r="0" g="0" b="0"/>
-      </a:effectRef>
-      <a:fontRef idx="minor">
-        <a:schemeClr val="lt1"/>
-      </a:fontRef>
-    </dgm:style>
-  </dgm:styleLbl>
-  <dgm:styleLbl name="asst3">
-    <dgm:scene3d>
-      <a:camera prst="orthographicFront"/>
-      <a:lightRig rig="threePt" dir="t"/>
-    </dgm:scene3d>
-    <dgm:sp3d/>
-    <dgm:txPr/>
-    <dgm:style>
-      <a:lnRef idx="2">
-        <a:scrgbClr r="0" g="0" b="0"/>
-      </a:lnRef>
-      <a:fillRef idx="1">
-        <a:scrgbClr r="0" g="0" b="0"/>
-      </a:fillRef>
-      <a:effectRef idx="0">
-        <a:scrgbClr r="0" g="0" b="0"/>
-      </a:effectRef>
-      <a:fontRef idx="minor">
-        <a:schemeClr val="lt1"/>
-      </a:fontRef>
-    </dgm:style>
-  </dgm:styleLbl>
-  <dgm:styleLbl name="asst4">
-    <dgm:scene3d>
-      <a:camera prst="orthographicFront"/>
-      <a:lightRig rig="threePt" dir="t"/>
-    </dgm:scene3d>
-    <dgm:sp3d/>
-    <dgm:txPr/>
-    <dgm:style>
-      <a:lnRef idx="2">
-        <a:scrgbClr r="0" g="0" b="0"/>
-      </a:lnRef>
-      <a:fillRef idx="1">
-        <a:scrgbClr r="0" g="0" b="0"/>
-      </a:fillRef>
-      <a:effectRef idx="0">
-        <a:scrgbClr r="0" g="0" b="0"/>
-      </a:effectRef>
-      <a:fontRef idx="minor">
-        <a:schemeClr val="lt1"/>
-      </a:fontRef>
-    </dgm:style>
-  </dgm:styleLbl>
-  <dgm:styleLbl name="parChTrans2D1">
-    <dgm:scene3d>
-      <a:camera prst="orthographicFront"/>
-      <a:lightRig rig="threePt" dir="t"/>
-    </dgm:scene3d>
-    <dgm:sp3d/>
-    <dgm:txPr/>
-    <dgm:style>
-      <a:lnRef idx="2">
-        <a:scrgbClr r="0" g="0" b="0"/>
-      </a:lnRef>
-      <a:fillRef idx="1">
-        <a:scrgbClr r="0" g="0" b="0"/>
-      </a:fillRef>
-      <a:effectRef idx="0">
-        <a:scrgbClr r="0" g="0" b="0"/>
-      </a:effectRef>
-      <a:fontRef idx="minor">
-        <a:schemeClr val="lt1"/>
-      </a:fontRef>
-    </dgm:style>
-  </dgm:styleLbl>
-  <dgm:styleLbl name="parChTrans2D2">
-    <dgm:scene3d>
-      <a:camera prst="orthographicFront"/>
-      <a:lightRig rig="threePt" dir="t"/>
-    </dgm:scene3d>
-    <dgm:sp3d/>
-    <dgm:txPr/>
-    <dgm:style>
-      <a:lnRef idx="2">
-        <a:scrgbClr r="0" g="0" b="0"/>
-      </a:lnRef>
-      <a:fillRef idx="1">
-        <a:scrgbClr r="0" g="0" b="0"/>
-      </a:fillRef>
-      <a:effectRef idx="0">
-        <a:scrgbClr r="0" g="0" b="0"/>
-      </a:effectRef>
-      <a:fontRef idx="minor">
-        <a:schemeClr val="lt1"/>
-      </a:fontRef>
-    </dgm:style>
-  </dgm:styleLbl>
-  <dgm:styleLbl name="parChTrans2D3">
-    <dgm:scene3d>
-      <a:camera prst="orthographicFront"/>
-      <a:lightRig rig="threePt" dir="t"/>
-    </dgm:scene3d>
-    <dgm:sp3d/>
-    <dgm:txPr/>
-    <dgm:style>
-      <a:lnRef idx="2">
-        <a:scrgbClr r="0" g="0" b="0"/>
-      </a:lnRef>
-      <a:fillRef idx="1">
-        <a:scrgbClr r="0" g="0" b="0"/>
-      </a:fillRef>
-      <a:effectRef idx="0">
-        <a:scrgbClr r="0" g="0" b="0"/>
-      </a:effectRef>
-      <a:fontRef idx="minor">
-        <a:schemeClr val="lt1"/>
-      </a:fontRef>
-    </dgm:style>
-  </dgm:styleLbl>
-  <dgm:styleLbl name="parChTrans2D4">
-    <dgm:scene3d>
-      <a:camera prst="orthographicFront"/>
-      <a:lightRig rig="threePt" dir="t"/>
-    </dgm:scene3d>
-    <dgm:sp3d/>
-    <dgm:txPr/>
-    <dgm:style>
-      <a:lnRef idx="2">
-        <a:scrgbClr r="0" g="0" b="0"/>
-      </a:lnRef>
-      <a:fillRef idx="1">
-        <a:scrgbClr r="0" g="0" b="0"/>
-      </a:fillRef>
-      <a:effectRef idx="0">
-        <a:scrgbClr r="0" g="0" b="0"/>
-      </a:effectRef>
-      <a:fontRef idx="minor">
-        <a:schemeClr val="lt1"/>
-      </a:fontRef>
-    </dgm:style>
-  </dgm:styleLbl>
-  <dgm:styleLbl name="parChTrans1D1">
-    <dgm:scene3d>
-      <a:camera prst="orthographicFront"/>
-      <a:lightRig rig="threePt" dir="t"/>
-    </dgm:scene3d>
-    <dgm:sp3d/>
-    <dgm:txPr/>
-    <dgm:style>
-      <a:lnRef idx="2">
-        <a:scrgbClr r="0" g="0" b="0"/>
-      </a:lnRef>
-      <a:fillRef idx="0">
-        <a:scrgbClr r="0" g="0" b="0"/>
-      </a:fillRef>
-      <a:effectRef idx="0">
-        <a:scrgbClr r="0" g="0" b="0"/>
-      </a:effectRef>
-      <a:fontRef idx="minor"/>
-    </dgm:style>
-  </dgm:styleLbl>
-  <dgm:styleLbl name="parChTrans1D2">
-    <dgm:scene3d>
-      <a:camera prst="orthographicFront"/>
-      <a:lightRig rig="threePt" dir="t"/>
-    </dgm:scene3d>
-    <dgm:sp3d/>
-    <dgm:txPr/>
-    <dgm:style>
-      <a:lnRef idx="2">
-        <a:scrgbClr r="0" g="0" b="0"/>
-      </a:lnRef>
-      <a:fillRef idx="0">
-        <a:scrgbClr r="0" g="0" b="0"/>
-      </a:fillRef>
-      <a:effectRef idx="0">
-        <a:scrgbClr r="0" g="0" b="0"/>
-      </a:effectRef>
-      <a:fontRef idx="minor"/>
-    </dgm:style>
-  </dgm:styleLbl>
-  <dgm:styleLbl name="parChTrans1D3">
-    <dgm:scene3d>
-      <a:camera prst="orthographicFront"/>
-      <a:lightRig rig="threePt" dir="t"/>
-    </dgm:scene3d>
-    <dgm:sp3d/>
-    <dgm:txPr/>
-    <dgm:style>
-      <a:lnRef idx="2">
-        <a:scrgbClr r="0" g="0" b="0"/>
-      </a:lnRef>
-      <a:fillRef idx="0">
-        <a:scrgbClr r="0" g="0" b="0"/>
-      </a:fillRef>
-      <a:effectRef idx="0">
-        <a:scrgbClr r="0" g="0" b="0"/>
-      </a:effectRef>
-      <a:fontRef idx="minor"/>
-    </dgm:style>
-  </dgm:styleLbl>
-  <dgm:styleLbl name="parChTrans1D4">
-    <dgm:scene3d>
-      <a:camera prst="orthographicFront"/>
-      <a:lightRig rig="threePt" dir="t"/>
-    </dgm:scene3d>
-    <dgm:sp3d/>
-    <dgm:txPr/>
-    <dgm:style>
-      <a:lnRef idx="2">
-        <a:scrgbClr r="0" g="0" b="0"/>
-      </a:lnRef>
-      <a:fillRef idx="0">
-        <a:scrgbClr r="0" g="0" b="0"/>
-      </a:fillRef>
-      <a:effectRef idx="0">
-        <a:scrgbClr r="0" g="0" b="0"/>
-      </a:effectRef>
-      <a:fontRef idx="minor"/>
-    </dgm:style>
-  </dgm:styleLbl>
-  <dgm:styleLbl name="fgAcc1">
-    <dgm:scene3d>
-      <a:camera prst="orthographicFront"/>
-      <a:lightRig rig="threePt" dir="t"/>
-    </dgm:scene3d>
-    <dgm:sp3d/>
-    <dgm:txPr/>
-    <dgm:style>
-      <a:lnRef idx="2">
-        <a:scrgbClr r="0" g="0" b="0"/>
-      </a:lnRef>
-      <a:fillRef idx="1">
-        <a:scrgbClr r="0" g="0" b="0"/>
-      </a:fillRef>
-      <a:effectRef idx="0">
-        <a:scrgbClr r="0" g="0" b="0"/>
-      </a:effectRef>
-      <a:fontRef idx="minor"/>
-    </dgm:style>
-  </dgm:styleLbl>
-  <dgm:styleLbl name="conFgAcc1">
-    <dgm:scene3d>
-      <a:camera prst="orthographicFront"/>
-      <a:lightRig rig="threePt" dir="t"/>
-    </dgm:scene3d>
-    <dgm:sp3d/>
-    <dgm:txPr/>
-    <dgm:style>
-      <a:lnRef idx="2">
-        <a:scrgbClr r="0" g="0" b="0"/>
-      </a:lnRef>
-      <a:fillRef idx="1">
-        <a:scrgbClr r="0" g="0" b="0"/>
-      </a:fillRef>
-      <a:effectRef idx="0">
-        <a:scrgbClr r="0" g="0" b="0"/>
-      </a:effectRef>
-      <a:fontRef idx="minor"/>
-    </dgm:style>
-  </dgm:styleLbl>
-  <dgm:styleLbl name="alignAcc1">
-    <dgm:scene3d>
-      <a:camera prst="orthographicFront"/>
-      <a:lightRig rig="threePt" dir="t"/>
-    </dgm:scene3d>
-    <dgm:sp3d/>
-    <dgm:txPr/>
-    <dgm:style>
-      <a:lnRef idx="2">
-        <a:scrgbClr r="0" g="0" b="0"/>
-      </a:lnRef>
-      <a:fillRef idx="1">
-        <a:scrgbClr r="0" g="0" b="0"/>
-      </a:fillRef>
-      <a:effectRef idx="0">
-        <a:scrgbClr r="0" g="0" b="0"/>
-      </a:effectRef>
-      <a:fontRef idx="minor"/>
-    </dgm:style>
-  </dgm:styleLbl>
-  <dgm:styleLbl name="trAlignAcc1">
-    <dgm:scene3d>
-      <a:camera prst="orthographicFront"/>
-      <a:lightRig rig="threePt" dir="t"/>
-    </dgm:scene3d>
-    <dgm:sp3d/>
-    <dgm:txPr/>
-    <dgm:style>
-      <a:lnRef idx="1">
-        <a:scrgbClr r="0" g="0" b="0"/>
-      </a:lnRef>
-      <a:fillRef idx="1">
-        <a:scrgbClr r="0" g="0" b="0"/>
-      </a:fillRef>
-      <a:effectRef idx="0">
-        <a:scrgbClr r="0" g="0" b="0"/>
-      </a:effectRef>
-      <a:fontRef idx="minor"/>
-    </dgm:style>
-  </dgm:styleLbl>
-  <dgm:styleLbl name="bgAcc1">
-    <dgm:scene3d>
-      <a:camera prst="orthographicFront"/>
-      <a:lightRig rig="threePt" dir="t"/>
-    </dgm:scene3d>
-    <dgm:sp3d/>
-    <dgm:txPr/>
-    <dgm:style>
-      <a:lnRef idx="2">
-        <a:scrgbClr r="0" g="0" b="0"/>
-      </a:lnRef>
-      <a:fillRef idx="1">
-        <a:scrgbClr r="0" g="0" b="0"/>
-      </a:fillRef>
-      <a:effectRef idx="0">
-        <a:scrgbClr r="0" g="0" b="0"/>
-      </a:effectRef>
-      <a:fontRef idx="minor"/>
-    </dgm:style>
-  </dgm:styleLbl>
-  <dgm:styleLbl name="solidFgAcc1">
-    <dgm:scene3d>
-      <a:camera prst="orthographicFront"/>
-      <a:lightRig rig="threePt" dir="t"/>
-    </dgm:scene3d>
-    <dgm:sp3d/>
-    <dgm:txPr/>
-    <dgm:style>
-      <a:lnRef idx="2">
-        <a:scrgbClr r="0" g="0" b="0"/>
-      </a:lnRef>
-      <a:fillRef idx="1">
-        <a:scrgbClr r="0" g="0" b="0"/>
-      </a:fillRef>
-      <a:effectRef idx="0">
-        <a:scrgbClr r="0" g="0" b="0"/>
-      </a:effectRef>
-      <a:fontRef idx="minor"/>
-    </dgm:style>
-  </dgm:styleLbl>
-  <dgm:styleLbl name="solidAlignAcc1">
-    <dgm:scene3d>
-      <a:camera prst="orthographicFront"/>
-      <a:lightRig rig="threePt" dir="t"/>
-    </dgm:scene3d>
-    <dgm:sp3d/>
-    <dgm:txPr/>
-    <dgm:style>
-      <a:lnRef idx="2">
-        <a:scrgbClr r="0" g="0" b="0"/>
-      </a:lnRef>
-      <a:fillRef idx="1">
-        <a:scrgbClr r="0" g="0" b="0"/>
-      </a:fillRef>
-      <a:effectRef idx="0">
-        <a:scrgbClr r="0" g="0" b="0"/>
-      </a:effectRef>
-      <a:fontRef idx="minor"/>
-    </dgm:style>
-  </dgm:styleLbl>
-  <dgm:styleLbl name="solidBgAcc1">
-    <dgm:scene3d>
-      <a:camera prst="orthographicFront"/>
-      <a:lightRig rig="threePt" dir="t"/>
-    </dgm:scene3d>
-    <dgm:sp3d/>
-    <dgm:txPr/>
-    <dgm:style>
-      <a:lnRef idx="2">
-        <a:scrgbClr r="0" g="0" b="0"/>
-      </a:lnRef>
-      <a:fillRef idx="1">
-        <a:scrgbClr r="0" g="0" b="0"/>
-      </a:fillRef>
-      <a:effectRef idx="0">
-        <a:scrgbClr r="0" g="0" b="0"/>
-      </a:effectRef>
-      <a:fontRef idx="minor"/>
-    </dgm:style>
-  </dgm:styleLbl>
-  <dgm:styleLbl name="fgAccFollowNode1">
-    <dgm:scene3d>
-      <a:camera prst="orthographicFront"/>
-      <a:lightRig rig="threePt" dir="t"/>
-    </dgm:scene3d>
-    <dgm:sp3d/>
-    <dgm:txPr/>
-    <dgm:style>
-      <a:lnRef idx="2">
-        <a:scrgbClr r="0" g="0" b="0"/>
-      </a:lnRef>
-      <a:fillRef idx="1">
-        <a:scrgbClr r="0" g="0" b="0"/>
-      </a:fillRef>
-      <a:effectRef idx="0">
-        <a:scrgbClr r="0" g="0" b="0"/>
-      </a:effectRef>
-      <a:fontRef idx="minor"/>
-    </dgm:style>
-  </dgm:styleLbl>
-  <dgm:styleLbl name="alignAccFollowNode1">
-    <dgm:scene3d>
-      <a:camera prst="orthographicFront"/>
-      <a:lightRig rig="threePt" dir="t"/>
-    </dgm:scene3d>
-    <dgm:sp3d/>
-    <dgm:txPr/>
-    <dgm:style>
-      <a:lnRef idx="2">
-        <a:scrgbClr r="0" g="0" b="0"/>
-      </a:lnRef>
-      <a:fillRef idx="1">
-        <a:scrgbClr r="0" g="0" b="0"/>
-      </a:fillRef>
-      <a:effectRef idx="0">
-        <a:scrgbClr r="0" g="0" b="0"/>
-      </a:effectRef>
-      <a:fontRef idx="minor"/>
-    </dgm:style>
-  </dgm:styleLbl>
-  <dgm:styleLbl name="bgAccFollowNode1">
-    <dgm:scene3d>
-      <a:camera prst="orthographicFront"/>
-      <a:lightRig rig="threePt" dir="t"/>
-    </dgm:scene3d>
-    <dgm:sp3d/>
-    <dgm:txPr/>
-    <dgm:style>
-      <a:lnRef idx="2">
-        <a:scrgbClr r="0" g="0" b="0"/>
-      </a:lnRef>
-      <a:fillRef idx="1">
-        <a:scrgbClr r="0" g="0" b="0"/>
-      </a:fillRef>
-      <a:effectRef idx="0">
-        <a:scrgbClr r="0" g="0" b="0"/>
-      </a:effectRef>
-      <a:fontRef idx="minor"/>
-    </dgm:style>
-  </dgm:styleLbl>
-  <dgm:styleLbl name="fgAcc0">
-    <dgm:scene3d>
-      <a:camera prst="orthographicFront"/>
-      <a:lightRig rig="threePt" dir="t"/>
-    </dgm:scene3d>
-    <dgm:sp3d/>
-    <dgm:txPr/>
-    <dgm:style>
-      <a:lnRef idx="2">
-        <a:scrgbClr r="0" g="0" b="0"/>
-      </a:lnRef>
-      <a:fillRef idx="1">
-        <a:scrgbClr r="0" g="0" b="0"/>
-      </a:fillRef>
-      <a:effectRef idx="0">
-        <a:scrgbClr r="0" g="0" b="0"/>
-      </a:effectRef>
-      <a:fontRef idx="minor"/>
-    </dgm:style>
-  </dgm:styleLbl>
-  <dgm:styleLbl name="fgAcc2">
-    <dgm:scene3d>
-      <a:camera prst="orthographicFront"/>
-      <a:lightRig rig="threePt" dir="t"/>
-    </dgm:scene3d>
-    <dgm:sp3d/>
-    <dgm:txPr/>
-    <dgm:style>
-      <a:lnRef idx="2">
-        <a:scrgbClr r="0" g="0" b="0"/>
-      </a:lnRef>
-      <a:fillRef idx="1">
-        <a:scrgbClr r="0" g="0" b="0"/>
-      </a:fillRef>
-      <a:effectRef idx="0">
-        <a:scrgbClr r="0" g="0" b="0"/>
-      </a:effectRef>
-      <a:fontRef idx="minor"/>
-    </dgm:style>
-  </dgm:styleLbl>
-  <dgm:styleLbl name="fgAcc3">
-    <dgm:scene3d>
-      <a:camera prst="orthographicFront"/>
-      <a:lightRig rig="threePt" dir="t"/>
-    </dgm:scene3d>
-    <dgm:sp3d/>
-    <dgm:txPr/>
-    <dgm:style>
-      <a:lnRef idx="2">
-        <a:scrgbClr r="0" g="0" b="0"/>
-      </a:lnRef>
-      <a:fillRef idx="1">
-        <a:scrgbClr r="0" g="0" b="0"/>
-      </a:fillRef>
-      <a:effectRef idx="0">
-        <a:scrgbClr r="0" g="0" b="0"/>
-      </a:effectRef>
-      <a:fontRef idx="minor"/>
-    </dgm:style>
-  </dgm:styleLbl>
-  <dgm:styleLbl name="fgAcc4">
-    <dgm:scene3d>
-      <a:camera prst="orthographicFront"/>
-      <a:lightRig rig="threePt" dir="t"/>
-    </dgm:scene3d>
-    <dgm:sp3d/>
-    <dgm:txPr/>
-    <dgm:style>
-      <a:lnRef idx="2">
-        <a:scrgbClr r="0" g="0" b="0"/>
-      </a:lnRef>
-      <a:fillRef idx="1">
-        <a:scrgbClr r="0" g="0" b="0"/>
-      </a:fillRef>
-      <a:effectRef idx="0">
-        <a:scrgbClr r="0" g="0" b="0"/>
-      </a:effectRef>
-      <a:fontRef idx="minor"/>
-    </dgm:style>
-  </dgm:styleLbl>
-  <dgm:styleLbl name="bgShp">
-    <dgm:scene3d>
-      <a:camera prst="orthographicFront"/>
-      <a:lightRig rig="threePt" dir="t"/>
-    </dgm:scene3d>
-    <dgm:sp3d/>
-    <dgm:txPr/>
-    <dgm:style>
-      <a:lnRef idx="0">
-        <a:scrgbClr r="0" g="0" b="0"/>
-      </a:lnRef>
-      <a:fillRef idx="1">
-        <a:scrgbClr r="0" g="0" b="0"/>
-      </a:fillRef>
-      <a:effectRef idx="0">
-        <a:scrgbClr r="0" g="0" b="0"/>
-      </a:effectRef>
-      <a:fontRef idx="minor"/>
-    </dgm:style>
-  </dgm:styleLbl>
-  <dgm:styleLbl name="dkBgShp">
-    <dgm:scene3d>
-      <a:camera prst="orthographicFront"/>
-      <a:lightRig rig="threePt" dir="t"/>
-    </dgm:scene3d>
-    <dgm:sp3d/>
-    <dgm:txPr/>
-    <dgm:style>
-      <a:lnRef idx="0">
-        <a:scrgbClr r="0" g="0" b="0"/>
-      </a:lnRef>
-      <a:fillRef idx="1">
-        <a:scrgbClr r="0" g="0" b="0"/>
-      </a:fillRef>
-      <a:effectRef idx="0">
-        <a:scrgbClr r="0" g="0" b="0"/>
-      </a:effectRef>
-      <a:fontRef idx="minor"/>
-    </dgm:style>
-  </dgm:styleLbl>
-  <dgm:styleLbl name="trBgShp">
-    <dgm:scene3d>
-      <a:camera prst="orthographicFront"/>
-      <a:lightRig rig="threePt" dir="t"/>
-    </dgm:scene3d>
-    <dgm:sp3d/>
-    <dgm:txPr/>
-    <dgm:style>
-      <a:lnRef idx="0">
-        <a:scrgbClr r="0" g="0" b="0"/>
-      </a:lnRef>
-      <a:fillRef idx="1">
-        <a:scrgbClr r="0" g="0" b="0"/>
-      </a:fillRef>
-      <a:effectRef idx="0">
-        <a:scrgbClr r="0" g="0" b="0"/>
-      </a:effectRef>
-      <a:fontRef idx="minor"/>
-    </dgm:style>
-  </dgm:styleLbl>
-  <dgm:styleLbl name="fgShp">
-    <dgm:scene3d>
-      <a:camera prst="orthographicFront"/>
-      <a:lightRig rig="threePt" dir="t"/>
-    </dgm:scene3d>
-    <dgm:sp3d/>
-    <dgm:txPr/>
-    <dgm:style>
-      <a:lnRef idx="2">
-        <a:scrgbClr r="0" g="0" b="0"/>
-      </a:lnRef>
-      <a:fillRef idx="1">
-        <a:scrgbClr r="0" g="0" b="0"/>
-      </a:fillRef>
-      <a:effectRef idx="0">
-        <a:scrgbClr r="0" g="0" b="0"/>
-      </a:effectRef>
-      <a:fontRef idx="minor"/>
-    </dgm:style>
-  </dgm:styleLbl>
-  <dgm:styleLbl name="revTx">
-    <dgm:scene3d>
-      <a:camera prst="orthographicFront"/>
-      <a:lightRig rig="threePt" dir="t"/>
-    </dgm:scene3d>
-    <dgm:sp3d/>
-    <dgm:txPr/>
-    <dgm:style>
-      <a:lnRef idx="0">
-        <a:scrgbClr r="0" g="0" b="0"/>
-      </a:lnRef>
-      <a:fillRef idx="0">
-        <a:scrgbClr r="0" g="0" b="0"/>
-      </a:fillRef>
-      <a:effectRef idx="0">
-        <a:scrgbClr r="0" g="0" b="0"/>
-      </a:effectRef>
-      <a:fontRef idx="minor"/>
-    </dgm:style>
-  </dgm:styleLbl>
-</dgm:styleDef>
-</file>
-
 <file path=ppt/notesMasters/notesMaster1.xml><?xml version="1.0" encoding="utf-8"?>
 <p:notesMaster xmlns:a="http://schemas.openxmlformats.org/drawingml/2006/main" xmlns:r="http://schemas.openxmlformats.org/officeDocument/2006/relationships" xmlns:p="http://schemas.openxmlformats.org/presentationml/2006/main">
   <p:cSld>
@@ -12034,7 +6484,7 @@
           <a:p>
             <a:fld id="{263E0984-9DAD-4E28-8398-D11B1349F3CF}" type="datetimeFigureOut">
               <a:rPr lang="de-DE" smtClean="0"/>
-              <a:t>15.06.2025</a:t>
+              <a:t>16.06.2025</a:t>
             </a:fld>
             <a:endParaRPr lang="de-DE"/>
           </a:p>
@@ -12345,26 +6795,6 @@
           <a:bodyPr/>
           <a:lstStyle/>
           <a:p>
-            <a:r>
-              <a:rPr lang="de-DE" dirty="0" err="1"/>
-              <a:t>pirated</a:t>
-            </a:r>
-            <a:r>
-              <a:rPr lang="de-DE" dirty="0"/>
-              <a:t> </a:t>
-            </a:r>
-            <a:r>
-              <a:rPr lang="de-DE" dirty="0" err="1"/>
-              <a:t>games</a:t>
-            </a:r>
-            <a:r>
-              <a:rPr lang="de-DE" dirty="0"/>
-              <a:t> als </a:t>
-            </a:r>
-            <a:r>
-              <a:rPr lang="de-DE" dirty="0" err="1"/>
-              <a:t>beispiel</a:t>
-            </a:r>
             <a:endParaRPr lang="de-DE" dirty="0"/>
           </a:p>
         </p:txBody>
@@ -12387,90 +6817,6 @@
             <a:fld id="{6D920C39-55EE-42BB-9346-700956B6181D}" type="slidenum">
               <a:rPr lang="de-DE" smtClean="0"/>
               <a:t>4</a:t>
-            </a:fld>
-            <a:endParaRPr lang="de-DE"/>
-          </a:p>
-        </p:txBody>
-      </p:sp>
-    </p:spTree>
-    <p:extLst>
-      <p:ext uri="{BB962C8B-B14F-4D97-AF65-F5344CB8AC3E}">
-        <p14:creationId xmlns:p14="http://schemas.microsoft.com/office/powerpoint/2010/main" val="2525726834"/>
-      </p:ext>
-    </p:extLst>
-  </p:cSld>
-  <p:clrMapOvr>
-    <a:masterClrMapping/>
-  </p:clrMapOvr>
-</p:notes>
-</file>
-
-<file path=ppt/notesSlides/notesSlide2.xml><?xml version="1.0" encoding="utf-8"?>
-<p:notes xmlns:a="http://schemas.openxmlformats.org/drawingml/2006/main" xmlns:r="http://schemas.openxmlformats.org/officeDocument/2006/relationships" xmlns:p="http://schemas.openxmlformats.org/presentationml/2006/main">
-  <p:cSld>
-    <p:spTree>
-      <p:nvGrpSpPr>
-        <p:cNvPr id="1" name=""/>
-        <p:cNvGrpSpPr/>
-        <p:nvPr/>
-      </p:nvGrpSpPr>
-      <p:grpSpPr>
-        <a:xfrm>
-          <a:off x="0" y="0"/>
-          <a:ext cx="0" cy="0"/>
-          <a:chOff x="0" y="0"/>
-          <a:chExt cx="0" cy="0"/>
-        </a:xfrm>
-      </p:grpSpPr>
-      <p:sp>
-        <p:nvSpPr>
-          <p:cNvPr id="2" name="Folienbildplatzhalter 1"/>
-          <p:cNvSpPr>
-            <a:spLocks noGrp="1" noRot="1" noChangeAspect="1"/>
-          </p:cNvSpPr>
-          <p:nvPr>
-            <p:ph type="sldImg"/>
-          </p:nvPr>
-        </p:nvSpPr>
-        <p:spPr/>
-      </p:sp>
-      <p:sp>
-        <p:nvSpPr>
-          <p:cNvPr id="3" name="Notizenplatzhalter 2"/>
-          <p:cNvSpPr>
-            <a:spLocks noGrp="1"/>
-          </p:cNvSpPr>
-          <p:nvPr>
-            <p:ph type="body" idx="1"/>
-          </p:nvPr>
-        </p:nvSpPr>
-        <p:spPr/>
-        <p:txBody>
-          <a:bodyPr/>
-          <a:lstStyle/>
-          <a:p>
-            <a:endParaRPr lang="de-DE" dirty="0"/>
-          </a:p>
-        </p:txBody>
-      </p:sp>
-      <p:sp>
-        <p:nvSpPr>
-          <p:cNvPr id="4" name="Foliennummernplatzhalter 3"/>
-          <p:cNvSpPr>
-            <a:spLocks noGrp="1"/>
-          </p:cNvSpPr>
-          <p:nvPr>
-            <p:ph type="sldNum" sz="quarter" idx="5"/>
-          </p:nvPr>
-        </p:nvSpPr>
-        <p:spPr/>
-        <p:txBody>
-          <a:bodyPr/>
-          <a:lstStyle/>
-          <a:p>
-            <a:fld id="{6D920C39-55EE-42BB-9346-700956B6181D}" type="slidenum">
-              <a:rPr lang="de-DE" smtClean="0"/>
-              <a:t>5</a:t>
             </a:fld>
             <a:endParaRPr lang="de-DE"/>
           </a:p>
@@ -12677,7 +7023,7 @@
           <a:p>
             <a:fld id="{9EDA53E7-2EDE-4965-B6B1-09461EFCD02F}" type="datetimeFigureOut">
               <a:rPr lang="de-DE" smtClean="0"/>
-              <a:t>15.06.2025</a:t>
+              <a:t>16.06.2025</a:t>
             </a:fld>
             <a:endParaRPr lang="de-DE"/>
           </a:p>
@@ -13015,7 +7361,7 @@
           <a:p>
             <a:fld id="{9EDA53E7-2EDE-4965-B6B1-09461EFCD02F}" type="datetimeFigureOut">
               <a:rPr lang="de-DE" smtClean="0"/>
-              <a:t>15.06.2025</a:t>
+              <a:t>16.06.2025</a:t>
             </a:fld>
             <a:endParaRPr lang="de-DE"/>
           </a:p>
@@ -13416,7 +7762,7 @@
           <a:p>
             <a:fld id="{9EDA53E7-2EDE-4965-B6B1-09461EFCD02F}" type="datetimeFigureOut">
               <a:rPr lang="de-DE" smtClean="0"/>
-              <a:t>15.06.2025</a:t>
+              <a:t>16.06.2025</a:t>
             </a:fld>
             <a:endParaRPr lang="de-DE"/>
           </a:p>
@@ -13752,7 +8098,7 @@
           <a:p>
             <a:fld id="{9EDA53E7-2EDE-4965-B6B1-09461EFCD02F}" type="datetimeFigureOut">
               <a:rPr lang="de-DE" smtClean="0"/>
-              <a:t>15.06.2025</a:t>
+              <a:t>16.06.2025</a:t>
             </a:fld>
             <a:endParaRPr lang="de-DE"/>
           </a:p>
@@ -14072,7 +8418,7 @@
           <a:p>
             <a:fld id="{9EDA53E7-2EDE-4965-B6B1-09461EFCD02F}" type="datetimeFigureOut">
               <a:rPr lang="de-DE" smtClean="0"/>
-              <a:t>15.06.2025</a:t>
+              <a:t>16.06.2025</a:t>
             </a:fld>
             <a:endParaRPr lang="de-DE"/>
           </a:p>
@@ -14468,7 +8814,7 @@
           <a:p>
             <a:fld id="{9EDA53E7-2EDE-4965-B6B1-09461EFCD02F}" type="datetimeFigureOut">
               <a:rPr lang="de-DE" smtClean="0"/>
-              <a:t>15.06.2025</a:t>
+              <a:t>16.06.2025</a:t>
             </a:fld>
             <a:endParaRPr lang="de-DE"/>
           </a:p>
@@ -14725,7 +9071,7 @@
           <a:p>
             <a:fld id="{9EDA53E7-2EDE-4965-B6B1-09461EFCD02F}" type="datetimeFigureOut">
               <a:rPr lang="de-DE" smtClean="0"/>
-              <a:t>15.06.2025</a:t>
+              <a:t>16.06.2025</a:t>
             </a:fld>
             <a:endParaRPr lang="de-DE"/>
           </a:p>
@@ -14987,7 +9333,7 @@
           <a:p>
             <a:fld id="{9EDA53E7-2EDE-4965-B6B1-09461EFCD02F}" type="datetimeFigureOut">
               <a:rPr lang="de-DE" smtClean="0"/>
-              <a:t>15.06.2025</a:t>
+              <a:t>16.06.2025</a:t>
             </a:fld>
             <a:endParaRPr lang="de-DE"/>
           </a:p>
@@ -15249,7 +9595,7 @@
           <a:p>
             <a:fld id="{9EDA53E7-2EDE-4965-B6B1-09461EFCD02F}" type="datetimeFigureOut">
               <a:rPr lang="de-DE" smtClean="0"/>
-              <a:t>15.06.2025</a:t>
+              <a:t>16.06.2025</a:t>
             </a:fld>
             <a:endParaRPr lang="de-DE"/>
           </a:p>
@@ -15578,7 +9924,7 @@
           <a:p>
             <a:fld id="{9EDA53E7-2EDE-4965-B6B1-09461EFCD02F}" type="datetimeFigureOut">
               <a:rPr lang="de-DE" smtClean="0"/>
-              <a:t>15.06.2025</a:t>
+              <a:t>16.06.2025</a:t>
             </a:fld>
             <a:endParaRPr lang="de-DE"/>
           </a:p>
@@ -15901,7 +10247,7 @@
           <a:p>
             <a:fld id="{9EDA53E7-2EDE-4965-B6B1-09461EFCD02F}" type="datetimeFigureOut">
               <a:rPr lang="de-DE" smtClean="0"/>
-              <a:t>15.06.2025</a:t>
+              <a:t>16.06.2025</a:t>
             </a:fld>
             <a:endParaRPr lang="de-DE"/>
           </a:p>
@@ -16358,7 +10704,7 @@
           <a:p>
             <a:fld id="{9EDA53E7-2EDE-4965-B6B1-09461EFCD02F}" type="datetimeFigureOut">
               <a:rPr lang="de-DE" smtClean="0"/>
-              <a:t>15.06.2025</a:t>
+              <a:t>16.06.2025</a:t>
             </a:fld>
             <a:endParaRPr lang="de-DE"/>
           </a:p>
@@ -16563,7 +10909,7 @@
           <a:p>
             <a:fld id="{9EDA53E7-2EDE-4965-B6B1-09461EFCD02F}" type="datetimeFigureOut">
               <a:rPr lang="de-DE" smtClean="0"/>
-              <a:t>15.06.2025</a:t>
+              <a:t>16.06.2025</a:t>
             </a:fld>
             <a:endParaRPr lang="de-DE"/>
           </a:p>
@@ -16740,7 +11086,7 @@
           <a:p>
             <a:fld id="{9EDA53E7-2EDE-4965-B6B1-09461EFCD02F}" type="datetimeFigureOut">
               <a:rPr lang="de-DE" smtClean="0"/>
-              <a:t>15.06.2025</a:t>
+              <a:t>16.06.2025</a:t>
             </a:fld>
             <a:endParaRPr lang="de-DE"/>
           </a:p>
@@ -17073,7 +11419,7 @@
           <a:p>
             <a:fld id="{9EDA53E7-2EDE-4965-B6B1-09461EFCD02F}" type="datetimeFigureOut">
               <a:rPr lang="de-DE" smtClean="0"/>
-              <a:t>15.06.2025</a:t>
+              <a:t>16.06.2025</a:t>
             </a:fld>
             <a:endParaRPr lang="de-DE"/>
           </a:p>
@@ -17418,7 +11764,7 @@
           <a:p>
             <a:fld id="{9EDA53E7-2EDE-4965-B6B1-09461EFCD02F}" type="datetimeFigureOut">
               <a:rPr lang="de-DE" smtClean="0"/>
-              <a:t>15.06.2025</a:t>
+              <a:t>16.06.2025</a:t>
             </a:fld>
             <a:endParaRPr lang="de-DE"/>
           </a:p>
@@ -19535,7 +13881,7 @@
           <a:p>
             <a:fld id="{9EDA53E7-2EDE-4965-B6B1-09461EFCD02F}" type="datetimeFigureOut">
               <a:rPr lang="de-DE" smtClean="0"/>
-              <a:t>15.06.2025</a:t>
+              <a:t>16.06.2025</a:t>
             </a:fld>
             <a:endParaRPr lang="de-DE"/>
           </a:p>
@@ -20122,7 +14468,7 @@
           <a:lstStyle/>
           <a:p>
             <a:r>
-              <a:rPr lang="de-DE"/>
+              <a:rPr lang="de-DE" dirty="0"/>
               <a:t>Josef Peer</a:t>
             </a:r>
           </a:p>
@@ -20207,106 +14553,6 @@
   <p:clrMapOvr>
     <a:masterClrMapping/>
   </p:clrMapOvr>
-  <p:timing>
-    <p:tnLst>
-      <p:par>
-        <p:cTn id="1" dur="indefinite" restart="never" nodeType="tmRoot">
-          <p:childTnLst>
-            <p:seq concurrent="1" nextAc="seek">
-              <p:cTn id="2" dur="indefinite" nodeType="mainSeq">
-                <p:childTnLst>
-                  <p:par>
-                    <p:cTn id="3" fill="hold">
-                      <p:stCondLst>
-                        <p:cond delay="indefinite"/>
-                        <p:cond evt="onBegin" delay="0">
-                          <p:tn val="2"/>
-                        </p:cond>
-                      </p:stCondLst>
-                      <p:childTnLst>
-                        <p:par>
-                          <p:cTn id="4" fill="hold">
-                            <p:stCondLst>
-                              <p:cond delay="0"/>
-                            </p:stCondLst>
-                            <p:childTnLst>
-                              <p:par>
-                                <p:cTn id="5" presetID="10" presetClass="entr" presetSubtype="0" fill="hold" grpId="0" nodeType="withEffect">
-                                  <p:stCondLst>
-                                    <p:cond delay="1500"/>
-                                  </p:stCondLst>
-                                  <p:iterate>
-                                    <p:tmPct val="10000"/>
-                                  </p:iterate>
-                                  <p:childTnLst>
-                                    <p:set>
-                                      <p:cBhvr>
-                                        <p:cTn id="6" dur="1" fill="hold">
-                                          <p:stCondLst>
-                                            <p:cond delay="0"/>
-                                          </p:stCondLst>
-                                        </p:cTn>
-                                        <p:tgtEl>
-                                          <p:spTgt spid="3">
-                                            <p:txEl>
-                                              <p:pRg st="0" end="0"/>
-                                            </p:txEl>
-                                          </p:spTgt>
-                                        </p:tgtEl>
-                                        <p:attrNameLst>
-                                          <p:attrName>style.visibility</p:attrName>
-                                        </p:attrNameLst>
-                                      </p:cBhvr>
-                                      <p:to>
-                                        <p:strVal val="visible"/>
-                                      </p:to>
-                                    </p:set>
-                                    <p:animEffect transition="in" filter="fade">
-                                      <p:cBhvr>
-                                        <p:cTn id="7" dur="700"/>
-                                        <p:tgtEl>
-                                          <p:spTgt spid="3">
-                                            <p:txEl>
-                                              <p:pRg st="0" end="0"/>
-                                            </p:txEl>
-                                          </p:spTgt>
-                                        </p:tgtEl>
-                                      </p:cBhvr>
-                                    </p:animEffect>
-                                  </p:childTnLst>
-                                </p:cTn>
-                              </p:par>
-                            </p:childTnLst>
-                          </p:cTn>
-                        </p:par>
-                      </p:childTnLst>
-                    </p:cTn>
-                  </p:par>
-                </p:childTnLst>
-              </p:cTn>
-              <p:prevCondLst>
-                <p:cond evt="onPrev" delay="0">
-                  <p:tgtEl>
-                    <p:sldTgt/>
-                  </p:tgtEl>
-                </p:cond>
-              </p:prevCondLst>
-              <p:nextCondLst>
-                <p:cond evt="onNext" delay="0">
-                  <p:tgtEl>
-                    <p:sldTgt/>
-                  </p:tgtEl>
-                </p:cond>
-              </p:nextCondLst>
-            </p:seq>
-          </p:childTnLst>
-        </p:cTn>
-      </p:par>
-    </p:tnLst>
-    <p:bldLst>
-      <p:bldP spid="3" grpId="0" build="p"/>
-    </p:bldLst>
-  </p:timing>
 </p:sld>
 </file>
 
@@ -20417,14 +14663,6 @@
 <file path=ppt/slides/slide3.xml><?xml version="1.0" encoding="utf-8"?>
 <p:sld xmlns:a="http://schemas.openxmlformats.org/drawingml/2006/main" xmlns:r="http://schemas.openxmlformats.org/officeDocument/2006/relationships" xmlns:p="http://schemas.openxmlformats.org/presentationml/2006/main">
   <p:cSld>
-    <p:bg>
-      <p:bgPr>
-        <a:solidFill>
-          <a:schemeClr val="bg1"/>
-        </a:solidFill>
-        <a:effectLst/>
-      </p:bgPr>
-    </p:bg>
     <p:spTree>
       <p:nvGrpSpPr>
         <p:cNvPr id="1" name=""/>
@@ -20444,7 +14682,7 @@
           <p:cNvPr id="2" name="Titel 1">
             <a:extLst>
               <a:ext uri="{FF2B5EF4-FFF2-40B4-BE49-F238E27FC236}">
-                <a16:creationId xmlns:a16="http://schemas.microsoft.com/office/drawing/2014/main" id="{E297F443-389C-01A8-64F0-D6B91D576714}"/>
+                <a16:creationId xmlns:a16="http://schemas.microsoft.com/office/drawing/2014/main" id="{209A0A86-6261-2B1D-F1E3-8D393BD09E21}"/>
               </a:ext>
             </a:extLst>
           </p:cNvPr>
@@ -20455,60 +14693,83 @@
             <p:ph type="title"/>
           </p:nvPr>
         </p:nvSpPr>
-        <p:spPr>
-          <a:xfrm>
-            <a:off x="612649" y="548639"/>
-            <a:ext cx="3494314" cy="5786638"/>
-          </a:xfrm>
-        </p:spPr>
+        <p:spPr/>
         <p:txBody>
-          <a:bodyPr anchor="t">
+          <a:bodyPr/>
+          <a:lstStyle/>
+          <a:p>
+            <a:r>
+              <a:rPr lang="de-DE" dirty="0"/>
+              <a:t>Frontend</a:t>
+            </a:r>
+          </a:p>
+        </p:txBody>
+      </p:sp>
+      <p:sp>
+        <p:nvSpPr>
+          <p:cNvPr id="3" name="Inhaltsplatzhalter 2">
+            <a:extLst>
+              <a:ext uri="{FF2B5EF4-FFF2-40B4-BE49-F238E27FC236}">
+                <a16:creationId xmlns:a16="http://schemas.microsoft.com/office/drawing/2014/main" id="{4F8E28B5-16F6-1E00-F939-C261610B6CA1}"/>
+              </a:ext>
+            </a:extLst>
+          </p:cNvPr>
+          <p:cNvSpPr>
+            <a:spLocks noGrp="1"/>
+          </p:cNvSpPr>
+          <p:nvPr>
+            <p:ph idx="1"/>
+          </p:nvPr>
+        </p:nvSpPr>
+        <p:spPr/>
+        <p:txBody>
+          <a:bodyPr>
             <a:normAutofit/>
           </a:bodyPr>
           <a:lstStyle/>
           <a:p>
             <a:r>
-              <a:rPr lang="de-DE" sz="3700"/>
-              <a:t>Nebenfunktionen</a:t>
+              <a:rPr lang="de-DE" sz="2400" dirty="0"/>
+              <a:t>Tabelle</a:t>
             </a:r>
+          </a:p>
+          <a:p>
+            <a:pPr lvl="1"/>
+            <a:r>
+              <a:rPr lang="de-DE" sz="2000" dirty="0"/>
+              <a:t>Übersichtlich</a:t>
+            </a:r>
+          </a:p>
+          <a:p>
+            <a:pPr lvl="1"/>
+            <a:r>
+              <a:rPr lang="de-DE" sz="2000" dirty="0"/>
+              <a:t>Sortiert nach Aktivität</a:t>
+            </a:r>
+          </a:p>
+          <a:p>
+            <a:r>
+              <a:rPr lang="de-DE" sz="2400" dirty="0"/>
+              <a:t>Integriertes Diagramm</a:t>
+            </a:r>
+          </a:p>
+          <a:p>
+            <a:pPr lvl="1"/>
+            <a:r>
+              <a:rPr lang="de-DE" sz="2000" dirty="0"/>
+              <a:t>Gestapelte Balken: Nutzung pro Tag &amp; Stunden</a:t>
+            </a:r>
+          </a:p>
+          <a:p>
+            <a:pPr lvl="1"/>
+            <a:endParaRPr lang="de-DE" sz="2000" dirty="0"/>
           </a:p>
         </p:txBody>
       </p:sp>
-      <p:graphicFrame>
-        <p:nvGraphicFramePr>
-          <p:cNvPr id="12" name="Inhaltsplatzhalter 2">
-            <a:extLst>
-              <a:ext uri="{FF2B5EF4-FFF2-40B4-BE49-F238E27FC236}">
-                <a16:creationId xmlns:a16="http://schemas.microsoft.com/office/drawing/2014/main" id="{F7B82A89-2DE1-D32D-EB28-5049328CDCCF}"/>
-              </a:ext>
-            </a:extLst>
-          </p:cNvPr>
-          <p:cNvGraphicFramePr>
-            <a:graphicFrameLocks noGrp="1"/>
-          </p:cNvGraphicFramePr>
-          <p:nvPr>
-            <p:ph idx="1"/>
-            <p:extLst>
-              <p:ext uri="{D42A27DB-BD31-4B8C-83A1-F6EECF244321}">
-                <p14:modId xmlns:p14="http://schemas.microsoft.com/office/powerpoint/2010/main" val="3385379781"/>
-              </p:ext>
-            </p:extLst>
-          </p:nvPr>
-        </p:nvGraphicFramePr>
-        <p:xfrm>
-          <a:off x="4608246" y="548640"/>
-          <a:ext cx="6949440" cy="5786637"/>
-        </p:xfrm>
-        <a:graphic>
-          <a:graphicData uri="http://schemas.openxmlformats.org/drawingml/2006/diagram">
-            <dgm:relIds xmlns:dgm="http://schemas.openxmlformats.org/drawingml/2006/diagram" xmlns:r="http://schemas.openxmlformats.org/officeDocument/2006/relationships" r:dm="rId2" r:lo="rId3" r:qs="rId4" r:cs="rId5"/>
-          </a:graphicData>
-        </a:graphic>
-      </p:graphicFrame>
     </p:spTree>
     <p:extLst>
       <p:ext uri="{BB962C8B-B14F-4D97-AF65-F5344CB8AC3E}">
-        <p14:creationId xmlns:p14="http://schemas.microsoft.com/office/powerpoint/2010/main" val="2405081366"/>
+        <p14:creationId xmlns:p14="http://schemas.microsoft.com/office/powerpoint/2010/main" val="1786781377"/>
       </p:ext>
     </p:extLst>
   </p:cSld>
@@ -20519,112 +14780,6 @@
 </file>
 
 <file path=ppt/slides/slide4.xml><?xml version="1.0" encoding="utf-8"?>
-<p:sld xmlns:a="http://schemas.openxmlformats.org/drawingml/2006/main" xmlns:r="http://schemas.openxmlformats.org/officeDocument/2006/relationships" xmlns:p="http://schemas.openxmlformats.org/presentationml/2006/main">
-  <p:cSld>
-    <p:bg>
-      <p:bgPr>
-        <a:solidFill>
-          <a:schemeClr val="bg1"/>
-        </a:solidFill>
-        <a:effectLst/>
-      </p:bgPr>
-    </p:bg>
-    <p:spTree>
-      <p:nvGrpSpPr>
-        <p:cNvPr id="1" name=""/>
-        <p:cNvGrpSpPr/>
-        <p:nvPr/>
-      </p:nvGrpSpPr>
-      <p:grpSpPr>
-        <a:xfrm>
-          <a:off x="0" y="0"/>
-          <a:ext cx="0" cy="0"/>
-          <a:chOff x="0" y="0"/>
-          <a:chExt cx="0" cy="0"/>
-        </a:xfrm>
-      </p:grpSpPr>
-      <p:sp>
-        <p:nvSpPr>
-          <p:cNvPr id="2" name="Titel 1">
-            <a:extLst>
-              <a:ext uri="{FF2B5EF4-FFF2-40B4-BE49-F238E27FC236}">
-                <a16:creationId xmlns:a16="http://schemas.microsoft.com/office/drawing/2014/main" id="{59EF3F86-463C-BD37-2D5B-B202BE818AE2}"/>
-              </a:ext>
-            </a:extLst>
-          </p:cNvPr>
-          <p:cNvSpPr>
-            <a:spLocks noGrp="1"/>
-          </p:cNvSpPr>
-          <p:nvPr>
-            <p:ph type="title"/>
-          </p:nvPr>
-        </p:nvSpPr>
-        <p:spPr>
-          <a:xfrm>
-            <a:off x="1524000" y="548640"/>
-            <a:ext cx="9160475" cy="1132258"/>
-          </a:xfrm>
-        </p:spPr>
-        <p:txBody>
-          <a:bodyPr anchor="ctr">
-            <a:normAutofit/>
-          </a:bodyPr>
-          <a:lstStyle/>
-          <a:p>
-            <a:pPr algn="ctr"/>
-            <a:r>
-              <a:rPr lang="de-DE" dirty="0"/>
-              <a:t>Zweck</a:t>
-            </a:r>
-            <a:endParaRPr lang="de-DE"/>
-          </a:p>
-        </p:txBody>
-      </p:sp>
-      <p:graphicFrame>
-        <p:nvGraphicFramePr>
-          <p:cNvPr id="12" name="Inhaltsplatzhalter 2">
-            <a:extLst>
-              <a:ext uri="{FF2B5EF4-FFF2-40B4-BE49-F238E27FC236}">
-                <a16:creationId xmlns:a16="http://schemas.microsoft.com/office/drawing/2014/main" id="{3B0BDCCB-CE1B-FD39-9397-B35F1FD1C912}"/>
-              </a:ext>
-            </a:extLst>
-          </p:cNvPr>
-          <p:cNvGraphicFramePr>
-            <a:graphicFrameLocks noGrp="1"/>
-          </p:cNvGraphicFramePr>
-          <p:nvPr>
-            <p:ph idx="1"/>
-            <p:extLst>
-              <p:ext uri="{D42A27DB-BD31-4B8C-83A1-F6EECF244321}">
-                <p14:modId xmlns:p14="http://schemas.microsoft.com/office/powerpoint/2010/main" val="2611064182"/>
-              </p:ext>
-            </p:extLst>
-          </p:nvPr>
-        </p:nvGraphicFramePr>
-        <p:xfrm>
-          <a:off x="930876" y="2037806"/>
-          <a:ext cx="10335350" cy="4066431"/>
-        </p:xfrm>
-        <a:graphic>
-          <a:graphicData uri="http://schemas.openxmlformats.org/drawingml/2006/diagram">
-            <dgm:relIds xmlns:dgm="http://schemas.openxmlformats.org/drawingml/2006/diagram" xmlns:r="http://schemas.openxmlformats.org/officeDocument/2006/relationships" r:dm="rId3" r:lo="rId4" r:qs="rId5" r:cs="rId6"/>
-          </a:graphicData>
-        </a:graphic>
-      </p:graphicFrame>
-    </p:spTree>
-    <p:extLst>
-      <p:ext uri="{BB962C8B-B14F-4D97-AF65-F5344CB8AC3E}">
-        <p14:creationId xmlns:p14="http://schemas.microsoft.com/office/powerpoint/2010/main" val="3290453872"/>
-      </p:ext>
-    </p:extLst>
-  </p:cSld>
-  <p:clrMapOvr>
-    <a:masterClrMapping/>
-  </p:clrMapOvr>
-</p:sld>
-</file>
-
-<file path=ppt/slides/slide5.xml><?xml version="1.0" encoding="utf-8"?>
 <p:sld xmlns:a="http://schemas.openxmlformats.org/drawingml/2006/main" xmlns:r="http://schemas.openxmlformats.org/officeDocument/2006/relationships" xmlns:p="http://schemas.openxmlformats.org/presentationml/2006/main">
   <p:cSld>
     <p:bg>
@@ -20946,7 +15101,7 @@
             <p:ph idx="1"/>
             <p:extLst>
               <p:ext uri="{D42A27DB-BD31-4B8C-83A1-F6EECF244321}">
-                <p14:modId xmlns:p14="http://schemas.microsoft.com/office/powerpoint/2010/main" val="3032412053"/>
+                <p14:modId xmlns:p14="http://schemas.microsoft.com/office/powerpoint/2010/main" val="3782304815"/>
               </p:ext>
             </p:extLst>
           </p:nvPr>
@@ -20974,171 +15129,7 @@
 </p:sld>
 </file>
 
-<file path=ppt/slides/slide6.xml><?xml version="1.0" encoding="utf-8"?>
-<p:sld xmlns:a="http://schemas.openxmlformats.org/drawingml/2006/main" xmlns:r="http://schemas.openxmlformats.org/officeDocument/2006/relationships" xmlns:p="http://schemas.openxmlformats.org/presentationml/2006/main">
-  <p:cSld>
-    <p:spTree>
-      <p:nvGrpSpPr>
-        <p:cNvPr id="1" name=""/>
-        <p:cNvGrpSpPr/>
-        <p:nvPr/>
-      </p:nvGrpSpPr>
-      <p:grpSpPr>
-        <a:xfrm>
-          <a:off x="0" y="0"/>
-          <a:ext cx="0" cy="0"/>
-          <a:chOff x="0" y="0"/>
-          <a:chExt cx="0" cy="0"/>
-        </a:xfrm>
-      </p:grpSpPr>
-      <p:sp>
-        <p:nvSpPr>
-          <p:cNvPr id="2" name="Titel 1">
-            <a:extLst>
-              <a:ext uri="{FF2B5EF4-FFF2-40B4-BE49-F238E27FC236}">
-                <a16:creationId xmlns:a16="http://schemas.microsoft.com/office/drawing/2014/main" id="{209A0A86-6261-2B1D-F1E3-8D393BD09E21}"/>
-              </a:ext>
-            </a:extLst>
-          </p:cNvPr>
-          <p:cNvSpPr>
-            <a:spLocks noGrp="1"/>
-          </p:cNvSpPr>
-          <p:nvPr>
-            <p:ph type="title"/>
-          </p:nvPr>
-        </p:nvSpPr>
-        <p:spPr/>
-        <p:txBody>
-          <a:bodyPr/>
-          <a:lstStyle/>
-          <a:p>
-            <a:r>
-              <a:rPr lang="de-DE" dirty="0"/>
-              <a:t>Frontend</a:t>
-            </a:r>
-          </a:p>
-        </p:txBody>
-      </p:sp>
-      <p:sp>
-        <p:nvSpPr>
-          <p:cNvPr id="3" name="Inhaltsplatzhalter 2">
-            <a:extLst>
-              <a:ext uri="{FF2B5EF4-FFF2-40B4-BE49-F238E27FC236}">
-                <a16:creationId xmlns:a16="http://schemas.microsoft.com/office/drawing/2014/main" id="{4F8E28B5-16F6-1E00-F939-C261610B6CA1}"/>
-              </a:ext>
-            </a:extLst>
-          </p:cNvPr>
-          <p:cNvSpPr>
-            <a:spLocks noGrp="1"/>
-          </p:cNvSpPr>
-          <p:nvPr>
-            <p:ph idx="1"/>
-          </p:nvPr>
-        </p:nvSpPr>
-        <p:spPr/>
-        <p:txBody>
-          <a:bodyPr>
-            <a:normAutofit lnSpcReduction="10000"/>
-          </a:bodyPr>
-          <a:lstStyle/>
-          <a:p>
-            <a:r>
-              <a:rPr lang="de-DE" dirty="0"/>
-              <a:t>Design</a:t>
-            </a:r>
-          </a:p>
-          <a:p>
-            <a:pPr lvl="1"/>
-            <a:r>
-              <a:rPr lang="de-DE" dirty="0"/>
-              <a:t>Übersichtliche Tabellenansicht</a:t>
-            </a:r>
-          </a:p>
-          <a:p>
-            <a:pPr lvl="1"/>
-            <a:r>
-              <a:rPr lang="de-DE" dirty="0" err="1"/>
-              <a:t>Scrollbar</a:t>
-            </a:r>
-            <a:r>
-              <a:rPr lang="de-DE" dirty="0"/>
-              <a:t> für lange Listen</a:t>
-            </a:r>
-          </a:p>
-          <a:p>
-            <a:pPr lvl="1"/>
-            <a:r>
-              <a:rPr lang="de-DE" dirty="0"/>
-              <a:t>Farblich hervorgehobene, aktive Programme</a:t>
-            </a:r>
-          </a:p>
-          <a:p>
-            <a:r>
-              <a:rPr lang="de-DE" dirty="0"/>
-              <a:t>Automatisches Nachladen aller Programme (per </a:t>
-            </a:r>
-            <a:r>
-              <a:rPr lang="de-DE" dirty="0" err="1"/>
-              <a:t>Timer</a:t>
-            </a:r>
-            <a:r>
-              <a:rPr lang="de-DE" dirty="0"/>
-              <a:t>)</a:t>
-            </a:r>
-          </a:p>
-          <a:p>
-            <a:r>
-              <a:rPr lang="de-DE" dirty="0"/>
-              <a:t>Sortierung:</a:t>
-            </a:r>
-          </a:p>
-          <a:p>
-            <a:pPr lvl="1"/>
-            <a:r>
-              <a:rPr lang="de-DE" dirty="0"/>
-              <a:t>Oben aktive Programme (laufende Sessions)</a:t>
-            </a:r>
-          </a:p>
-          <a:p>
-            <a:pPr lvl="1"/>
-            <a:r>
-              <a:rPr lang="de-DE" dirty="0"/>
-              <a:t>Innerhalb aktiv/inaktiv nach letzter Aktivität</a:t>
-            </a:r>
-          </a:p>
-          <a:p>
-            <a:r>
-              <a:rPr lang="de-DE" dirty="0"/>
-              <a:t>Integriertes Diagramm</a:t>
-            </a:r>
-          </a:p>
-          <a:p>
-            <a:pPr lvl="1"/>
-            <a:r>
-              <a:rPr lang="de-DE" dirty="0"/>
-              <a:t>Gestapelte Balken: Nutzung pro Tag &amp; Programm</a:t>
-            </a:r>
-          </a:p>
-          <a:p>
-            <a:pPr lvl="1"/>
-            <a:endParaRPr lang="de-DE" dirty="0"/>
-          </a:p>
-        </p:txBody>
-      </p:sp>
-    </p:spTree>
-    <p:extLst>
-      <p:ext uri="{BB962C8B-B14F-4D97-AF65-F5344CB8AC3E}">
-        <p14:creationId xmlns:p14="http://schemas.microsoft.com/office/powerpoint/2010/main" val="1786781377"/>
-      </p:ext>
-    </p:extLst>
-  </p:cSld>
-  <p:clrMapOvr>
-    <a:masterClrMapping/>
-  </p:clrMapOvr>
-</p:sld>
-</file>
-
-<file path=ppt/slides/slide7.xml><?xml version="1.0" encoding="utf-8"?>
+<file path=ppt/slides/slide5.xml><?xml version="1.0" encoding="utf-8"?>
 <p:sld xmlns:a="http://schemas.openxmlformats.org/drawingml/2006/main" xmlns:r="http://schemas.openxmlformats.org/officeDocument/2006/relationships" xmlns:p="http://schemas.openxmlformats.org/presentationml/2006/main">
   <p:cSld>
     <p:spTree>
@@ -21369,7 +15360,7 @@
               <a:t> Lösung: Prozesse aus </a:t>
             </a:r>
             <a:r>
-              <a:rPr lang="de-DE" sz="1400" b="1" i="1" dirty="0">
+              <a:rPr lang="de-DE" sz="1400" i="1" dirty="0">
                 <a:sym typeface="Wingdings" panose="05000000000000000000" pitchFamily="2" charset="2"/>
               </a:rPr>
               <a:t>%Windows% </a:t>
@@ -21399,7 +15390,7 @@
 </p:sld>
 </file>
 
-<file path=ppt/slides/slide8.xml><?xml version="1.0" encoding="utf-8"?>
+<file path=ppt/slides/slide6.xml><?xml version="1.0" encoding="utf-8"?>
 <p:sld xmlns:a="http://schemas.openxmlformats.org/drawingml/2006/main" xmlns:r="http://schemas.openxmlformats.org/officeDocument/2006/relationships" xmlns:p="http://schemas.openxmlformats.org/presentationml/2006/main">
   <p:cSld>
     <p:spTree>
@@ -21439,7 +15430,7 @@
           <a:p>
             <a:r>
               <a:rPr lang="de-DE"/>
-              <a:t>DEMO</a:t>
+              <a:t>DEMONSTRATION</a:t>
             </a:r>
           </a:p>
         </p:txBody>
